--- a/tests/testresults/script_IQSlidedeck_IQnew.pptx
+++ b/tests/testresults/script_IQSlidedeck_IQnew.pptx
@@ -10171,7 +10171,7 @@
           <a:p>
             <a:r>
               <a:rPr/>
-              <a:t>2023-12-22</a:t>
+              <a:t>2024-01-12</a:t>
             </a:r>
           </a:p>
         </p:txBody>
@@ -10336,7 +10336,7 @@
           <a:p>
             <a:r>
               <a:rPr/>
-              <a:t>script_IQSlidedeck.R | Date: 2023-12-22 14:50:27</a:t>
+              <a:t>script_IQSlidedeck.R | Date: 2024-01-12 17:01:57</a:t>
             </a:r>
           </a:p>
         </p:txBody>
@@ -10704,7 +10704,7 @@
           <a:p>
             <a:r>
               <a:rPr/>
-              <a:t>script_IQSlidedeck.R | Date: 2023-12-22 14:50:28</a:t>
+              <a:t>script_IQSlidedeck.R | Date: 2024-01-12 17:01:58</a:t>
             </a:r>
           </a:p>
         </p:txBody>
@@ -11072,7 +11072,7 @@
           <a:p>
             <a:r>
               <a:rPr/>
-              <a:t>script_IQSlidedeck.R | Date: 2023-12-22 14:50:30</a:t>
+              <a:t>script_IQSlidedeck.R | Date: 2024-01-12 17:01:59</a:t>
             </a:r>
           </a:p>
         </p:txBody>
@@ -11262,7 +11262,7 @@
           <a:p>
             <a:r>
               <a:rPr/>
-              <a:t>script_IQSlidedeck.R | Date: 2023-12-22 14:50:39</a:t>
+              <a:t>script_IQSlidedeck.R | Date: 2024-01-12 17:02:08</a:t>
             </a:r>
           </a:p>
         </p:txBody>
@@ -11393,7 +11393,7 @@
           <a:p>
             <a:r>
               <a:rPr/>
-              <a:t>script_IQSlidedeck.R | Date: 2023-12-22 14:50:39</a:t>
+              <a:t>script_IQSlidedeck.R | Date: 2024-01-12 17:02:08</a:t>
             </a:r>
           </a:p>
         </p:txBody>
@@ -11553,7 +11553,7 @@
           <a:p>
             <a:r>
               <a:rPr/>
-              <a:t>script_IQSlidedeck.R | Date: 2023-12-22 14:50:39</a:t>
+              <a:t>script_IQSlidedeck.R | Date: 2024-01-12 17:02:08</a:t>
             </a:r>
           </a:p>
         </p:txBody>
@@ -11691,7 +11691,7 @@
           <a:p>
             <a:r>
               <a:rPr/>
-              <a:t>script_IQSlidedeck.R | Date: 2023-12-22 14:50:39</a:t>
+              <a:t>script_IQSlidedeck.R | Date: 2024-01-12 17:02:08</a:t>
             </a:r>
           </a:p>
         </p:txBody>
@@ -11855,7 +11855,7 @@
           <a:p>
             <a:r>
               <a:rPr/>
-              <a:t>script_IQSlidedeck.R | Date: 2023-12-22 14:50:26</a:t>
+              <a:t>script_IQSlidedeck.R | Date: 2024-01-12 17:01:55</a:t>
             </a:r>
           </a:p>
         </p:txBody>
@@ -12072,7 +12072,7 @@
           <a:p>
             <a:r>
               <a:rPr/>
-              <a:t>script_IQSlidedeck.R | Date: 2023-12-22 14:50:26</a:t>
+              <a:t>script_IQSlidedeck.R | Date: 2024-01-12 17:01:55</a:t>
             </a:r>
           </a:p>
         </p:txBody>
@@ -12177,7 +12177,7 @@
           <a:p>
             <a:r>
               <a:rPr/>
-              <a:t>script_IQSlidedeck.R | Date: 2023-12-22 14:50:30</a:t>
+              <a:t>script_IQSlidedeck.R | Date: 2024-01-12 17:02:00</a:t>
             </a:r>
           </a:p>
         </p:txBody>
@@ -12282,7 +12282,7 @@
           <a:p>
             <a:r>
               <a:rPr/>
-              <a:t>script_IQSlidedeck.R | Date: 2023-12-22 14:50:31</a:t>
+              <a:t>script_IQSlidedeck.R | Date: 2024-01-12 17:02:01</a:t>
             </a:r>
           </a:p>
         </p:txBody>
@@ -12387,7 +12387,7 @@
           <a:p>
             <a:r>
               <a:rPr/>
-              <a:t>script_IQSlidedeck.R | Date: 2023-12-22 14:50:38</a:t>
+              <a:t>script_IQSlidedeck.R | Date: 2024-01-12 17:02:07</a:t>
             </a:r>
           </a:p>
         </p:txBody>

--- a/tests/testresults/script_IQSlidedeck_IQnew.pptx
+++ b/tests/testresults/script_IQSlidedeck_IQnew.pptx
@@ -10336,7 +10336,7 @@
           <a:p>
             <a:r>
               <a:rPr/>
-              <a:t>script_IQSlidedeck.R | Date: 2024-01-12 17:01:57</a:t>
+              <a:t>script_IQSlidedeck.R | Date: 2024-01-12 18:15:22</a:t>
             </a:r>
           </a:p>
         </p:txBody>
@@ -10704,7 +10704,7 @@
           <a:p>
             <a:r>
               <a:rPr/>
-              <a:t>script_IQSlidedeck.R | Date: 2024-01-12 17:01:58</a:t>
+              <a:t>script_IQSlidedeck.R | Date: 2024-01-12 18:15:24</a:t>
             </a:r>
           </a:p>
         </p:txBody>
@@ -11072,7 +11072,7 @@
           <a:p>
             <a:r>
               <a:rPr/>
-              <a:t>script_IQSlidedeck.R | Date: 2024-01-12 17:01:59</a:t>
+              <a:t>script_IQSlidedeck.R | Date: 2024-01-12 18:15:25</a:t>
             </a:r>
           </a:p>
         </p:txBody>
@@ -11262,7 +11262,7 @@
           <a:p>
             <a:r>
               <a:rPr/>
-              <a:t>script_IQSlidedeck.R | Date: 2024-01-12 17:02:08</a:t>
+              <a:t>script_IQSlidedeck.R | Date: 2024-01-12 18:15:34</a:t>
             </a:r>
           </a:p>
         </p:txBody>
@@ -11393,7 +11393,7 @@
           <a:p>
             <a:r>
               <a:rPr/>
-              <a:t>script_IQSlidedeck.R | Date: 2024-01-12 17:02:08</a:t>
+              <a:t>script_IQSlidedeck.R | Date: 2024-01-12 18:15:34</a:t>
             </a:r>
           </a:p>
         </p:txBody>
@@ -11553,7 +11553,7 @@
           <a:p>
             <a:r>
               <a:rPr/>
-              <a:t>script_IQSlidedeck.R | Date: 2024-01-12 17:02:08</a:t>
+              <a:t>script_IQSlidedeck.R | Date: 2024-01-12 18:15:34</a:t>
             </a:r>
           </a:p>
         </p:txBody>
@@ -11691,7 +11691,7 @@
           <a:p>
             <a:r>
               <a:rPr/>
-              <a:t>script_IQSlidedeck.R | Date: 2024-01-12 17:02:08</a:t>
+              <a:t>script_IQSlidedeck.R | Date: 2024-01-12 18:15:34</a:t>
             </a:r>
           </a:p>
         </p:txBody>
@@ -11855,7 +11855,7 @@
           <a:p>
             <a:r>
               <a:rPr/>
-              <a:t>script_IQSlidedeck.R | Date: 2024-01-12 17:01:55</a:t>
+              <a:t>script_IQSlidedeck.R | Date: 2024-01-12 18:15:21</a:t>
             </a:r>
           </a:p>
         </p:txBody>
@@ -12072,7 +12072,7 @@
           <a:p>
             <a:r>
               <a:rPr/>
-              <a:t>script_IQSlidedeck.R | Date: 2024-01-12 17:01:55</a:t>
+              <a:t>script_IQSlidedeck.R | Date: 2024-01-12 18:15:21</a:t>
             </a:r>
           </a:p>
         </p:txBody>
@@ -12177,7 +12177,7 @@
           <a:p>
             <a:r>
               <a:rPr/>
-              <a:t>script_IQSlidedeck.R | Date: 2024-01-12 17:02:00</a:t>
+              <a:t>script_IQSlidedeck.R | Date: 2024-01-12 18:15:26</a:t>
             </a:r>
           </a:p>
         </p:txBody>
@@ -12282,7 +12282,7 @@
           <a:p>
             <a:r>
               <a:rPr/>
-              <a:t>script_IQSlidedeck.R | Date: 2024-01-12 17:02:01</a:t>
+              <a:t>script_IQSlidedeck.R | Date: 2024-01-12 18:15:27</a:t>
             </a:r>
           </a:p>
         </p:txBody>
@@ -12387,7 +12387,7 @@
           <a:p>
             <a:r>
               <a:rPr/>
-              <a:t>script_IQSlidedeck.R | Date: 2024-01-12 17:02:07</a:t>
+              <a:t>script_IQSlidedeck.R | Date: 2024-01-12 18:15:33</a:t>
             </a:r>
           </a:p>
         </p:txBody>

--- a/tests/testresults/script_IQSlidedeck_IQnew.pptx
+++ b/tests/testresults/script_IQSlidedeck_IQnew.pptx
@@ -7,7 +7,7 @@
   <p:notesMasterIdLst>
     <p:notesMasterId r:id="rId2"/>
   </p:notesMasterIdLst>
-  <p:sldIdLst xmlns:a="http://schemas.openxmlformats.org/drawingml/2006/main" xmlns:r="http://schemas.openxmlformats.org/officeDocument/2006/relationships" xmlns:p="http://schemas.openxmlformats.org/presentationml/2006/main">
+  <p:sldIdLst>
     <p:sldId id="256" r:id="rId7"/>
     <p:sldId id="257" r:id="rId8"/>
     <p:sldId id="258" r:id="rId9"/>
@@ -10095,7 +10095,7 @@
           <a:chExt cx="0" cy="0"/>
         </a:xfrm>
       </p:grpSpPr>
-      <p:sp xmlns:a="http://schemas.openxmlformats.org/drawingml/2006/main" xmlns:r="http://schemas.openxmlformats.org/officeDocument/2006/relationships" xmlns:p="http://schemas.openxmlformats.org/presentationml/2006/main">
+      <p:sp>
         <p:nvSpPr>
           <p:cNvPr id="2" name="Titel 1"/>
           <p:cNvSpPr>
@@ -10122,7 +10122,7 @@
           </a:p>
         </p:txBody>
       </p:sp>
-      <p:sp xmlns:a="http://schemas.openxmlformats.org/drawingml/2006/main" xmlns:r="http://schemas.openxmlformats.org/officeDocument/2006/relationships" xmlns:p="http://schemas.openxmlformats.org/presentationml/2006/main">
+      <p:sp>
         <p:nvSpPr>
           <p:cNvPr id="3" name="Untertitel 2"/>
           <p:cNvSpPr>
@@ -10149,7 +10149,7 @@
           </a:p>
         </p:txBody>
       </p:sp>
-      <p:sp xmlns:a="http://schemas.openxmlformats.org/drawingml/2006/main" xmlns:r="http://schemas.openxmlformats.org/officeDocument/2006/relationships" xmlns:p="http://schemas.openxmlformats.org/presentationml/2006/main">
+      <p:sp>
         <p:nvSpPr>
           <p:cNvPr id="4" name="Date Placeholder 3"/>
           <p:cNvSpPr>
@@ -10171,12 +10171,12 @@
           <a:p>
             <a:r>
               <a:rPr/>
-              <a:t>2024-01-12</a:t>
-            </a:r>
-          </a:p>
-        </p:txBody>
-      </p:sp>
-      <p:sp xmlns:a="http://schemas.openxmlformats.org/drawingml/2006/main" xmlns:r="http://schemas.openxmlformats.org/officeDocument/2006/relationships" xmlns:p="http://schemas.openxmlformats.org/presentationml/2006/main">
+              <a:t>2024-10-03</a:t>
+            </a:r>
+          </a:p>
+        </p:txBody>
+      </p:sp>
+      <p:sp>
         <p:nvSpPr>
           <p:cNvPr id="5" name="Author Placeholder 6"/>
           <p:cNvSpPr>
@@ -10228,7 +10228,7 @@
           <a:chExt cx="0" cy="0"/>
         </a:xfrm>
       </p:grpSpPr>
-      <p:sp xmlns:a="http://schemas.openxmlformats.org/drawingml/2006/main" xmlns:r="http://schemas.openxmlformats.org/officeDocument/2006/relationships" xmlns:p="http://schemas.openxmlformats.org/presentationml/2006/main">
+      <p:sp>
         <p:nvSpPr>
           <p:cNvPr id="2" name="Title 1"/>
           <p:cNvSpPr>
@@ -10255,7 +10255,7 @@
           </a:p>
         </p:txBody>
       </p:sp>
-      <p:sp xmlns:a="http://schemas.openxmlformats.org/drawingml/2006/main" xmlns:r="http://schemas.openxmlformats.org/officeDocument/2006/relationships" xmlns:p="http://schemas.openxmlformats.org/presentationml/2006/main">
+      <p:sp>
         <p:nvSpPr>
           <p:cNvPr id="3" name="Content Placeholder 2"/>
           <p:cNvSpPr>
@@ -10288,7 +10288,7 @@
           </a:p>
         </p:txBody>
       </p:sp>
-      <p:pic xmlns:a="http://schemas.openxmlformats.org/drawingml/2006/main" xmlns:r="http://schemas.openxmlformats.org/officeDocument/2006/relationships" xmlns:p="http://schemas.openxmlformats.org/presentationml/2006/main">
+      <p:pic>
         <p:nvPicPr>
           <p:cNvPr id="4" name="Content Placeholder 3" descr=""/>
           <p:cNvPicPr>
@@ -10314,7 +10314,7 @@
           </a:prstGeom>
         </p:spPr>
       </p:pic>
-      <p:sp xmlns:a="http://schemas.openxmlformats.org/drawingml/2006/main" xmlns:r="http://schemas.openxmlformats.org/officeDocument/2006/relationships" xmlns:p="http://schemas.openxmlformats.org/presentationml/2006/main">
+      <p:sp>
         <p:nvSpPr>
           <p:cNvPr id="5" name="Footer Placeholder 5"/>
           <p:cNvSpPr>
@@ -10336,7 +10336,7 @@
           <a:p>
             <a:r>
               <a:rPr/>
-              <a:t>script_IQSlidedeck.R | Date: 2024-01-12 18:15:22</a:t>
+              <a:t>script_IQSlidedeck.R | Date: 2024-10-03 11:57:36.691939</a:t>
             </a:r>
           </a:p>
         </p:txBody>
@@ -10366,7 +10366,7 @@
           <a:chExt cx="0" cy="0"/>
         </a:xfrm>
       </p:grpSpPr>
-      <p:sp xmlns:a="http://schemas.openxmlformats.org/drawingml/2006/main" xmlns:r="http://schemas.openxmlformats.org/officeDocument/2006/relationships" xmlns:p="http://schemas.openxmlformats.org/presentationml/2006/main">
+      <p:sp>
         <p:nvSpPr>
           <p:cNvPr id="2" name="Title 1"/>
           <p:cNvSpPr>
@@ -10393,7 +10393,7 @@
           </a:p>
         </p:txBody>
       </p:sp>
-      <p:sp xmlns:a="http://schemas.openxmlformats.org/drawingml/2006/main" xmlns:r="http://schemas.openxmlformats.org/officeDocument/2006/relationships" xmlns:p="http://schemas.openxmlformats.org/presentationml/2006/main">
+      <p:sp>
         <p:nvSpPr>
           <p:cNvPr id="3" name="Content Placeholder 2"/>
           <p:cNvSpPr>
@@ -10656,7 +10656,7 @@
           </a:p>
         </p:txBody>
       </p:sp>
-      <p:pic xmlns:a="http://schemas.openxmlformats.org/drawingml/2006/main" xmlns:r="http://schemas.openxmlformats.org/officeDocument/2006/relationships" xmlns:p="http://schemas.openxmlformats.org/presentationml/2006/main">
+      <p:pic>
         <p:nvPicPr>
           <p:cNvPr id="4" name="Content Placeholder 3" descr=""/>
           <p:cNvPicPr>
@@ -10682,7 +10682,7 @@
           </a:prstGeom>
         </p:spPr>
       </p:pic>
-      <p:sp xmlns:a="http://schemas.openxmlformats.org/drawingml/2006/main" xmlns:r="http://schemas.openxmlformats.org/officeDocument/2006/relationships" xmlns:p="http://schemas.openxmlformats.org/presentationml/2006/main">
+      <p:sp>
         <p:nvSpPr>
           <p:cNvPr id="5" name="Footer Placeholder 5"/>
           <p:cNvSpPr>
@@ -10704,7 +10704,7 @@
           <a:p>
             <a:r>
               <a:rPr/>
-              <a:t>script_IQSlidedeck.R | Date: 2024-01-12 18:15:24</a:t>
+              <a:t>script_IQSlidedeck.R | Date: 2024-10-03 11:57:37.544605</a:t>
             </a:r>
           </a:p>
         </p:txBody>
@@ -10734,7 +10734,7 @@
           <a:chExt cx="0" cy="0"/>
         </a:xfrm>
       </p:grpSpPr>
-      <p:sp xmlns:a="http://schemas.openxmlformats.org/drawingml/2006/main" xmlns:r="http://schemas.openxmlformats.org/officeDocument/2006/relationships" xmlns:p="http://schemas.openxmlformats.org/presentationml/2006/main">
+      <p:sp>
         <p:nvSpPr>
           <p:cNvPr id="2" name="Title 1"/>
           <p:cNvSpPr>
@@ -10761,7 +10761,7 @@
           </a:p>
         </p:txBody>
       </p:sp>
-      <p:pic xmlns:a="http://schemas.openxmlformats.org/drawingml/2006/main" xmlns:r="http://schemas.openxmlformats.org/officeDocument/2006/relationships" xmlns:p="http://schemas.openxmlformats.org/presentationml/2006/main">
+      <p:pic>
         <p:nvPicPr>
           <p:cNvPr id="3" name="Content Placeholder 2" descr=""/>
           <p:cNvPicPr>
@@ -10787,7 +10787,7 @@
           </a:prstGeom>
         </p:spPr>
       </p:pic>
-      <p:sp xmlns:a="http://schemas.openxmlformats.org/drawingml/2006/main" xmlns:r="http://schemas.openxmlformats.org/officeDocument/2006/relationships" xmlns:p="http://schemas.openxmlformats.org/presentationml/2006/main">
+      <p:sp>
         <p:nvSpPr>
           <p:cNvPr id="4" name="Content Placeholder 3"/>
           <p:cNvSpPr>
@@ -11050,7 +11050,7 @@
           </a:p>
         </p:txBody>
       </p:sp>
-      <p:sp xmlns:a="http://schemas.openxmlformats.org/drawingml/2006/main" xmlns:r="http://schemas.openxmlformats.org/officeDocument/2006/relationships" xmlns:p="http://schemas.openxmlformats.org/presentationml/2006/main">
+      <p:sp>
         <p:nvSpPr>
           <p:cNvPr id="5" name="Footer Placeholder 5"/>
           <p:cNvSpPr>
@@ -11072,7 +11072,7 @@
           <a:p>
             <a:r>
               <a:rPr/>
-              <a:t>script_IQSlidedeck.R | Date: 2024-01-12 18:15:25</a:t>
+              <a:t>script_IQSlidedeck.R | Date: 2024-10-03 11:57:38.573462</a:t>
             </a:r>
           </a:p>
         </p:txBody>
@@ -11102,7 +11102,7 @@
           <a:chExt cx="0" cy="0"/>
         </a:xfrm>
       </p:grpSpPr>
-      <p:sp xmlns:a="http://schemas.openxmlformats.org/drawingml/2006/main" xmlns:r="http://schemas.openxmlformats.org/officeDocument/2006/relationships" xmlns:p="http://schemas.openxmlformats.org/presentationml/2006/main">
+      <p:sp>
         <p:nvSpPr>
           <p:cNvPr id="2" name="Title 1"/>
           <p:cNvSpPr>
@@ -11154,7 +11154,7 @@
           <a:chExt cx="0" cy="0"/>
         </a:xfrm>
       </p:grpSpPr>
-      <p:sp xmlns:a="http://schemas.openxmlformats.org/drawingml/2006/main" xmlns:r="http://schemas.openxmlformats.org/officeDocument/2006/relationships" xmlns:p="http://schemas.openxmlformats.org/presentationml/2006/main">
+      <p:sp>
         <p:nvSpPr>
           <p:cNvPr id="2" name="Title 1"/>
           <p:cNvSpPr>
@@ -11181,7 +11181,7 @@
           </a:p>
         </p:txBody>
       </p:sp>
-      <p:sp xmlns:a="http://schemas.openxmlformats.org/drawingml/2006/main" xmlns:r="http://schemas.openxmlformats.org/officeDocument/2006/relationships" xmlns:p="http://schemas.openxmlformats.org/presentationml/2006/main">
+      <p:sp>
         <p:nvSpPr>
           <p:cNvPr id="3" name="Content Placeholder 2"/>
           <p:cNvSpPr>
@@ -11214,7 +11214,7 @@
           </a:p>
         </p:txBody>
       </p:sp>
-      <p:pic xmlns:a="http://schemas.openxmlformats.org/drawingml/2006/main" xmlns:r="http://schemas.openxmlformats.org/officeDocument/2006/relationships" xmlns:p="http://schemas.openxmlformats.org/presentationml/2006/main">
+      <p:pic>
         <p:nvPicPr>
           <p:cNvPr id="4" name="Content Placeholder 3" descr=""/>
           <p:cNvPicPr>
@@ -11240,7 +11240,7 @@
           </a:prstGeom>
         </p:spPr>
       </p:pic>
-      <p:sp xmlns:a="http://schemas.openxmlformats.org/drawingml/2006/main" xmlns:r="http://schemas.openxmlformats.org/officeDocument/2006/relationships" xmlns:p="http://schemas.openxmlformats.org/presentationml/2006/main">
+      <p:sp>
         <p:nvSpPr>
           <p:cNvPr id="5" name="Footer Placeholder 5"/>
           <p:cNvSpPr>
@@ -11262,7 +11262,7 @@
           <a:p>
             <a:r>
               <a:rPr/>
-              <a:t>script_IQSlidedeck.R | Date: 2024-01-12 18:15:34</a:t>
+              <a:t>script_IQSlidedeck.R | Date: 2024-10-03 11:57:47.755544</a:t>
             </a:r>
           </a:p>
         </p:txBody>
@@ -11292,7 +11292,7 @@
           <a:chExt cx="0" cy="0"/>
         </a:xfrm>
       </p:grpSpPr>
-      <p:sp xmlns:a="http://schemas.openxmlformats.org/drawingml/2006/main" xmlns:r="http://schemas.openxmlformats.org/officeDocument/2006/relationships" xmlns:p="http://schemas.openxmlformats.org/presentationml/2006/main">
+      <p:sp>
         <p:nvSpPr>
           <p:cNvPr id="2" name="Title 1"/>
           <p:cNvSpPr>
@@ -11319,7 +11319,7 @@
           </a:p>
         </p:txBody>
       </p:sp>
-      <p:pic xmlns:a="http://schemas.openxmlformats.org/drawingml/2006/main" xmlns:r="http://schemas.openxmlformats.org/officeDocument/2006/relationships" xmlns:p="http://schemas.openxmlformats.org/presentationml/2006/main">
+      <p:pic>
         <p:nvPicPr>
           <p:cNvPr id="3" name="Content Placeholder 2" descr=""/>
           <p:cNvPicPr>
@@ -11345,7 +11345,7 @@
           </a:prstGeom>
         </p:spPr>
       </p:pic>
-      <p:pic xmlns:a="http://schemas.openxmlformats.org/drawingml/2006/main" xmlns:r="http://schemas.openxmlformats.org/officeDocument/2006/relationships" xmlns:p="http://schemas.openxmlformats.org/presentationml/2006/main">
+      <p:pic>
         <p:nvPicPr>
           <p:cNvPr id="4" name="Content Placeholder 3" descr=""/>
           <p:cNvPicPr>
@@ -11371,7 +11371,7 @@
           </a:prstGeom>
         </p:spPr>
       </p:pic>
-      <p:sp xmlns:a="http://schemas.openxmlformats.org/drawingml/2006/main" xmlns:r="http://schemas.openxmlformats.org/officeDocument/2006/relationships" xmlns:p="http://schemas.openxmlformats.org/presentationml/2006/main">
+      <p:sp>
         <p:nvSpPr>
           <p:cNvPr id="5" name="Footer Placeholder 5"/>
           <p:cNvSpPr>
@@ -11393,7 +11393,7 @@
           <a:p>
             <a:r>
               <a:rPr/>
-              <a:t>script_IQSlidedeck.R | Date: 2024-01-12 18:15:34</a:t>
+              <a:t>script_IQSlidedeck.R | Date: 2024-10-03 11:57:47.794485</a:t>
             </a:r>
           </a:p>
         </p:txBody>
@@ -11423,7 +11423,7 @@
           <a:chExt cx="0" cy="0"/>
         </a:xfrm>
       </p:grpSpPr>
-      <p:sp xmlns:a="http://schemas.openxmlformats.org/drawingml/2006/main" xmlns:r="http://schemas.openxmlformats.org/officeDocument/2006/relationships" xmlns:p="http://schemas.openxmlformats.org/presentationml/2006/main">
+      <p:sp>
         <p:nvSpPr>
           <p:cNvPr id="2" name="Title 1"/>
           <p:cNvSpPr>
@@ -11450,7 +11450,7 @@
           </a:p>
         </p:txBody>
       </p:sp>
-      <p:pic xmlns:a="http://schemas.openxmlformats.org/drawingml/2006/main" xmlns:r="http://schemas.openxmlformats.org/officeDocument/2006/relationships" xmlns:p="http://schemas.openxmlformats.org/presentationml/2006/main">
+      <p:pic>
         <p:nvPicPr>
           <p:cNvPr id="3" name="Content Placeholder 2" descr=""/>
           <p:cNvPicPr>
@@ -11476,7 +11476,7 @@
           </a:prstGeom>
         </p:spPr>
       </p:pic>
-      <p:sp xmlns:a="http://schemas.openxmlformats.org/drawingml/2006/main" xmlns:r="http://schemas.openxmlformats.org/officeDocument/2006/relationships" xmlns:p="http://schemas.openxmlformats.org/presentationml/2006/main">
+      <p:sp>
         <p:nvSpPr>
           <p:cNvPr id="4" name="Content Placeholder 3"/>
           <p:cNvSpPr>
@@ -11531,7 +11531,7 @@
           </a:p>
         </p:txBody>
       </p:sp>
-      <p:sp xmlns:a="http://schemas.openxmlformats.org/drawingml/2006/main" xmlns:r="http://schemas.openxmlformats.org/officeDocument/2006/relationships" xmlns:p="http://schemas.openxmlformats.org/presentationml/2006/main">
+      <p:sp>
         <p:nvSpPr>
           <p:cNvPr id="5" name="Footer Placeholder 5"/>
           <p:cNvSpPr>
@@ -11553,7 +11553,7 @@
           <a:p>
             <a:r>
               <a:rPr/>
-              <a:t>script_IQSlidedeck.R | Date: 2024-01-12 18:15:34</a:t>
+              <a:t>script_IQSlidedeck.R | Date: 2024-10-03 11:57:47.830845</a:t>
             </a:r>
           </a:p>
         </p:txBody>
@@ -11583,7 +11583,7 @@
           <a:chExt cx="0" cy="0"/>
         </a:xfrm>
       </p:grpSpPr>
-      <p:sp xmlns:a="http://schemas.openxmlformats.org/drawingml/2006/main" xmlns:r="http://schemas.openxmlformats.org/officeDocument/2006/relationships" xmlns:p="http://schemas.openxmlformats.org/presentationml/2006/main">
+      <p:sp>
         <p:nvSpPr>
           <p:cNvPr id="2" name="Title 1"/>
           <p:cNvSpPr>
@@ -11610,7 +11610,7 @@
           </a:p>
         </p:txBody>
       </p:sp>
-      <p:sp xmlns:a="http://schemas.openxmlformats.org/drawingml/2006/main" xmlns:r="http://schemas.openxmlformats.org/officeDocument/2006/relationships" xmlns:p="http://schemas.openxmlformats.org/presentationml/2006/main">
+      <p:sp>
         <p:nvSpPr>
           <p:cNvPr id="3" name="Content Placeholder 2"/>
           <p:cNvSpPr>
@@ -11643,7 +11643,7 @@
           </a:p>
         </p:txBody>
       </p:sp>
-      <p:pic xmlns:a="http://schemas.openxmlformats.org/drawingml/2006/main" xmlns:r="http://schemas.openxmlformats.org/officeDocument/2006/relationships" xmlns:p="http://schemas.openxmlformats.org/presentationml/2006/main">
+      <p:pic>
         <p:nvPicPr>
           <p:cNvPr id="4" name="Content Placeholder 3" descr=""/>
           <p:cNvPicPr>
@@ -11669,7 +11669,7 @@
           </a:prstGeom>
         </p:spPr>
       </p:pic>
-      <p:sp xmlns:a="http://schemas.openxmlformats.org/drawingml/2006/main" xmlns:r="http://schemas.openxmlformats.org/officeDocument/2006/relationships" xmlns:p="http://schemas.openxmlformats.org/presentationml/2006/main">
+      <p:sp>
         <p:nvSpPr>
           <p:cNvPr id="5" name="Footer Placeholder 5"/>
           <p:cNvSpPr>
@@ -11691,7 +11691,7 @@
           <a:p>
             <a:r>
               <a:rPr/>
-              <a:t>script_IQSlidedeck.R | Date: 2024-01-12 18:15:34</a:t>
+              <a:t>script_IQSlidedeck.R | Date: 2024-10-03 11:57:47.865052</a:t>
             </a:r>
           </a:p>
         </p:txBody>
@@ -11721,7 +11721,7 @@
           <a:chExt cx="0" cy="0"/>
         </a:xfrm>
       </p:grpSpPr>
-      <p:sp xmlns:a="http://schemas.openxmlformats.org/drawingml/2006/main" xmlns:r="http://schemas.openxmlformats.org/officeDocument/2006/relationships" xmlns:p="http://schemas.openxmlformats.org/presentationml/2006/main">
+      <p:sp>
         <p:nvSpPr>
           <p:cNvPr id="2" name="Title 1"/>
           <p:cNvSpPr>
@@ -11773,7 +11773,7 @@
           <a:chExt cx="0" cy="0"/>
         </a:xfrm>
       </p:grpSpPr>
-      <p:sp xmlns:a="http://schemas.openxmlformats.org/drawingml/2006/main" xmlns:r="http://schemas.openxmlformats.org/officeDocument/2006/relationships" xmlns:p="http://schemas.openxmlformats.org/presentationml/2006/main">
+      <p:sp>
         <p:nvSpPr>
           <p:cNvPr id="2" name="Title 1"/>
           <p:cNvSpPr>
@@ -11800,7 +11800,7 @@
           </a:p>
         </p:txBody>
       </p:sp>
-      <p:sp xmlns:a="http://schemas.openxmlformats.org/drawingml/2006/main" xmlns:r="http://schemas.openxmlformats.org/officeDocument/2006/relationships" xmlns:p="http://schemas.openxmlformats.org/presentationml/2006/main">
+      <p:sp>
         <p:nvSpPr>
           <p:cNvPr id="3" name="Content Placeholder 2"/>
           <p:cNvSpPr>
@@ -11833,7 +11833,7 @@
           </a:p>
         </p:txBody>
       </p:sp>
-      <p:sp xmlns:a="http://schemas.openxmlformats.org/drawingml/2006/main" xmlns:r="http://schemas.openxmlformats.org/officeDocument/2006/relationships" xmlns:p="http://schemas.openxmlformats.org/presentationml/2006/main">
+      <p:sp>
         <p:nvSpPr>
           <p:cNvPr id="4" name="Footer Placeholder 4"/>
           <p:cNvSpPr>
@@ -11855,7 +11855,7 @@
           <a:p>
             <a:r>
               <a:rPr/>
-              <a:t>script_IQSlidedeck.R | Date: 2024-01-12 18:15:21</a:t>
+              <a:t>script_IQSlidedeck.R | Date: 2024-10-03 11:57:35.957633</a:t>
             </a:r>
           </a:p>
         </p:txBody>
@@ -11885,7 +11885,7 @@
           <a:chExt cx="0" cy="0"/>
         </a:xfrm>
       </p:grpSpPr>
-      <p:sp xmlns:a="http://schemas.openxmlformats.org/drawingml/2006/main" xmlns:r="http://schemas.openxmlformats.org/officeDocument/2006/relationships" xmlns:p="http://schemas.openxmlformats.org/presentationml/2006/main">
+      <p:sp>
         <p:nvSpPr>
           <p:cNvPr id="2" name="Title 1"/>
           <p:cNvSpPr>
@@ -11937,7 +11937,7 @@
           <a:chExt cx="0" cy="0"/>
         </a:xfrm>
       </p:grpSpPr>
-      <p:sp xmlns:a="http://schemas.openxmlformats.org/drawingml/2006/main" xmlns:r="http://schemas.openxmlformats.org/officeDocument/2006/relationships" xmlns:p="http://schemas.openxmlformats.org/presentationml/2006/main">
+      <p:sp>
         <p:nvSpPr>
           <p:cNvPr id="2" name="Title 1"/>
           <p:cNvSpPr>
@@ -11964,7 +11964,7 @@
           </a:p>
         </p:txBody>
       </p:sp>
-      <p:sp xmlns:a="http://schemas.openxmlformats.org/drawingml/2006/main" xmlns:r="http://schemas.openxmlformats.org/officeDocument/2006/relationships" xmlns:p="http://schemas.openxmlformats.org/presentationml/2006/main">
+      <p:sp>
         <p:nvSpPr>
           <p:cNvPr id="3" name="Content Placeholder 2"/>
           <p:cNvSpPr>
@@ -11997,7 +11997,7 @@
           </a:p>
         </p:txBody>
       </p:sp>
-      <p:pic xmlns:a="http://schemas.openxmlformats.org/drawingml/2006/main" xmlns:r="http://schemas.openxmlformats.org/officeDocument/2006/relationships" xmlns:p="http://schemas.openxmlformats.org/presentationml/2006/main">
+      <p:pic>
         <p:nvPicPr>
           <p:cNvPr id="4" name="Content Placeholder 3" descr=""/>
           <p:cNvPicPr>
@@ -12023,7 +12023,7 @@
           </a:prstGeom>
         </p:spPr>
       </p:pic>
-      <p:sp xmlns:a="http://schemas.openxmlformats.org/drawingml/2006/main" xmlns:r="http://schemas.openxmlformats.org/officeDocument/2006/relationships" xmlns:p="http://schemas.openxmlformats.org/presentationml/2006/main">
+      <p:sp>
         <p:nvSpPr>
           <p:cNvPr id="5" name="Text Placeholder 2"/>
           <p:cNvSpPr>
@@ -12050,7 +12050,7 @@
           </a:p>
         </p:txBody>
       </p:sp>
-      <p:sp xmlns:a="http://schemas.openxmlformats.org/drawingml/2006/main" xmlns:r="http://schemas.openxmlformats.org/officeDocument/2006/relationships" xmlns:p="http://schemas.openxmlformats.org/presentationml/2006/main">
+      <p:sp>
         <p:nvSpPr>
           <p:cNvPr id="6" name="Footer Placeholder 5"/>
           <p:cNvSpPr>
@@ -12072,7 +12072,7 @@
           <a:p>
             <a:r>
               <a:rPr/>
-              <a:t>script_IQSlidedeck.R | Date: 2024-01-12 18:15:21</a:t>
+              <a:t>script_IQSlidedeck.R | Date: 2024-10-03 11:57:36.096123</a:t>
             </a:r>
           </a:p>
         </p:txBody>
@@ -12102,7 +12102,7 @@
           <a:chExt cx="0" cy="0"/>
         </a:xfrm>
       </p:grpSpPr>
-      <p:sp xmlns:a="http://schemas.openxmlformats.org/drawingml/2006/main" xmlns:r="http://schemas.openxmlformats.org/officeDocument/2006/relationships" xmlns:p="http://schemas.openxmlformats.org/presentationml/2006/main">
+      <p:sp>
         <p:nvSpPr>
           <p:cNvPr id="2" name="Title 1"/>
           <p:cNvSpPr>
@@ -12129,7 +12129,7 @@
           </a:p>
         </p:txBody>
       </p:sp>
-      <p:pic xmlns:a="http://schemas.openxmlformats.org/drawingml/2006/main" xmlns:r="http://schemas.openxmlformats.org/officeDocument/2006/relationships" xmlns:p="http://schemas.openxmlformats.org/presentationml/2006/main">
+      <p:pic>
         <p:nvPicPr>
           <p:cNvPr id="3" name="Content Placeholder 2" descr=""/>
           <p:cNvPicPr>
@@ -12155,7 +12155,7 @@
           </a:prstGeom>
         </p:spPr>
       </p:pic>
-      <p:sp xmlns:a="http://schemas.openxmlformats.org/drawingml/2006/main" xmlns:r="http://schemas.openxmlformats.org/officeDocument/2006/relationships" xmlns:p="http://schemas.openxmlformats.org/presentationml/2006/main">
+      <p:sp>
         <p:nvSpPr>
           <p:cNvPr id="4" name="Footer Placeholder 4"/>
           <p:cNvSpPr>
@@ -12177,7 +12177,7 @@
           <a:p>
             <a:r>
               <a:rPr/>
-              <a:t>script_IQSlidedeck.R | Date: 2024-01-12 18:15:26</a:t>
+              <a:t>script_IQSlidedeck.R | Date: 2024-10-03 11:57:39.334171</a:t>
             </a:r>
           </a:p>
         </p:txBody>
@@ -12207,7 +12207,7 @@
           <a:chExt cx="0" cy="0"/>
         </a:xfrm>
       </p:grpSpPr>
-      <p:sp xmlns:a="http://schemas.openxmlformats.org/drawingml/2006/main" xmlns:r="http://schemas.openxmlformats.org/officeDocument/2006/relationships" xmlns:p="http://schemas.openxmlformats.org/presentationml/2006/main">
+      <p:sp>
         <p:nvSpPr>
           <p:cNvPr id="2" name="Title 1"/>
           <p:cNvSpPr>
@@ -12234,7 +12234,7 @@
           </a:p>
         </p:txBody>
       </p:sp>
-      <p:pic xmlns:a="http://schemas.openxmlformats.org/drawingml/2006/main" xmlns:r="http://schemas.openxmlformats.org/officeDocument/2006/relationships" xmlns:p="http://schemas.openxmlformats.org/presentationml/2006/main">
+      <p:pic>
         <p:nvPicPr>
           <p:cNvPr id="3" name="Content Placeholder 2" descr=""/>
           <p:cNvPicPr>
@@ -12260,7 +12260,7 @@
           </a:prstGeom>
         </p:spPr>
       </p:pic>
-      <p:sp xmlns:a="http://schemas.openxmlformats.org/drawingml/2006/main" xmlns:r="http://schemas.openxmlformats.org/officeDocument/2006/relationships" xmlns:p="http://schemas.openxmlformats.org/presentationml/2006/main">
+      <p:sp>
         <p:nvSpPr>
           <p:cNvPr id="4" name="Footer Placeholder 4"/>
           <p:cNvSpPr>
@@ -12282,7 +12282,7 @@
           <a:p>
             <a:r>
               <a:rPr/>
-              <a:t>script_IQSlidedeck.R | Date: 2024-01-12 18:15:27</a:t>
+              <a:t>script_IQSlidedeck.R | Date: 2024-10-03 11:57:40.800531</a:t>
             </a:r>
           </a:p>
         </p:txBody>
@@ -12312,7 +12312,7 @@
           <a:chExt cx="0" cy="0"/>
         </a:xfrm>
       </p:grpSpPr>
-      <p:sp xmlns:a="http://schemas.openxmlformats.org/drawingml/2006/main" xmlns:r="http://schemas.openxmlformats.org/officeDocument/2006/relationships" xmlns:p="http://schemas.openxmlformats.org/presentationml/2006/main">
+      <p:sp>
         <p:nvSpPr>
           <p:cNvPr id="2" name="Title 1"/>
           <p:cNvSpPr>
@@ -12339,7 +12339,7 @@
           </a:p>
         </p:txBody>
       </p:sp>
-      <p:pic xmlns:a="http://schemas.openxmlformats.org/drawingml/2006/main" xmlns:r="http://schemas.openxmlformats.org/officeDocument/2006/relationships" xmlns:p="http://schemas.openxmlformats.org/presentationml/2006/main">
+      <p:pic>
         <p:nvPicPr>
           <p:cNvPr id="3" name="Content Placeholder 2" descr=""/>
           <p:cNvPicPr>
@@ -12365,7 +12365,7 @@
           </a:prstGeom>
         </p:spPr>
       </p:pic>
-      <p:sp xmlns:a="http://schemas.openxmlformats.org/drawingml/2006/main" xmlns:r="http://schemas.openxmlformats.org/officeDocument/2006/relationships" xmlns:p="http://schemas.openxmlformats.org/presentationml/2006/main">
+      <p:sp>
         <p:nvSpPr>
           <p:cNvPr id="4" name="Footer Placeholder 4"/>
           <p:cNvSpPr>
@@ -12387,7 +12387,7 @@
           <a:p>
             <a:r>
               <a:rPr/>
-              <a:t>script_IQSlidedeck.R | Date: 2024-01-12 18:15:33</a:t>
+              <a:t>script_IQSlidedeck.R | Date: 2024-10-03 11:57:47.295396</a:t>
             </a:r>
           </a:p>
         </p:txBody>
@@ -12417,7 +12417,7 @@
           <a:chExt cx="0" cy="0"/>
         </a:xfrm>
       </p:grpSpPr>
-      <p:sp xmlns:a="http://schemas.openxmlformats.org/drawingml/2006/main" xmlns:r="http://schemas.openxmlformats.org/officeDocument/2006/relationships" xmlns:p="http://schemas.openxmlformats.org/presentationml/2006/main">
+      <p:sp>
         <p:nvSpPr>
           <p:cNvPr id="2" name="Title 1"/>
           <p:cNvSpPr>

--- a/tests/testresults/script_IQSlidedeck_IQnew.pptx
+++ b/tests/testresults/script_IQSlidedeck_IQnew.pptx
@@ -7,7 +7,7 @@
   <p:notesMasterIdLst>
     <p:notesMasterId r:id="rId2"/>
   </p:notesMasterIdLst>
-  <p:sldIdLst>
+  <p:sldIdLst xmlns:a="http://schemas.openxmlformats.org/drawingml/2006/main" xmlns:r="http://schemas.openxmlformats.org/officeDocument/2006/relationships" xmlns:p="http://schemas.openxmlformats.org/presentationml/2006/main">
     <p:sldId id="256" r:id="rId7"/>
     <p:sldId id="257" r:id="rId8"/>
     <p:sldId id="258" r:id="rId9"/>
@@ -216,7 +216,7 @@
           <a:p>
             <a:fld id="{94FA6572-123C-204E-8BB0-13A3740E061E}" type="datetimeFigureOut">
               <a:rPr lang="en-US" smtClean="0"/>
-              <a:t>12/22/2023</a:t>
+              <a:t>10/25/2024</a:t>
             </a:fld>
             <a:endParaRPr lang="en-US"/>
           </a:p>
@@ -1247,12 +1247,102 @@
           </a:prstGeom>
         </p:spPr>
       </p:pic>
+      <p:sp>
+        <p:nvSpPr>
+          <p:cNvPr id="5" name="Footer Placeholder 5">
+            <a:extLst>
+              <a:ext uri="{FF2B5EF4-FFF2-40B4-BE49-F238E27FC236}">
+                <a16:creationId xmlns:a16="http://schemas.microsoft.com/office/drawing/2014/main" id="{B02085F0-C7D9-45AB-5596-4A63E1F4EA6A}"/>
+              </a:ext>
+            </a:extLst>
+          </p:cNvPr>
+          <p:cNvSpPr>
+            <a:spLocks noGrp="1"/>
+          </p:cNvSpPr>
+          <p:nvPr>
+            <p:ph type="body" sz="quarter" idx="13"/>
+          </p:nvPr>
+        </p:nvSpPr>
+        <p:spPr>
+          <a:xfrm>
+            <a:off x="2227894" y="6461290"/>
+            <a:ext cx="9125905" cy="256239"/>
+          </a:xfrm>
+        </p:spPr>
+        <p:txBody>
+          <a:bodyPr>
+            <a:normAutofit/>
+          </a:bodyPr>
+          <a:lstStyle>
+            <a:lvl1pPr marL="0" indent="0">
+              <a:buFontTx/>
+              <a:buNone/>
+              <a:defRPr sz="800"/>
+            </a:lvl1pPr>
+            <a:lvl2pPr marL="457200" indent="0">
+              <a:buFontTx/>
+              <a:buNone/>
+              <a:defRPr sz="800"/>
+            </a:lvl2pPr>
+            <a:lvl3pPr marL="914400" indent="0">
+              <a:buFontTx/>
+              <a:buNone/>
+              <a:defRPr sz="800"/>
+            </a:lvl3pPr>
+            <a:lvl4pPr marL="1371600" indent="0">
+              <a:buFontTx/>
+              <a:buNone/>
+              <a:defRPr sz="800"/>
+            </a:lvl4pPr>
+            <a:lvl5pPr marL="1828800" indent="0">
+              <a:buFontTx/>
+              <a:buNone/>
+              <a:defRPr sz="800"/>
+            </a:lvl5pPr>
+          </a:lstStyle>
+          <a:p>
+            <a:pPr lvl="0"/>
+            <a:r>
+              <a:rPr lang="en-US" noProof="0"/>
+              <a:t>Click to edit Master text styles</a:t>
+            </a:r>
+          </a:p>
+          <a:p>
+            <a:pPr lvl="1"/>
+            <a:r>
+              <a:rPr lang="en-US" noProof="0"/>
+              <a:t>Second level</a:t>
+            </a:r>
+          </a:p>
+          <a:p>
+            <a:pPr lvl="2"/>
+            <a:r>
+              <a:rPr lang="en-US" noProof="0"/>
+              <a:t>Third level</a:t>
+            </a:r>
+          </a:p>
+          <a:p>
+            <a:pPr lvl="3"/>
+            <a:r>
+              <a:rPr lang="en-US" noProof="0"/>
+              <a:t>Fourth level</a:t>
+            </a:r>
+          </a:p>
+          <a:p>
+            <a:pPr lvl="4"/>
+            <a:r>
+              <a:rPr lang="en-US" noProof="0"/>
+              <a:t>Fifth level</a:t>
+            </a:r>
+          </a:p>
+        </p:txBody>
+      </p:sp>
       <p:pic>
         <p:nvPicPr>
-          <p:cNvPr id="9" name="Grafik 8">
-            <a:extLst>
-              <a:ext uri="{FF2B5EF4-FFF2-40B4-BE49-F238E27FC236}">
-                <a16:creationId xmlns:a16="http://schemas.microsoft.com/office/drawing/2014/main" id="{DAE09CA6-2D8D-12EA-1C0C-5C9596FC8A2A}"/>
+          <p:cNvPr id="6" name="Picture 5" descr="A black and white logo&#10;&#10;Description automatically generated">
+            <a:extLst>
+              <a:ext uri="{FF2B5EF4-FFF2-40B4-BE49-F238E27FC236}">
+                <a16:creationId xmlns:a16="http://schemas.microsoft.com/office/drawing/2014/main" id="{A150B146-5F54-7543-E2C8-CEF46702FF1E}"/>
               </a:ext>
             </a:extLst>
           </p:cNvPr>
@@ -1270,103 +1360,13 @@
         <p:spPr>
           <a:xfrm>
             <a:off x="437322" y="6465236"/>
-            <a:ext cx="1033945" cy="231372"/>
+            <a:ext cx="1033945" cy="313705"/>
           </a:xfrm>
           <a:prstGeom prst="rect">
             <a:avLst/>
           </a:prstGeom>
         </p:spPr>
       </p:pic>
-      <p:sp>
-        <p:nvSpPr>
-          <p:cNvPr id="5" name="Footer Placeholder 5">
-            <a:extLst>
-              <a:ext uri="{FF2B5EF4-FFF2-40B4-BE49-F238E27FC236}">
-                <a16:creationId xmlns:a16="http://schemas.microsoft.com/office/drawing/2014/main" id="{B02085F0-C7D9-45AB-5596-4A63E1F4EA6A}"/>
-              </a:ext>
-            </a:extLst>
-          </p:cNvPr>
-          <p:cNvSpPr>
-            <a:spLocks noGrp="1"/>
-          </p:cNvSpPr>
-          <p:nvPr>
-            <p:ph type="body" sz="quarter" idx="13"/>
-          </p:nvPr>
-        </p:nvSpPr>
-        <p:spPr>
-          <a:xfrm>
-            <a:off x="2227894" y="6461290"/>
-            <a:ext cx="9125905" cy="256239"/>
-          </a:xfrm>
-        </p:spPr>
-        <p:txBody>
-          <a:bodyPr>
-            <a:normAutofit/>
-          </a:bodyPr>
-          <a:lstStyle>
-            <a:lvl1pPr marL="0" indent="0">
-              <a:buFontTx/>
-              <a:buNone/>
-              <a:defRPr sz="800"/>
-            </a:lvl1pPr>
-            <a:lvl2pPr marL="457200" indent="0">
-              <a:buFontTx/>
-              <a:buNone/>
-              <a:defRPr sz="800"/>
-            </a:lvl2pPr>
-            <a:lvl3pPr marL="914400" indent="0">
-              <a:buFontTx/>
-              <a:buNone/>
-              <a:defRPr sz="800"/>
-            </a:lvl3pPr>
-            <a:lvl4pPr marL="1371600" indent="0">
-              <a:buFontTx/>
-              <a:buNone/>
-              <a:defRPr sz="800"/>
-            </a:lvl4pPr>
-            <a:lvl5pPr marL="1828800" indent="0">
-              <a:buFontTx/>
-              <a:buNone/>
-              <a:defRPr sz="800"/>
-            </a:lvl5pPr>
-          </a:lstStyle>
-          <a:p>
-            <a:pPr lvl="0"/>
-            <a:r>
-              <a:rPr lang="en-US" noProof="0"/>
-              <a:t>Click to edit Master text styles</a:t>
-            </a:r>
-          </a:p>
-          <a:p>
-            <a:pPr lvl="1"/>
-            <a:r>
-              <a:rPr lang="en-US" noProof="0"/>
-              <a:t>Second level</a:t>
-            </a:r>
-          </a:p>
-          <a:p>
-            <a:pPr lvl="2"/>
-            <a:r>
-              <a:rPr lang="en-US" noProof="0"/>
-              <a:t>Third level</a:t>
-            </a:r>
-          </a:p>
-          <a:p>
-            <a:pPr lvl="3"/>
-            <a:r>
-              <a:rPr lang="en-US" noProof="0"/>
-              <a:t>Fourth level</a:t>
-            </a:r>
-          </a:p>
-          <a:p>
-            <a:pPr lvl="4"/>
-            <a:r>
-              <a:rPr lang="en-US" noProof="0"/>
-              <a:t>Fifth level</a:t>
-            </a:r>
-          </a:p>
-        </p:txBody>
-      </p:sp>
     </p:spTree>
     <p:extLst>
       <p:ext uri="{BB962C8B-B14F-4D97-AF65-F5344CB8AC3E}">
@@ -1616,12 +1616,102 @@
           </a:prstGeom>
         </p:spPr>
       </p:pic>
+      <p:sp>
+        <p:nvSpPr>
+          <p:cNvPr id="5" name="Footer Placeholder 5">
+            <a:extLst>
+              <a:ext uri="{FF2B5EF4-FFF2-40B4-BE49-F238E27FC236}">
+                <a16:creationId xmlns:a16="http://schemas.microsoft.com/office/drawing/2014/main" id="{2B7DE585-22B0-033E-E40C-8036CFF6ED28}"/>
+              </a:ext>
+            </a:extLst>
+          </p:cNvPr>
+          <p:cNvSpPr>
+            <a:spLocks noGrp="1"/>
+          </p:cNvSpPr>
+          <p:nvPr>
+            <p:ph type="body" sz="quarter" idx="13"/>
+          </p:nvPr>
+        </p:nvSpPr>
+        <p:spPr>
+          <a:xfrm>
+            <a:off x="2227894" y="6461290"/>
+            <a:ext cx="9125905" cy="256239"/>
+          </a:xfrm>
+        </p:spPr>
+        <p:txBody>
+          <a:bodyPr>
+            <a:normAutofit/>
+          </a:bodyPr>
+          <a:lstStyle>
+            <a:lvl1pPr marL="0" indent="0">
+              <a:buFontTx/>
+              <a:buNone/>
+              <a:defRPr sz="800"/>
+            </a:lvl1pPr>
+            <a:lvl2pPr marL="457200" indent="0">
+              <a:buFontTx/>
+              <a:buNone/>
+              <a:defRPr sz="800"/>
+            </a:lvl2pPr>
+            <a:lvl3pPr marL="914400" indent="0">
+              <a:buFontTx/>
+              <a:buNone/>
+              <a:defRPr sz="800"/>
+            </a:lvl3pPr>
+            <a:lvl4pPr marL="1371600" indent="0">
+              <a:buFontTx/>
+              <a:buNone/>
+              <a:defRPr sz="800"/>
+            </a:lvl4pPr>
+            <a:lvl5pPr marL="1828800" indent="0">
+              <a:buFontTx/>
+              <a:buNone/>
+              <a:defRPr sz="800"/>
+            </a:lvl5pPr>
+          </a:lstStyle>
+          <a:p>
+            <a:pPr lvl="0"/>
+            <a:r>
+              <a:rPr lang="en-US" noProof="0"/>
+              <a:t>Click to edit Master text styles</a:t>
+            </a:r>
+          </a:p>
+          <a:p>
+            <a:pPr lvl="1"/>
+            <a:r>
+              <a:rPr lang="en-US" noProof="0"/>
+              <a:t>Second level</a:t>
+            </a:r>
+          </a:p>
+          <a:p>
+            <a:pPr lvl="2"/>
+            <a:r>
+              <a:rPr lang="en-US" noProof="0"/>
+              <a:t>Third level</a:t>
+            </a:r>
+          </a:p>
+          <a:p>
+            <a:pPr lvl="3"/>
+            <a:r>
+              <a:rPr lang="en-US" noProof="0"/>
+              <a:t>Fourth level</a:t>
+            </a:r>
+          </a:p>
+          <a:p>
+            <a:pPr lvl="4"/>
+            <a:r>
+              <a:rPr lang="en-US" noProof="0"/>
+              <a:t>Fifth level</a:t>
+            </a:r>
+          </a:p>
+        </p:txBody>
+      </p:sp>
       <p:pic>
         <p:nvPicPr>
-          <p:cNvPr id="9" name="Grafik 8">
-            <a:extLst>
-              <a:ext uri="{FF2B5EF4-FFF2-40B4-BE49-F238E27FC236}">
-                <a16:creationId xmlns:a16="http://schemas.microsoft.com/office/drawing/2014/main" id="{DAE09CA6-2D8D-12EA-1C0C-5C9596FC8A2A}"/>
+          <p:cNvPr id="6" name="Picture 5" descr="A black and white logo&#10;&#10;Description automatically generated">
+            <a:extLst>
+              <a:ext uri="{FF2B5EF4-FFF2-40B4-BE49-F238E27FC236}">
+                <a16:creationId xmlns:a16="http://schemas.microsoft.com/office/drawing/2014/main" id="{3EEE07DF-F394-E443-387E-067F26FABDF8}"/>
               </a:ext>
             </a:extLst>
           </p:cNvPr>
@@ -1639,103 +1729,13 @@
         <p:spPr>
           <a:xfrm>
             <a:off x="437322" y="6465236"/>
-            <a:ext cx="1033945" cy="231372"/>
+            <a:ext cx="1033945" cy="313705"/>
           </a:xfrm>
           <a:prstGeom prst="rect">
             <a:avLst/>
           </a:prstGeom>
         </p:spPr>
       </p:pic>
-      <p:sp>
-        <p:nvSpPr>
-          <p:cNvPr id="5" name="Footer Placeholder 5">
-            <a:extLst>
-              <a:ext uri="{FF2B5EF4-FFF2-40B4-BE49-F238E27FC236}">
-                <a16:creationId xmlns:a16="http://schemas.microsoft.com/office/drawing/2014/main" id="{2B7DE585-22B0-033E-E40C-8036CFF6ED28}"/>
-              </a:ext>
-            </a:extLst>
-          </p:cNvPr>
-          <p:cNvSpPr>
-            <a:spLocks noGrp="1"/>
-          </p:cNvSpPr>
-          <p:nvPr>
-            <p:ph type="body" sz="quarter" idx="13"/>
-          </p:nvPr>
-        </p:nvSpPr>
-        <p:spPr>
-          <a:xfrm>
-            <a:off x="2227894" y="6461290"/>
-            <a:ext cx="9125905" cy="256239"/>
-          </a:xfrm>
-        </p:spPr>
-        <p:txBody>
-          <a:bodyPr>
-            <a:normAutofit/>
-          </a:bodyPr>
-          <a:lstStyle>
-            <a:lvl1pPr marL="0" indent="0">
-              <a:buFontTx/>
-              <a:buNone/>
-              <a:defRPr sz="800"/>
-            </a:lvl1pPr>
-            <a:lvl2pPr marL="457200" indent="0">
-              <a:buFontTx/>
-              <a:buNone/>
-              <a:defRPr sz="800"/>
-            </a:lvl2pPr>
-            <a:lvl3pPr marL="914400" indent="0">
-              <a:buFontTx/>
-              <a:buNone/>
-              <a:defRPr sz="800"/>
-            </a:lvl3pPr>
-            <a:lvl4pPr marL="1371600" indent="0">
-              <a:buFontTx/>
-              <a:buNone/>
-              <a:defRPr sz="800"/>
-            </a:lvl4pPr>
-            <a:lvl5pPr marL="1828800" indent="0">
-              <a:buFontTx/>
-              <a:buNone/>
-              <a:defRPr sz="800"/>
-            </a:lvl5pPr>
-          </a:lstStyle>
-          <a:p>
-            <a:pPr lvl="0"/>
-            <a:r>
-              <a:rPr lang="en-US" noProof="0"/>
-              <a:t>Click to edit Master text styles</a:t>
-            </a:r>
-          </a:p>
-          <a:p>
-            <a:pPr lvl="1"/>
-            <a:r>
-              <a:rPr lang="en-US" noProof="0"/>
-              <a:t>Second level</a:t>
-            </a:r>
-          </a:p>
-          <a:p>
-            <a:pPr lvl="2"/>
-            <a:r>
-              <a:rPr lang="en-US" noProof="0"/>
-              <a:t>Third level</a:t>
-            </a:r>
-          </a:p>
-          <a:p>
-            <a:pPr lvl="3"/>
-            <a:r>
-              <a:rPr lang="en-US" noProof="0"/>
-              <a:t>Fourth level</a:t>
-            </a:r>
-          </a:p>
-          <a:p>
-            <a:pPr lvl="4"/>
-            <a:r>
-              <a:rPr lang="en-US" noProof="0"/>
-              <a:t>Fifth level</a:t>
-            </a:r>
-          </a:p>
-        </p:txBody>
-      </p:sp>
     </p:spTree>
     <p:extLst>
       <p:ext uri="{BB962C8B-B14F-4D97-AF65-F5344CB8AC3E}">
@@ -1985,12 +1985,192 @@
           </a:prstGeom>
         </p:spPr>
       </p:pic>
+      <p:sp>
+        <p:nvSpPr>
+          <p:cNvPr id="11" name="Text Placeholder 2">
+            <a:extLst>
+              <a:ext uri="{FF2B5EF4-FFF2-40B4-BE49-F238E27FC236}">
+                <a16:creationId xmlns:a16="http://schemas.microsoft.com/office/drawing/2014/main" id="{A28D3778-EB2F-D334-DC7A-2F4DAE0EB6B8}"/>
+              </a:ext>
+            </a:extLst>
+          </p:cNvPr>
+          <p:cNvSpPr>
+            <a:spLocks noGrp="1"/>
+          </p:cNvSpPr>
+          <p:nvPr>
+            <p:ph type="body" sz="quarter" idx="14"/>
+          </p:nvPr>
+        </p:nvSpPr>
+        <p:spPr>
+          <a:xfrm>
+            <a:off x="6159346" y="5926541"/>
+            <a:ext cx="5181599" cy="469900"/>
+          </a:xfrm>
+        </p:spPr>
+        <p:txBody>
+          <a:bodyPr>
+            <a:noAutofit/>
+          </a:bodyPr>
+          <a:lstStyle>
+            <a:lvl1pPr marL="0" indent="0">
+              <a:buFontTx/>
+              <a:buNone/>
+              <a:defRPr sz="800"/>
+            </a:lvl1pPr>
+            <a:lvl2pPr marL="457200" indent="0">
+              <a:buFontTx/>
+              <a:buNone/>
+              <a:defRPr sz="800"/>
+            </a:lvl2pPr>
+            <a:lvl3pPr marL="914400" indent="0">
+              <a:buFontTx/>
+              <a:buNone/>
+              <a:defRPr sz="800"/>
+            </a:lvl3pPr>
+            <a:lvl4pPr marL="1371600" indent="0">
+              <a:buFontTx/>
+              <a:buNone/>
+              <a:defRPr sz="800"/>
+            </a:lvl4pPr>
+            <a:lvl5pPr marL="1828800" indent="0">
+              <a:buFontTx/>
+              <a:buNone/>
+              <a:defRPr sz="800"/>
+            </a:lvl5pPr>
+          </a:lstStyle>
+          <a:p>
+            <a:pPr lvl="0"/>
+            <a:r>
+              <a:rPr lang="en-US" noProof="0"/>
+              <a:t>Click to edit Master text styles</a:t>
+            </a:r>
+          </a:p>
+          <a:p>
+            <a:pPr lvl="1"/>
+            <a:r>
+              <a:rPr lang="en-US" noProof="0"/>
+              <a:t>Second level</a:t>
+            </a:r>
+          </a:p>
+          <a:p>
+            <a:pPr lvl="2"/>
+            <a:r>
+              <a:rPr lang="en-US" noProof="0"/>
+              <a:t>Third level</a:t>
+            </a:r>
+          </a:p>
+          <a:p>
+            <a:pPr lvl="3"/>
+            <a:r>
+              <a:rPr lang="en-US" noProof="0"/>
+              <a:t>Fourth level</a:t>
+            </a:r>
+          </a:p>
+          <a:p>
+            <a:pPr lvl="4"/>
+            <a:r>
+              <a:rPr lang="en-US" noProof="0"/>
+              <a:t>Fifth level</a:t>
+            </a:r>
+          </a:p>
+        </p:txBody>
+      </p:sp>
+      <p:sp>
+        <p:nvSpPr>
+          <p:cNvPr id="5" name="Footer Placeholder 5">
+            <a:extLst>
+              <a:ext uri="{FF2B5EF4-FFF2-40B4-BE49-F238E27FC236}">
+                <a16:creationId xmlns:a16="http://schemas.microsoft.com/office/drawing/2014/main" id="{8230D801-5FB2-6938-390C-24494D26B338}"/>
+              </a:ext>
+            </a:extLst>
+          </p:cNvPr>
+          <p:cNvSpPr>
+            <a:spLocks noGrp="1"/>
+          </p:cNvSpPr>
+          <p:nvPr>
+            <p:ph type="body" sz="quarter" idx="13"/>
+          </p:nvPr>
+        </p:nvSpPr>
+        <p:spPr>
+          <a:xfrm>
+            <a:off x="2227894" y="6461290"/>
+            <a:ext cx="9125905" cy="256239"/>
+          </a:xfrm>
+        </p:spPr>
+        <p:txBody>
+          <a:bodyPr>
+            <a:normAutofit/>
+          </a:bodyPr>
+          <a:lstStyle>
+            <a:lvl1pPr marL="0" indent="0">
+              <a:buFontTx/>
+              <a:buNone/>
+              <a:defRPr sz="800"/>
+            </a:lvl1pPr>
+            <a:lvl2pPr marL="457200" indent="0">
+              <a:buFontTx/>
+              <a:buNone/>
+              <a:defRPr sz="800"/>
+            </a:lvl2pPr>
+            <a:lvl3pPr marL="914400" indent="0">
+              <a:buFontTx/>
+              <a:buNone/>
+              <a:defRPr sz="800"/>
+            </a:lvl3pPr>
+            <a:lvl4pPr marL="1371600" indent="0">
+              <a:buFontTx/>
+              <a:buNone/>
+              <a:defRPr sz="800"/>
+            </a:lvl4pPr>
+            <a:lvl5pPr marL="1828800" indent="0">
+              <a:buFontTx/>
+              <a:buNone/>
+              <a:defRPr sz="800"/>
+            </a:lvl5pPr>
+          </a:lstStyle>
+          <a:p>
+            <a:pPr lvl="0"/>
+            <a:r>
+              <a:rPr lang="en-US" noProof="0"/>
+              <a:t>Click to edit Master text styles</a:t>
+            </a:r>
+          </a:p>
+          <a:p>
+            <a:pPr lvl="1"/>
+            <a:r>
+              <a:rPr lang="en-US" noProof="0"/>
+              <a:t>Second level</a:t>
+            </a:r>
+          </a:p>
+          <a:p>
+            <a:pPr lvl="2"/>
+            <a:r>
+              <a:rPr lang="en-US" noProof="0"/>
+              <a:t>Third level</a:t>
+            </a:r>
+          </a:p>
+          <a:p>
+            <a:pPr lvl="3"/>
+            <a:r>
+              <a:rPr lang="en-US" noProof="0"/>
+              <a:t>Fourth level</a:t>
+            </a:r>
+          </a:p>
+          <a:p>
+            <a:pPr lvl="4"/>
+            <a:r>
+              <a:rPr lang="en-US" noProof="0"/>
+              <a:t>Fifth level</a:t>
+            </a:r>
+          </a:p>
+        </p:txBody>
+      </p:sp>
       <p:pic>
         <p:nvPicPr>
-          <p:cNvPr id="9" name="Grafik 8">
-            <a:extLst>
-              <a:ext uri="{FF2B5EF4-FFF2-40B4-BE49-F238E27FC236}">
-                <a16:creationId xmlns:a16="http://schemas.microsoft.com/office/drawing/2014/main" id="{DAE09CA6-2D8D-12EA-1C0C-5C9596FC8A2A}"/>
+          <p:cNvPr id="6" name="Picture 5" descr="A black and white logo&#10;&#10;Description automatically generated">
+            <a:extLst>
+              <a:ext uri="{FF2B5EF4-FFF2-40B4-BE49-F238E27FC236}">
+                <a16:creationId xmlns:a16="http://schemas.microsoft.com/office/drawing/2014/main" id="{2738F499-5A5C-D67A-61AE-AA1FA912292F}"/>
               </a:ext>
             </a:extLst>
           </p:cNvPr>
@@ -2008,193 +2188,13 @@
         <p:spPr>
           <a:xfrm>
             <a:off x="437322" y="6465236"/>
-            <a:ext cx="1033945" cy="231372"/>
+            <a:ext cx="1033945" cy="313705"/>
           </a:xfrm>
           <a:prstGeom prst="rect">
             <a:avLst/>
           </a:prstGeom>
         </p:spPr>
       </p:pic>
-      <p:sp>
-        <p:nvSpPr>
-          <p:cNvPr id="11" name="Text Placeholder 2">
-            <a:extLst>
-              <a:ext uri="{FF2B5EF4-FFF2-40B4-BE49-F238E27FC236}">
-                <a16:creationId xmlns:a16="http://schemas.microsoft.com/office/drawing/2014/main" id="{A28D3778-EB2F-D334-DC7A-2F4DAE0EB6B8}"/>
-              </a:ext>
-            </a:extLst>
-          </p:cNvPr>
-          <p:cNvSpPr>
-            <a:spLocks noGrp="1"/>
-          </p:cNvSpPr>
-          <p:nvPr>
-            <p:ph type="body" sz="quarter" idx="14"/>
-          </p:nvPr>
-        </p:nvSpPr>
-        <p:spPr>
-          <a:xfrm>
-            <a:off x="6159346" y="5926541"/>
-            <a:ext cx="5181599" cy="469900"/>
-          </a:xfrm>
-        </p:spPr>
-        <p:txBody>
-          <a:bodyPr>
-            <a:noAutofit/>
-          </a:bodyPr>
-          <a:lstStyle>
-            <a:lvl1pPr marL="0" indent="0">
-              <a:buFontTx/>
-              <a:buNone/>
-              <a:defRPr sz="800"/>
-            </a:lvl1pPr>
-            <a:lvl2pPr marL="457200" indent="0">
-              <a:buFontTx/>
-              <a:buNone/>
-              <a:defRPr sz="800"/>
-            </a:lvl2pPr>
-            <a:lvl3pPr marL="914400" indent="0">
-              <a:buFontTx/>
-              <a:buNone/>
-              <a:defRPr sz="800"/>
-            </a:lvl3pPr>
-            <a:lvl4pPr marL="1371600" indent="0">
-              <a:buFontTx/>
-              <a:buNone/>
-              <a:defRPr sz="800"/>
-            </a:lvl4pPr>
-            <a:lvl5pPr marL="1828800" indent="0">
-              <a:buFontTx/>
-              <a:buNone/>
-              <a:defRPr sz="800"/>
-            </a:lvl5pPr>
-          </a:lstStyle>
-          <a:p>
-            <a:pPr lvl="0"/>
-            <a:r>
-              <a:rPr lang="en-US" noProof="0"/>
-              <a:t>Click to edit Master text styles</a:t>
-            </a:r>
-          </a:p>
-          <a:p>
-            <a:pPr lvl="1"/>
-            <a:r>
-              <a:rPr lang="en-US" noProof="0"/>
-              <a:t>Second level</a:t>
-            </a:r>
-          </a:p>
-          <a:p>
-            <a:pPr lvl="2"/>
-            <a:r>
-              <a:rPr lang="en-US" noProof="0"/>
-              <a:t>Third level</a:t>
-            </a:r>
-          </a:p>
-          <a:p>
-            <a:pPr lvl="3"/>
-            <a:r>
-              <a:rPr lang="en-US" noProof="0"/>
-              <a:t>Fourth level</a:t>
-            </a:r>
-          </a:p>
-          <a:p>
-            <a:pPr lvl="4"/>
-            <a:r>
-              <a:rPr lang="en-US" noProof="0"/>
-              <a:t>Fifth level</a:t>
-            </a:r>
-          </a:p>
-        </p:txBody>
-      </p:sp>
-      <p:sp>
-        <p:nvSpPr>
-          <p:cNvPr id="5" name="Footer Placeholder 5">
-            <a:extLst>
-              <a:ext uri="{FF2B5EF4-FFF2-40B4-BE49-F238E27FC236}">
-                <a16:creationId xmlns:a16="http://schemas.microsoft.com/office/drawing/2014/main" id="{8230D801-5FB2-6938-390C-24494D26B338}"/>
-              </a:ext>
-            </a:extLst>
-          </p:cNvPr>
-          <p:cNvSpPr>
-            <a:spLocks noGrp="1"/>
-          </p:cNvSpPr>
-          <p:nvPr>
-            <p:ph type="body" sz="quarter" idx="13"/>
-          </p:nvPr>
-        </p:nvSpPr>
-        <p:spPr>
-          <a:xfrm>
-            <a:off x="2227894" y="6461290"/>
-            <a:ext cx="9125905" cy="256239"/>
-          </a:xfrm>
-        </p:spPr>
-        <p:txBody>
-          <a:bodyPr>
-            <a:normAutofit/>
-          </a:bodyPr>
-          <a:lstStyle>
-            <a:lvl1pPr marL="0" indent="0">
-              <a:buFontTx/>
-              <a:buNone/>
-              <a:defRPr sz="800"/>
-            </a:lvl1pPr>
-            <a:lvl2pPr marL="457200" indent="0">
-              <a:buFontTx/>
-              <a:buNone/>
-              <a:defRPr sz="800"/>
-            </a:lvl2pPr>
-            <a:lvl3pPr marL="914400" indent="0">
-              <a:buFontTx/>
-              <a:buNone/>
-              <a:defRPr sz="800"/>
-            </a:lvl3pPr>
-            <a:lvl4pPr marL="1371600" indent="0">
-              <a:buFontTx/>
-              <a:buNone/>
-              <a:defRPr sz="800"/>
-            </a:lvl4pPr>
-            <a:lvl5pPr marL="1828800" indent="0">
-              <a:buFontTx/>
-              <a:buNone/>
-              <a:defRPr sz="800"/>
-            </a:lvl5pPr>
-          </a:lstStyle>
-          <a:p>
-            <a:pPr lvl="0"/>
-            <a:r>
-              <a:rPr lang="en-US" noProof="0"/>
-              <a:t>Click to edit Master text styles</a:t>
-            </a:r>
-          </a:p>
-          <a:p>
-            <a:pPr lvl="1"/>
-            <a:r>
-              <a:rPr lang="en-US" noProof="0"/>
-              <a:t>Second level</a:t>
-            </a:r>
-          </a:p>
-          <a:p>
-            <a:pPr lvl="2"/>
-            <a:r>
-              <a:rPr lang="en-US" noProof="0"/>
-              <a:t>Third level</a:t>
-            </a:r>
-          </a:p>
-          <a:p>
-            <a:pPr lvl="3"/>
-            <a:r>
-              <a:rPr lang="en-US" noProof="0"/>
-              <a:t>Fourth level</a:t>
-            </a:r>
-          </a:p>
-          <a:p>
-            <a:pPr lvl="4"/>
-            <a:r>
-              <a:rPr lang="en-US" noProof="0"/>
-              <a:t>Fifth level</a:t>
-            </a:r>
-          </a:p>
-        </p:txBody>
-      </p:sp>
     </p:spTree>
     <p:extLst>
       <p:ext uri="{BB962C8B-B14F-4D97-AF65-F5344CB8AC3E}">
@@ -2444,12 +2444,193 @@
           </a:prstGeom>
         </p:spPr>
       </p:pic>
+      <p:sp>
+        <p:nvSpPr>
+          <p:cNvPr id="10" name="Text Placeholder 2">
+            <a:extLst>
+              <a:ext uri="{FF2B5EF4-FFF2-40B4-BE49-F238E27FC236}">
+                <a16:creationId xmlns:a16="http://schemas.microsoft.com/office/drawing/2014/main" id="{85167EA1-5B9E-6F7F-AAC5-B1C0E2DE90AE}"/>
+              </a:ext>
+            </a:extLst>
+          </p:cNvPr>
+          <p:cNvSpPr>
+            <a:spLocks noGrp="1"/>
+          </p:cNvSpPr>
+          <p:nvPr>
+            <p:ph type="body" sz="quarter" idx="13"/>
+          </p:nvPr>
+        </p:nvSpPr>
+        <p:spPr>
+          <a:xfrm>
+            <a:off x="414001" y="5926541"/>
+            <a:ext cx="5181599" cy="469900"/>
+          </a:xfrm>
+        </p:spPr>
+        <p:txBody>
+          <a:bodyPr>
+            <a:noAutofit/>
+          </a:bodyPr>
+          <a:lstStyle>
+            <a:lvl1pPr marL="0" indent="0">
+              <a:buFontTx/>
+              <a:buNone/>
+              <a:defRPr sz="800"/>
+            </a:lvl1pPr>
+            <a:lvl2pPr marL="457200" indent="0">
+              <a:buFontTx/>
+              <a:buNone/>
+              <a:defRPr sz="800"/>
+            </a:lvl2pPr>
+            <a:lvl3pPr marL="914400" indent="0">
+              <a:buFontTx/>
+              <a:buNone/>
+              <a:defRPr sz="800"/>
+            </a:lvl3pPr>
+            <a:lvl4pPr marL="1371600" indent="0">
+              <a:buFontTx/>
+              <a:buNone/>
+              <a:defRPr sz="800"/>
+            </a:lvl4pPr>
+            <a:lvl5pPr marL="1828800" indent="0">
+              <a:buFontTx/>
+              <a:buNone/>
+              <a:defRPr sz="800"/>
+            </a:lvl5pPr>
+          </a:lstStyle>
+          <a:p>
+            <a:pPr lvl="0"/>
+            <a:r>
+              <a:rPr lang="en-US" noProof="0"/>
+              <a:t>Click to edit Master text styles</a:t>
+            </a:r>
+          </a:p>
+          <a:p>
+            <a:pPr lvl="1"/>
+            <a:r>
+              <a:rPr lang="en-US" noProof="0"/>
+              <a:t>Second level</a:t>
+            </a:r>
+          </a:p>
+          <a:p>
+            <a:pPr lvl="2"/>
+            <a:r>
+              <a:rPr lang="en-US" noProof="0"/>
+              <a:t>Third level</a:t>
+            </a:r>
+          </a:p>
+          <a:p>
+            <a:pPr lvl="3"/>
+            <a:r>
+              <a:rPr lang="en-US" noProof="0"/>
+              <a:t>Fourth level</a:t>
+            </a:r>
+          </a:p>
+          <a:p>
+            <a:pPr lvl="4"/>
+            <a:r>
+              <a:rPr lang="en-US" noProof="0"/>
+              <a:t>Fifth level</a:t>
+            </a:r>
+            <a:endParaRPr lang="en-US" noProof="0" dirty="0"/>
+          </a:p>
+        </p:txBody>
+      </p:sp>
+      <p:sp>
+        <p:nvSpPr>
+          <p:cNvPr id="5" name="Footer Placeholder 5">
+            <a:extLst>
+              <a:ext uri="{FF2B5EF4-FFF2-40B4-BE49-F238E27FC236}">
+                <a16:creationId xmlns:a16="http://schemas.microsoft.com/office/drawing/2014/main" id="{96372338-A297-F3E8-0C9B-A5D3348AB933}"/>
+              </a:ext>
+            </a:extLst>
+          </p:cNvPr>
+          <p:cNvSpPr>
+            <a:spLocks noGrp="1"/>
+          </p:cNvSpPr>
+          <p:nvPr>
+            <p:ph type="body" sz="quarter" idx="14"/>
+          </p:nvPr>
+        </p:nvSpPr>
+        <p:spPr>
+          <a:xfrm>
+            <a:off x="2227894" y="6461290"/>
+            <a:ext cx="9125905" cy="256239"/>
+          </a:xfrm>
+        </p:spPr>
+        <p:txBody>
+          <a:bodyPr>
+            <a:normAutofit/>
+          </a:bodyPr>
+          <a:lstStyle>
+            <a:lvl1pPr marL="0" indent="0">
+              <a:buFontTx/>
+              <a:buNone/>
+              <a:defRPr sz="800"/>
+            </a:lvl1pPr>
+            <a:lvl2pPr marL="457200" indent="0">
+              <a:buFontTx/>
+              <a:buNone/>
+              <a:defRPr sz="800"/>
+            </a:lvl2pPr>
+            <a:lvl3pPr marL="914400" indent="0">
+              <a:buFontTx/>
+              <a:buNone/>
+              <a:defRPr sz="800"/>
+            </a:lvl3pPr>
+            <a:lvl4pPr marL="1371600" indent="0">
+              <a:buFontTx/>
+              <a:buNone/>
+              <a:defRPr sz="800"/>
+            </a:lvl4pPr>
+            <a:lvl5pPr marL="1828800" indent="0">
+              <a:buFontTx/>
+              <a:buNone/>
+              <a:defRPr sz="800"/>
+            </a:lvl5pPr>
+          </a:lstStyle>
+          <a:p>
+            <a:pPr lvl="0"/>
+            <a:r>
+              <a:rPr lang="en-US" noProof="0"/>
+              <a:t>Click to edit Master text styles</a:t>
+            </a:r>
+          </a:p>
+          <a:p>
+            <a:pPr lvl="1"/>
+            <a:r>
+              <a:rPr lang="en-US" noProof="0"/>
+              <a:t>Second level</a:t>
+            </a:r>
+          </a:p>
+          <a:p>
+            <a:pPr lvl="2"/>
+            <a:r>
+              <a:rPr lang="en-US" noProof="0"/>
+              <a:t>Third level</a:t>
+            </a:r>
+          </a:p>
+          <a:p>
+            <a:pPr lvl="3"/>
+            <a:r>
+              <a:rPr lang="en-US" noProof="0"/>
+              <a:t>Fourth level</a:t>
+            </a:r>
+          </a:p>
+          <a:p>
+            <a:pPr lvl="4"/>
+            <a:r>
+              <a:rPr lang="en-US" noProof="0"/>
+              <a:t>Fifth level</a:t>
+            </a:r>
+          </a:p>
+        </p:txBody>
+      </p:sp>
       <p:pic>
         <p:nvPicPr>
-          <p:cNvPr id="9" name="Grafik 8">
-            <a:extLst>
-              <a:ext uri="{FF2B5EF4-FFF2-40B4-BE49-F238E27FC236}">
-                <a16:creationId xmlns:a16="http://schemas.microsoft.com/office/drawing/2014/main" id="{DAE09CA6-2D8D-12EA-1C0C-5C9596FC8A2A}"/>
+          <p:cNvPr id="6" name="Picture 5" descr="A black and white logo&#10;&#10;Description automatically generated">
+            <a:extLst>
+              <a:ext uri="{FF2B5EF4-FFF2-40B4-BE49-F238E27FC236}">
+                <a16:creationId xmlns:a16="http://schemas.microsoft.com/office/drawing/2014/main" id="{7F4D4FDB-F202-887E-FF34-7F0166ECC92B}"/>
               </a:ext>
             </a:extLst>
           </p:cNvPr>
@@ -2467,194 +2648,13 @@
         <p:spPr>
           <a:xfrm>
             <a:off x="437322" y="6465236"/>
-            <a:ext cx="1033945" cy="231372"/>
+            <a:ext cx="1033945" cy="313705"/>
           </a:xfrm>
           <a:prstGeom prst="rect">
             <a:avLst/>
           </a:prstGeom>
         </p:spPr>
       </p:pic>
-      <p:sp>
-        <p:nvSpPr>
-          <p:cNvPr id="10" name="Text Placeholder 2">
-            <a:extLst>
-              <a:ext uri="{FF2B5EF4-FFF2-40B4-BE49-F238E27FC236}">
-                <a16:creationId xmlns:a16="http://schemas.microsoft.com/office/drawing/2014/main" id="{85167EA1-5B9E-6F7F-AAC5-B1C0E2DE90AE}"/>
-              </a:ext>
-            </a:extLst>
-          </p:cNvPr>
-          <p:cNvSpPr>
-            <a:spLocks noGrp="1"/>
-          </p:cNvSpPr>
-          <p:nvPr>
-            <p:ph type="body" sz="quarter" idx="13"/>
-          </p:nvPr>
-        </p:nvSpPr>
-        <p:spPr>
-          <a:xfrm>
-            <a:off x="414001" y="5926541"/>
-            <a:ext cx="5181599" cy="469900"/>
-          </a:xfrm>
-        </p:spPr>
-        <p:txBody>
-          <a:bodyPr>
-            <a:noAutofit/>
-          </a:bodyPr>
-          <a:lstStyle>
-            <a:lvl1pPr marL="0" indent="0">
-              <a:buFontTx/>
-              <a:buNone/>
-              <a:defRPr sz="800"/>
-            </a:lvl1pPr>
-            <a:lvl2pPr marL="457200" indent="0">
-              <a:buFontTx/>
-              <a:buNone/>
-              <a:defRPr sz="800"/>
-            </a:lvl2pPr>
-            <a:lvl3pPr marL="914400" indent="0">
-              <a:buFontTx/>
-              <a:buNone/>
-              <a:defRPr sz="800"/>
-            </a:lvl3pPr>
-            <a:lvl4pPr marL="1371600" indent="0">
-              <a:buFontTx/>
-              <a:buNone/>
-              <a:defRPr sz="800"/>
-            </a:lvl4pPr>
-            <a:lvl5pPr marL="1828800" indent="0">
-              <a:buFontTx/>
-              <a:buNone/>
-              <a:defRPr sz="800"/>
-            </a:lvl5pPr>
-          </a:lstStyle>
-          <a:p>
-            <a:pPr lvl="0"/>
-            <a:r>
-              <a:rPr lang="en-US" noProof="0"/>
-              <a:t>Click to edit Master text styles</a:t>
-            </a:r>
-          </a:p>
-          <a:p>
-            <a:pPr lvl="1"/>
-            <a:r>
-              <a:rPr lang="en-US" noProof="0"/>
-              <a:t>Second level</a:t>
-            </a:r>
-          </a:p>
-          <a:p>
-            <a:pPr lvl="2"/>
-            <a:r>
-              <a:rPr lang="en-US" noProof="0"/>
-              <a:t>Third level</a:t>
-            </a:r>
-          </a:p>
-          <a:p>
-            <a:pPr lvl="3"/>
-            <a:r>
-              <a:rPr lang="en-US" noProof="0"/>
-              <a:t>Fourth level</a:t>
-            </a:r>
-          </a:p>
-          <a:p>
-            <a:pPr lvl="4"/>
-            <a:r>
-              <a:rPr lang="en-US" noProof="0"/>
-              <a:t>Fifth level</a:t>
-            </a:r>
-            <a:endParaRPr lang="en-US" noProof="0" dirty="0"/>
-          </a:p>
-        </p:txBody>
-      </p:sp>
-      <p:sp>
-        <p:nvSpPr>
-          <p:cNvPr id="5" name="Footer Placeholder 5">
-            <a:extLst>
-              <a:ext uri="{FF2B5EF4-FFF2-40B4-BE49-F238E27FC236}">
-                <a16:creationId xmlns:a16="http://schemas.microsoft.com/office/drawing/2014/main" id="{96372338-A297-F3E8-0C9B-A5D3348AB933}"/>
-              </a:ext>
-            </a:extLst>
-          </p:cNvPr>
-          <p:cNvSpPr>
-            <a:spLocks noGrp="1"/>
-          </p:cNvSpPr>
-          <p:nvPr>
-            <p:ph type="body" sz="quarter" idx="14"/>
-          </p:nvPr>
-        </p:nvSpPr>
-        <p:spPr>
-          <a:xfrm>
-            <a:off x="2227894" y="6461290"/>
-            <a:ext cx="9125905" cy="256239"/>
-          </a:xfrm>
-        </p:spPr>
-        <p:txBody>
-          <a:bodyPr>
-            <a:normAutofit/>
-          </a:bodyPr>
-          <a:lstStyle>
-            <a:lvl1pPr marL="0" indent="0">
-              <a:buFontTx/>
-              <a:buNone/>
-              <a:defRPr sz="800"/>
-            </a:lvl1pPr>
-            <a:lvl2pPr marL="457200" indent="0">
-              <a:buFontTx/>
-              <a:buNone/>
-              <a:defRPr sz="800"/>
-            </a:lvl2pPr>
-            <a:lvl3pPr marL="914400" indent="0">
-              <a:buFontTx/>
-              <a:buNone/>
-              <a:defRPr sz="800"/>
-            </a:lvl3pPr>
-            <a:lvl4pPr marL="1371600" indent="0">
-              <a:buFontTx/>
-              <a:buNone/>
-              <a:defRPr sz="800"/>
-            </a:lvl4pPr>
-            <a:lvl5pPr marL="1828800" indent="0">
-              <a:buFontTx/>
-              <a:buNone/>
-              <a:defRPr sz="800"/>
-            </a:lvl5pPr>
-          </a:lstStyle>
-          <a:p>
-            <a:pPr lvl="0"/>
-            <a:r>
-              <a:rPr lang="en-US" noProof="0"/>
-              <a:t>Click to edit Master text styles</a:t>
-            </a:r>
-          </a:p>
-          <a:p>
-            <a:pPr lvl="1"/>
-            <a:r>
-              <a:rPr lang="en-US" noProof="0"/>
-              <a:t>Second level</a:t>
-            </a:r>
-          </a:p>
-          <a:p>
-            <a:pPr lvl="2"/>
-            <a:r>
-              <a:rPr lang="en-US" noProof="0"/>
-              <a:t>Third level</a:t>
-            </a:r>
-          </a:p>
-          <a:p>
-            <a:pPr lvl="3"/>
-            <a:r>
-              <a:rPr lang="en-US" noProof="0"/>
-              <a:t>Fourth level</a:t>
-            </a:r>
-          </a:p>
-          <a:p>
-            <a:pPr lvl="4"/>
-            <a:r>
-              <a:rPr lang="en-US" noProof="0"/>
-              <a:t>Fifth level</a:t>
-            </a:r>
-          </a:p>
-        </p:txBody>
-      </p:sp>
     </p:spTree>
     <p:extLst>
       <p:ext uri="{BB962C8B-B14F-4D97-AF65-F5344CB8AC3E}">
@@ -2904,12 +2904,282 @@
           </a:prstGeom>
         </p:spPr>
       </p:pic>
+      <p:sp>
+        <p:nvSpPr>
+          <p:cNvPr id="10" name="Text Placeholder 2">
+            <a:extLst>
+              <a:ext uri="{FF2B5EF4-FFF2-40B4-BE49-F238E27FC236}">
+                <a16:creationId xmlns:a16="http://schemas.microsoft.com/office/drawing/2014/main" id="{85167EA1-5B9E-6F7F-AAC5-B1C0E2DE90AE}"/>
+              </a:ext>
+            </a:extLst>
+          </p:cNvPr>
+          <p:cNvSpPr>
+            <a:spLocks noGrp="1"/>
+          </p:cNvSpPr>
+          <p:nvPr>
+            <p:ph type="body" sz="quarter" idx="13"/>
+          </p:nvPr>
+        </p:nvSpPr>
+        <p:spPr>
+          <a:xfrm>
+            <a:off x="414001" y="5926541"/>
+            <a:ext cx="5181599" cy="469900"/>
+          </a:xfrm>
+        </p:spPr>
+        <p:txBody>
+          <a:bodyPr>
+            <a:noAutofit/>
+          </a:bodyPr>
+          <a:lstStyle>
+            <a:lvl1pPr marL="0" indent="0">
+              <a:buFontTx/>
+              <a:buNone/>
+              <a:defRPr sz="800"/>
+            </a:lvl1pPr>
+            <a:lvl2pPr marL="457200" indent="0">
+              <a:buFontTx/>
+              <a:buNone/>
+              <a:defRPr sz="800"/>
+            </a:lvl2pPr>
+            <a:lvl3pPr marL="914400" indent="0">
+              <a:buFontTx/>
+              <a:buNone/>
+              <a:defRPr sz="800"/>
+            </a:lvl3pPr>
+            <a:lvl4pPr marL="1371600" indent="0">
+              <a:buFontTx/>
+              <a:buNone/>
+              <a:defRPr sz="800"/>
+            </a:lvl4pPr>
+            <a:lvl5pPr marL="1828800" indent="0">
+              <a:buFontTx/>
+              <a:buNone/>
+              <a:defRPr sz="800"/>
+            </a:lvl5pPr>
+          </a:lstStyle>
+          <a:p>
+            <a:pPr lvl="0"/>
+            <a:r>
+              <a:rPr lang="en-US" noProof="0"/>
+              <a:t>Click to edit Master text styles</a:t>
+            </a:r>
+          </a:p>
+          <a:p>
+            <a:pPr lvl="1"/>
+            <a:r>
+              <a:rPr lang="en-US" noProof="0"/>
+              <a:t>Second level</a:t>
+            </a:r>
+          </a:p>
+          <a:p>
+            <a:pPr lvl="2"/>
+            <a:r>
+              <a:rPr lang="en-US" noProof="0"/>
+              <a:t>Third level</a:t>
+            </a:r>
+          </a:p>
+          <a:p>
+            <a:pPr lvl="3"/>
+            <a:r>
+              <a:rPr lang="en-US" noProof="0"/>
+              <a:t>Fourth level</a:t>
+            </a:r>
+          </a:p>
+          <a:p>
+            <a:pPr lvl="4"/>
+            <a:r>
+              <a:rPr lang="en-US" noProof="0"/>
+              <a:t>Fifth level</a:t>
+            </a:r>
+          </a:p>
+        </p:txBody>
+      </p:sp>
+      <p:sp>
+        <p:nvSpPr>
+          <p:cNvPr id="11" name="Text Placeholder 3">
+            <a:extLst>
+              <a:ext uri="{FF2B5EF4-FFF2-40B4-BE49-F238E27FC236}">
+                <a16:creationId xmlns:a16="http://schemas.microsoft.com/office/drawing/2014/main" id="{A28D3778-EB2F-D334-DC7A-2F4DAE0EB6B8}"/>
+              </a:ext>
+            </a:extLst>
+          </p:cNvPr>
+          <p:cNvSpPr>
+            <a:spLocks noGrp="1"/>
+          </p:cNvSpPr>
+          <p:nvPr>
+            <p:ph type="body" sz="quarter" idx="14"/>
+          </p:nvPr>
+        </p:nvSpPr>
+        <p:spPr>
+          <a:xfrm>
+            <a:off x="6159346" y="5926541"/>
+            <a:ext cx="5181599" cy="469900"/>
+          </a:xfrm>
+        </p:spPr>
+        <p:txBody>
+          <a:bodyPr>
+            <a:noAutofit/>
+          </a:bodyPr>
+          <a:lstStyle>
+            <a:lvl1pPr marL="0" indent="0">
+              <a:buFontTx/>
+              <a:buNone/>
+              <a:defRPr sz="800"/>
+            </a:lvl1pPr>
+            <a:lvl2pPr marL="457200" indent="0">
+              <a:buFontTx/>
+              <a:buNone/>
+              <a:defRPr sz="800"/>
+            </a:lvl2pPr>
+            <a:lvl3pPr marL="914400" indent="0">
+              <a:buFontTx/>
+              <a:buNone/>
+              <a:defRPr sz="800"/>
+            </a:lvl3pPr>
+            <a:lvl4pPr marL="1371600" indent="0">
+              <a:buFontTx/>
+              <a:buNone/>
+              <a:defRPr sz="800"/>
+            </a:lvl4pPr>
+            <a:lvl5pPr marL="1828800" indent="0">
+              <a:buFontTx/>
+              <a:buNone/>
+              <a:defRPr sz="800"/>
+            </a:lvl5pPr>
+          </a:lstStyle>
+          <a:p>
+            <a:pPr lvl="0"/>
+            <a:r>
+              <a:rPr lang="en-US" noProof="0"/>
+              <a:t>Click to edit Master text styles</a:t>
+            </a:r>
+          </a:p>
+          <a:p>
+            <a:pPr lvl="1"/>
+            <a:r>
+              <a:rPr lang="en-US" noProof="0"/>
+              <a:t>Second level</a:t>
+            </a:r>
+          </a:p>
+          <a:p>
+            <a:pPr lvl="2"/>
+            <a:r>
+              <a:rPr lang="en-US" noProof="0"/>
+              <a:t>Third level</a:t>
+            </a:r>
+          </a:p>
+          <a:p>
+            <a:pPr lvl="3"/>
+            <a:r>
+              <a:rPr lang="en-US" noProof="0"/>
+              <a:t>Fourth level</a:t>
+            </a:r>
+          </a:p>
+          <a:p>
+            <a:pPr lvl="4"/>
+            <a:r>
+              <a:rPr lang="en-US" noProof="0"/>
+              <a:t>Fifth level</a:t>
+            </a:r>
+          </a:p>
+        </p:txBody>
+      </p:sp>
+      <p:sp>
+        <p:nvSpPr>
+          <p:cNvPr id="5" name="Footer Placeholder 5">
+            <a:extLst>
+              <a:ext uri="{FF2B5EF4-FFF2-40B4-BE49-F238E27FC236}">
+                <a16:creationId xmlns:a16="http://schemas.microsoft.com/office/drawing/2014/main" id="{2F03D65C-7D1F-0C51-0177-05C87EAE1204}"/>
+              </a:ext>
+            </a:extLst>
+          </p:cNvPr>
+          <p:cNvSpPr>
+            <a:spLocks noGrp="1"/>
+          </p:cNvSpPr>
+          <p:nvPr>
+            <p:ph type="body" sz="quarter" idx="15"/>
+          </p:nvPr>
+        </p:nvSpPr>
+        <p:spPr>
+          <a:xfrm>
+            <a:off x="2227894" y="6461290"/>
+            <a:ext cx="9125905" cy="256239"/>
+          </a:xfrm>
+        </p:spPr>
+        <p:txBody>
+          <a:bodyPr>
+            <a:normAutofit/>
+          </a:bodyPr>
+          <a:lstStyle>
+            <a:lvl1pPr marL="0" indent="0">
+              <a:buFontTx/>
+              <a:buNone/>
+              <a:defRPr sz="800"/>
+            </a:lvl1pPr>
+            <a:lvl2pPr marL="457200" indent="0">
+              <a:buFontTx/>
+              <a:buNone/>
+              <a:defRPr sz="800"/>
+            </a:lvl2pPr>
+            <a:lvl3pPr marL="914400" indent="0">
+              <a:buFontTx/>
+              <a:buNone/>
+              <a:defRPr sz="800"/>
+            </a:lvl3pPr>
+            <a:lvl4pPr marL="1371600" indent="0">
+              <a:buFontTx/>
+              <a:buNone/>
+              <a:defRPr sz="800"/>
+            </a:lvl4pPr>
+            <a:lvl5pPr marL="1828800" indent="0">
+              <a:buFontTx/>
+              <a:buNone/>
+              <a:defRPr sz="800"/>
+            </a:lvl5pPr>
+          </a:lstStyle>
+          <a:p>
+            <a:pPr lvl="0"/>
+            <a:r>
+              <a:rPr lang="en-US" noProof="0"/>
+              <a:t>Click to edit Master text styles</a:t>
+            </a:r>
+          </a:p>
+          <a:p>
+            <a:pPr lvl="1"/>
+            <a:r>
+              <a:rPr lang="en-US" noProof="0"/>
+              <a:t>Second level</a:t>
+            </a:r>
+          </a:p>
+          <a:p>
+            <a:pPr lvl="2"/>
+            <a:r>
+              <a:rPr lang="en-US" noProof="0"/>
+              <a:t>Third level</a:t>
+            </a:r>
+          </a:p>
+          <a:p>
+            <a:pPr lvl="3"/>
+            <a:r>
+              <a:rPr lang="en-US" noProof="0"/>
+              <a:t>Fourth level</a:t>
+            </a:r>
+          </a:p>
+          <a:p>
+            <a:pPr lvl="4"/>
+            <a:r>
+              <a:rPr lang="en-US" noProof="0"/>
+              <a:t>Fifth level</a:t>
+            </a:r>
+          </a:p>
+        </p:txBody>
+      </p:sp>
       <p:pic>
         <p:nvPicPr>
-          <p:cNvPr id="9" name="Grafik 8">
-            <a:extLst>
-              <a:ext uri="{FF2B5EF4-FFF2-40B4-BE49-F238E27FC236}">
-                <a16:creationId xmlns:a16="http://schemas.microsoft.com/office/drawing/2014/main" id="{DAE09CA6-2D8D-12EA-1C0C-5C9596FC8A2A}"/>
+          <p:cNvPr id="6" name="Picture 5" descr="A black and white logo&#10;&#10;Description automatically generated">
+            <a:extLst>
+              <a:ext uri="{FF2B5EF4-FFF2-40B4-BE49-F238E27FC236}">
+                <a16:creationId xmlns:a16="http://schemas.microsoft.com/office/drawing/2014/main" id="{E9BF2DC9-D746-8178-CD05-CED3D8E987E0}"/>
               </a:ext>
             </a:extLst>
           </p:cNvPr>
@@ -2927,283 +3197,13 @@
         <p:spPr>
           <a:xfrm>
             <a:off x="437322" y="6465236"/>
-            <a:ext cx="1033945" cy="231372"/>
+            <a:ext cx="1033945" cy="313705"/>
           </a:xfrm>
           <a:prstGeom prst="rect">
             <a:avLst/>
           </a:prstGeom>
         </p:spPr>
       </p:pic>
-      <p:sp>
-        <p:nvSpPr>
-          <p:cNvPr id="10" name="Text Placeholder 2">
-            <a:extLst>
-              <a:ext uri="{FF2B5EF4-FFF2-40B4-BE49-F238E27FC236}">
-                <a16:creationId xmlns:a16="http://schemas.microsoft.com/office/drawing/2014/main" id="{85167EA1-5B9E-6F7F-AAC5-B1C0E2DE90AE}"/>
-              </a:ext>
-            </a:extLst>
-          </p:cNvPr>
-          <p:cNvSpPr>
-            <a:spLocks noGrp="1"/>
-          </p:cNvSpPr>
-          <p:nvPr>
-            <p:ph type="body" sz="quarter" idx="13"/>
-          </p:nvPr>
-        </p:nvSpPr>
-        <p:spPr>
-          <a:xfrm>
-            <a:off x="414001" y="5926541"/>
-            <a:ext cx="5181599" cy="469900"/>
-          </a:xfrm>
-        </p:spPr>
-        <p:txBody>
-          <a:bodyPr>
-            <a:noAutofit/>
-          </a:bodyPr>
-          <a:lstStyle>
-            <a:lvl1pPr marL="0" indent="0">
-              <a:buFontTx/>
-              <a:buNone/>
-              <a:defRPr sz="800"/>
-            </a:lvl1pPr>
-            <a:lvl2pPr marL="457200" indent="0">
-              <a:buFontTx/>
-              <a:buNone/>
-              <a:defRPr sz="800"/>
-            </a:lvl2pPr>
-            <a:lvl3pPr marL="914400" indent="0">
-              <a:buFontTx/>
-              <a:buNone/>
-              <a:defRPr sz="800"/>
-            </a:lvl3pPr>
-            <a:lvl4pPr marL="1371600" indent="0">
-              <a:buFontTx/>
-              <a:buNone/>
-              <a:defRPr sz="800"/>
-            </a:lvl4pPr>
-            <a:lvl5pPr marL="1828800" indent="0">
-              <a:buFontTx/>
-              <a:buNone/>
-              <a:defRPr sz="800"/>
-            </a:lvl5pPr>
-          </a:lstStyle>
-          <a:p>
-            <a:pPr lvl="0"/>
-            <a:r>
-              <a:rPr lang="en-US" noProof="0"/>
-              <a:t>Click to edit Master text styles</a:t>
-            </a:r>
-          </a:p>
-          <a:p>
-            <a:pPr lvl="1"/>
-            <a:r>
-              <a:rPr lang="en-US" noProof="0"/>
-              <a:t>Second level</a:t>
-            </a:r>
-          </a:p>
-          <a:p>
-            <a:pPr lvl="2"/>
-            <a:r>
-              <a:rPr lang="en-US" noProof="0"/>
-              <a:t>Third level</a:t>
-            </a:r>
-          </a:p>
-          <a:p>
-            <a:pPr lvl="3"/>
-            <a:r>
-              <a:rPr lang="en-US" noProof="0"/>
-              <a:t>Fourth level</a:t>
-            </a:r>
-          </a:p>
-          <a:p>
-            <a:pPr lvl="4"/>
-            <a:r>
-              <a:rPr lang="en-US" noProof="0"/>
-              <a:t>Fifth level</a:t>
-            </a:r>
-          </a:p>
-        </p:txBody>
-      </p:sp>
-      <p:sp>
-        <p:nvSpPr>
-          <p:cNvPr id="11" name="Text Placeholder 3">
-            <a:extLst>
-              <a:ext uri="{FF2B5EF4-FFF2-40B4-BE49-F238E27FC236}">
-                <a16:creationId xmlns:a16="http://schemas.microsoft.com/office/drawing/2014/main" id="{A28D3778-EB2F-D334-DC7A-2F4DAE0EB6B8}"/>
-              </a:ext>
-            </a:extLst>
-          </p:cNvPr>
-          <p:cNvSpPr>
-            <a:spLocks noGrp="1"/>
-          </p:cNvSpPr>
-          <p:nvPr>
-            <p:ph type="body" sz="quarter" idx="14"/>
-          </p:nvPr>
-        </p:nvSpPr>
-        <p:spPr>
-          <a:xfrm>
-            <a:off x="6159346" y="5926541"/>
-            <a:ext cx="5181599" cy="469900"/>
-          </a:xfrm>
-        </p:spPr>
-        <p:txBody>
-          <a:bodyPr>
-            <a:noAutofit/>
-          </a:bodyPr>
-          <a:lstStyle>
-            <a:lvl1pPr marL="0" indent="0">
-              <a:buFontTx/>
-              <a:buNone/>
-              <a:defRPr sz="800"/>
-            </a:lvl1pPr>
-            <a:lvl2pPr marL="457200" indent="0">
-              <a:buFontTx/>
-              <a:buNone/>
-              <a:defRPr sz="800"/>
-            </a:lvl2pPr>
-            <a:lvl3pPr marL="914400" indent="0">
-              <a:buFontTx/>
-              <a:buNone/>
-              <a:defRPr sz="800"/>
-            </a:lvl3pPr>
-            <a:lvl4pPr marL="1371600" indent="0">
-              <a:buFontTx/>
-              <a:buNone/>
-              <a:defRPr sz="800"/>
-            </a:lvl4pPr>
-            <a:lvl5pPr marL="1828800" indent="0">
-              <a:buFontTx/>
-              <a:buNone/>
-              <a:defRPr sz="800"/>
-            </a:lvl5pPr>
-          </a:lstStyle>
-          <a:p>
-            <a:pPr lvl="0"/>
-            <a:r>
-              <a:rPr lang="en-US" noProof="0"/>
-              <a:t>Click to edit Master text styles</a:t>
-            </a:r>
-          </a:p>
-          <a:p>
-            <a:pPr lvl="1"/>
-            <a:r>
-              <a:rPr lang="en-US" noProof="0"/>
-              <a:t>Second level</a:t>
-            </a:r>
-          </a:p>
-          <a:p>
-            <a:pPr lvl="2"/>
-            <a:r>
-              <a:rPr lang="en-US" noProof="0"/>
-              <a:t>Third level</a:t>
-            </a:r>
-          </a:p>
-          <a:p>
-            <a:pPr lvl="3"/>
-            <a:r>
-              <a:rPr lang="en-US" noProof="0"/>
-              <a:t>Fourth level</a:t>
-            </a:r>
-          </a:p>
-          <a:p>
-            <a:pPr lvl="4"/>
-            <a:r>
-              <a:rPr lang="en-US" noProof="0"/>
-              <a:t>Fifth level</a:t>
-            </a:r>
-          </a:p>
-        </p:txBody>
-      </p:sp>
-      <p:sp>
-        <p:nvSpPr>
-          <p:cNvPr id="5" name="Footer Placeholder 5">
-            <a:extLst>
-              <a:ext uri="{FF2B5EF4-FFF2-40B4-BE49-F238E27FC236}">
-                <a16:creationId xmlns:a16="http://schemas.microsoft.com/office/drawing/2014/main" id="{2F03D65C-7D1F-0C51-0177-05C87EAE1204}"/>
-              </a:ext>
-            </a:extLst>
-          </p:cNvPr>
-          <p:cNvSpPr>
-            <a:spLocks noGrp="1"/>
-          </p:cNvSpPr>
-          <p:nvPr>
-            <p:ph type="body" sz="quarter" idx="15"/>
-          </p:nvPr>
-        </p:nvSpPr>
-        <p:spPr>
-          <a:xfrm>
-            <a:off x="2227894" y="6461290"/>
-            <a:ext cx="9125905" cy="256239"/>
-          </a:xfrm>
-        </p:spPr>
-        <p:txBody>
-          <a:bodyPr>
-            <a:normAutofit/>
-          </a:bodyPr>
-          <a:lstStyle>
-            <a:lvl1pPr marL="0" indent="0">
-              <a:buFontTx/>
-              <a:buNone/>
-              <a:defRPr sz="800"/>
-            </a:lvl1pPr>
-            <a:lvl2pPr marL="457200" indent="0">
-              <a:buFontTx/>
-              <a:buNone/>
-              <a:defRPr sz="800"/>
-            </a:lvl2pPr>
-            <a:lvl3pPr marL="914400" indent="0">
-              <a:buFontTx/>
-              <a:buNone/>
-              <a:defRPr sz="800"/>
-            </a:lvl3pPr>
-            <a:lvl4pPr marL="1371600" indent="0">
-              <a:buFontTx/>
-              <a:buNone/>
-              <a:defRPr sz="800"/>
-            </a:lvl4pPr>
-            <a:lvl5pPr marL="1828800" indent="0">
-              <a:buFontTx/>
-              <a:buNone/>
-              <a:defRPr sz="800"/>
-            </a:lvl5pPr>
-          </a:lstStyle>
-          <a:p>
-            <a:pPr lvl="0"/>
-            <a:r>
-              <a:rPr lang="en-US" noProof="0"/>
-              <a:t>Click to edit Master text styles</a:t>
-            </a:r>
-          </a:p>
-          <a:p>
-            <a:pPr lvl="1"/>
-            <a:r>
-              <a:rPr lang="en-US" noProof="0"/>
-              <a:t>Second level</a:t>
-            </a:r>
-          </a:p>
-          <a:p>
-            <a:pPr lvl="2"/>
-            <a:r>
-              <a:rPr lang="en-US" noProof="0"/>
-              <a:t>Third level</a:t>
-            </a:r>
-          </a:p>
-          <a:p>
-            <a:pPr lvl="3"/>
-            <a:r>
-              <a:rPr lang="en-US" noProof="0"/>
-              <a:t>Fourth level</a:t>
-            </a:r>
-          </a:p>
-          <a:p>
-            <a:pPr lvl="4"/>
-            <a:r>
-              <a:rPr lang="en-US" noProof="0"/>
-              <a:t>Fifth level</a:t>
-            </a:r>
-          </a:p>
-        </p:txBody>
-      </p:sp>
     </p:spTree>
     <p:extLst>
       <p:ext uri="{BB962C8B-B14F-4D97-AF65-F5344CB8AC3E}">
@@ -3595,12 +3595,102 @@
           </a:prstGeom>
         </p:spPr>
       </p:pic>
+      <p:sp>
+        <p:nvSpPr>
+          <p:cNvPr id="7" name="Textplatzhalter 11">
+            <a:extLst>
+              <a:ext uri="{FF2B5EF4-FFF2-40B4-BE49-F238E27FC236}">
+                <a16:creationId xmlns:a16="http://schemas.microsoft.com/office/drawing/2014/main" id="{2E7F6D0F-7A1D-AEE1-3B4C-9294D643219B}"/>
+              </a:ext>
+            </a:extLst>
+          </p:cNvPr>
+          <p:cNvSpPr>
+            <a:spLocks noGrp="1"/>
+          </p:cNvSpPr>
+          <p:nvPr>
+            <p:ph type="body" sz="quarter" idx="13"/>
+          </p:nvPr>
+        </p:nvSpPr>
+        <p:spPr>
+          <a:xfrm>
+            <a:off x="2227894" y="6461290"/>
+            <a:ext cx="9125905" cy="256239"/>
+          </a:xfrm>
+        </p:spPr>
+        <p:txBody>
+          <a:bodyPr>
+            <a:normAutofit/>
+          </a:bodyPr>
+          <a:lstStyle>
+            <a:lvl1pPr marL="0" indent="0">
+              <a:buFontTx/>
+              <a:buNone/>
+              <a:defRPr sz="800"/>
+            </a:lvl1pPr>
+            <a:lvl2pPr marL="457200" indent="0">
+              <a:buFontTx/>
+              <a:buNone/>
+              <a:defRPr sz="800"/>
+            </a:lvl2pPr>
+            <a:lvl3pPr marL="914400" indent="0">
+              <a:buFontTx/>
+              <a:buNone/>
+              <a:defRPr sz="800"/>
+            </a:lvl3pPr>
+            <a:lvl4pPr marL="1371600" indent="0">
+              <a:buFontTx/>
+              <a:buNone/>
+              <a:defRPr sz="800"/>
+            </a:lvl4pPr>
+            <a:lvl5pPr marL="1828800" indent="0">
+              <a:buFontTx/>
+              <a:buNone/>
+              <a:defRPr sz="800"/>
+            </a:lvl5pPr>
+          </a:lstStyle>
+          <a:p>
+            <a:pPr lvl="0"/>
+            <a:r>
+              <a:rPr lang="en-US" noProof="0"/>
+              <a:t>Click to edit Master text styles</a:t>
+            </a:r>
+          </a:p>
+          <a:p>
+            <a:pPr lvl="1"/>
+            <a:r>
+              <a:rPr lang="en-US" noProof="0"/>
+              <a:t>Second level</a:t>
+            </a:r>
+          </a:p>
+          <a:p>
+            <a:pPr lvl="2"/>
+            <a:r>
+              <a:rPr lang="en-US" noProof="0"/>
+              <a:t>Third level</a:t>
+            </a:r>
+          </a:p>
+          <a:p>
+            <a:pPr lvl="3"/>
+            <a:r>
+              <a:rPr lang="en-US" noProof="0"/>
+              <a:t>Fourth level</a:t>
+            </a:r>
+          </a:p>
+          <a:p>
+            <a:pPr lvl="4"/>
+            <a:r>
+              <a:rPr lang="en-US" noProof="0"/>
+              <a:t>Fifth level</a:t>
+            </a:r>
+          </a:p>
+        </p:txBody>
+      </p:sp>
       <p:pic>
         <p:nvPicPr>
-          <p:cNvPr id="11" name="Grafik 10">
-            <a:extLst>
-              <a:ext uri="{FF2B5EF4-FFF2-40B4-BE49-F238E27FC236}">
-                <a16:creationId xmlns:a16="http://schemas.microsoft.com/office/drawing/2014/main" id="{108E3729-C740-5A70-3E7F-D3CC8DE97A8D}"/>
+          <p:cNvPr id="8" name="Picture 7" descr="A black and white logo&#10;&#10;Description automatically generated">
+            <a:extLst>
+              <a:ext uri="{FF2B5EF4-FFF2-40B4-BE49-F238E27FC236}">
+                <a16:creationId xmlns:a16="http://schemas.microsoft.com/office/drawing/2014/main" id="{C7030DEB-8487-C6DC-3EB0-2BC278DB2BD5}"/>
               </a:ext>
             </a:extLst>
           </p:cNvPr>
@@ -3618,103 +3708,13 @@
         <p:spPr>
           <a:xfrm>
             <a:off x="437322" y="6465236"/>
-            <a:ext cx="1033945" cy="231372"/>
+            <a:ext cx="1033945" cy="313705"/>
           </a:xfrm>
           <a:prstGeom prst="rect">
             <a:avLst/>
           </a:prstGeom>
         </p:spPr>
       </p:pic>
-      <p:sp>
-        <p:nvSpPr>
-          <p:cNvPr id="7" name="Textplatzhalter 11">
-            <a:extLst>
-              <a:ext uri="{FF2B5EF4-FFF2-40B4-BE49-F238E27FC236}">
-                <a16:creationId xmlns:a16="http://schemas.microsoft.com/office/drawing/2014/main" id="{2E7F6D0F-7A1D-AEE1-3B4C-9294D643219B}"/>
-              </a:ext>
-            </a:extLst>
-          </p:cNvPr>
-          <p:cNvSpPr>
-            <a:spLocks noGrp="1"/>
-          </p:cNvSpPr>
-          <p:nvPr>
-            <p:ph type="body" sz="quarter" idx="13"/>
-          </p:nvPr>
-        </p:nvSpPr>
-        <p:spPr>
-          <a:xfrm>
-            <a:off x="2227894" y="6461290"/>
-            <a:ext cx="9125905" cy="256239"/>
-          </a:xfrm>
-        </p:spPr>
-        <p:txBody>
-          <a:bodyPr>
-            <a:normAutofit/>
-          </a:bodyPr>
-          <a:lstStyle>
-            <a:lvl1pPr marL="0" indent="0">
-              <a:buFontTx/>
-              <a:buNone/>
-              <a:defRPr sz="800"/>
-            </a:lvl1pPr>
-            <a:lvl2pPr marL="457200" indent="0">
-              <a:buFontTx/>
-              <a:buNone/>
-              <a:defRPr sz="800"/>
-            </a:lvl2pPr>
-            <a:lvl3pPr marL="914400" indent="0">
-              <a:buFontTx/>
-              <a:buNone/>
-              <a:defRPr sz="800"/>
-            </a:lvl3pPr>
-            <a:lvl4pPr marL="1371600" indent="0">
-              <a:buFontTx/>
-              <a:buNone/>
-              <a:defRPr sz="800"/>
-            </a:lvl4pPr>
-            <a:lvl5pPr marL="1828800" indent="0">
-              <a:buFontTx/>
-              <a:buNone/>
-              <a:defRPr sz="800"/>
-            </a:lvl5pPr>
-          </a:lstStyle>
-          <a:p>
-            <a:pPr lvl="0"/>
-            <a:r>
-              <a:rPr lang="en-US" noProof="0"/>
-              <a:t>Click to edit Master text styles</a:t>
-            </a:r>
-          </a:p>
-          <a:p>
-            <a:pPr lvl="1"/>
-            <a:r>
-              <a:rPr lang="en-US" noProof="0"/>
-              <a:t>Second level</a:t>
-            </a:r>
-          </a:p>
-          <a:p>
-            <a:pPr lvl="2"/>
-            <a:r>
-              <a:rPr lang="en-US" noProof="0"/>
-              <a:t>Third level</a:t>
-            </a:r>
-          </a:p>
-          <a:p>
-            <a:pPr lvl="3"/>
-            <a:r>
-              <a:rPr lang="en-US" noProof="0"/>
-              <a:t>Fourth level</a:t>
-            </a:r>
-          </a:p>
-          <a:p>
-            <a:pPr lvl="4"/>
-            <a:r>
-              <a:rPr lang="en-US" noProof="0"/>
-              <a:t>Fifth level</a:t>
-            </a:r>
-          </a:p>
-        </p:txBody>
-      </p:sp>
     </p:spTree>
     <p:extLst>
       <p:ext uri="{BB962C8B-B14F-4D97-AF65-F5344CB8AC3E}">
@@ -3819,10 +3819,10 @@
       </p:sp>
       <p:pic>
         <p:nvPicPr>
-          <p:cNvPr id="7" name="Grafik 6">
-            <a:extLst>
-              <a:ext uri="{FF2B5EF4-FFF2-40B4-BE49-F238E27FC236}">
-                <a16:creationId xmlns:a16="http://schemas.microsoft.com/office/drawing/2014/main" id="{38535E6F-B607-29C7-FF72-376D3E48C501}"/>
+          <p:cNvPr id="3" name="Grafik 2" descr="Ein Bild, das Screenshot, Grafiken, Farbigkeit, Design enthält.&#10;&#10;Automatisch generierte Beschreibung">
+            <a:extLst>
+              <a:ext uri="{FF2B5EF4-FFF2-40B4-BE49-F238E27FC236}">
+                <a16:creationId xmlns:a16="http://schemas.microsoft.com/office/drawing/2014/main" id="{4A95C425-444B-4F47-9059-0DC67F36E31A}"/>
               </a:ext>
             </a:extLst>
           </p:cNvPr>
@@ -3839,8 +3839,8 @@
         </p:blipFill>
         <p:spPr>
           <a:xfrm>
-            <a:off x="437322" y="6465236"/>
-            <a:ext cx="1033945" cy="231372"/>
+            <a:off x="721967" y="617420"/>
+            <a:ext cx="1498600" cy="1511300"/>
           </a:xfrm>
           <a:prstGeom prst="rect">
             <a:avLst/>
@@ -3849,10 +3849,130 @@
       </p:pic>
       <p:pic>
         <p:nvPicPr>
-          <p:cNvPr id="3" name="Grafik 2" descr="Ein Bild, das Screenshot, Grafiken, Farbigkeit, Design enthält.&#10;&#10;Automatisch generierte Beschreibung">
-            <a:extLst>
-              <a:ext uri="{FF2B5EF4-FFF2-40B4-BE49-F238E27FC236}">
-                <a16:creationId xmlns:a16="http://schemas.microsoft.com/office/drawing/2014/main" id="{4A95C425-444B-4F47-9059-0DC67F36E31A}"/>
+          <p:cNvPr id="9" name="Grafik 8" descr="Ein Bild, das Screenshot, Grafiken, Farbigkeit, Design enthält.&#10;&#10;Automatisch generierte Beschreibung">
+            <a:extLst>
+              <a:ext uri="{FF2B5EF4-FFF2-40B4-BE49-F238E27FC236}">
+                <a16:creationId xmlns:a16="http://schemas.microsoft.com/office/drawing/2014/main" id="{10833D06-1CDE-CA48-7B42-9E7AE91AF8F9}"/>
+              </a:ext>
+            </a:extLst>
+          </p:cNvPr>
+          <p:cNvPicPr>
+            <a:picLocks noChangeAspect="1"/>
+          </p:cNvPicPr>
+          <p:nvPr userDrawn="1"/>
+        </p:nvPicPr>
+        <p:blipFill>
+          <a:blip r:embed="rId2"/>
+          <a:stretch>
+            <a:fillRect/>
+          </a:stretch>
+        </p:blipFill>
+        <p:spPr>
+          <a:xfrm>
+            <a:off x="9204327" y="4037584"/>
+            <a:ext cx="1498600" cy="1511300"/>
+          </a:xfrm>
+          <a:prstGeom prst="rect">
+            <a:avLst/>
+          </a:prstGeom>
+        </p:spPr>
+      </p:pic>
+      <p:sp>
+        <p:nvSpPr>
+          <p:cNvPr id="6" name="Footer Placeholder 3">
+            <a:extLst>
+              <a:ext uri="{FF2B5EF4-FFF2-40B4-BE49-F238E27FC236}">
+                <a16:creationId xmlns:a16="http://schemas.microsoft.com/office/drawing/2014/main" id="{68A5A457-E462-22D6-2E40-5FF83F9B9A46}"/>
+              </a:ext>
+            </a:extLst>
+          </p:cNvPr>
+          <p:cNvSpPr>
+            <a:spLocks noGrp="1"/>
+          </p:cNvSpPr>
+          <p:nvPr>
+            <p:ph type="body" sz="quarter" idx="13"/>
+          </p:nvPr>
+        </p:nvSpPr>
+        <p:spPr>
+          <a:xfrm>
+            <a:off x="2227894" y="6461290"/>
+            <a:ext cx="9125905" cy="256239"/>
+          </a:xfrm>
+        </p:spPr>
+        <p:txBody>
+          <a:bodyPr>
+            <a:normAutofit/>
+          </a:bodyPr>
+          <a:lstStyle>
+            <a:lvl1pPr marL="0" indent="0">
+              <a:buFontTx/>
+              <a:buNone/>
+              <a:defRPr sz="800"/>
+            </a:lvl1pPr>
+            <a:lvl2pPr marL="457200" indent="0">
+              <a:buFontTx/>
+              <a:buNone/>
+              <a:defRPr sz="800"/>
+            </a:lvl2pPr>
+            <a:lvl3pPr marL="914400" indent="0">
+              <a:buFontTx/>
+              <a:buNone/>
+              <a:defRPr sz="800"/>
+            </a:lvl3pPr>
+            <a:lvl4pPr marL="1371600" indent="0">
+              <a:buFontTx/>
+              <a:buNone/>
+              <a:defRPr sz="800"/>
+            </a:lvl4pPr>
+            <a:lvl5pPr marL="1828800" indent="0">
+              <a:buFontTx/>
+              <a:buNone/>
+              <a:defRPr sz="800"/>
+            </a:lvl5pPr>
+          </a:lstStyle>
+          <a:p>
+            <a:pPr lvl="0"/>
+            <a:r>
+              <a:rPr lang="en-US" noProof="0"/>
+              <a:t>Click to edit Master text styles</a:t>
+            </a:r>
+          </a:p>
+          <a:p>
+            <a:pPr lvl="1"/>
+            <a:r>
+              <a:rPr lang="en-US" noProof="0"/>
+              <a:t>Second level</a:t>
+            </a:r>
+          </a:p>
+          <a:p>
+            <a:pPr lvl="2"/>
+            <a:r>
+              <a:rPr lang="en-US" noProof="0"/>
+              <a:t>Third level</a:t>
+            </a:r>
+          </a:p>
+          <a:p>
+            <a:pPr lvl="3"/>
+            <a:r>
+              <a:rPr lang="en-US" noProof="0"/>
+              <a:t>Fourth level</a:t>
+            </a:r>
+          </a:p>
+          <a:p>
+            <a:pPr lvl="4"/>
+            <a:r>
+              <a:rPr lang="en-US" noProof="0"/>
+              <a:t>Fifth level</a:t>
+            </a:r>
+          </a:p>
+        </p:txBody>
+      </p:sp>
+      <p:pic>
+        <p:nvPicPr>
+          <p:cNvPr id="4" name="Picture 3" descr="A black and white logo&#10;&#10;Description automatically generated">
+            <a:extLst>
+              <a:ext uri="{FF2B5EF4-FFF2-40B4-BE49-F238E27FC236}">
+                <a16:creationId xmlns:a16="http://schemas.microsoft.com/office/drawing/2014/main" id="{3410DFAF-9105-0D58-43C5-DB9797F6CFEC}"/>
               </a:ext>
             </a:extLst>
           </p:cNvPr>
@@ -3869,134 +3989,14 @@
         </p:blipFill>
         <p:spPr>
           <a:xfrm>
-            <a:off x="721967" y="617420"/>
-            <a:ext cx="1498600" cy="1511300"/>
+            <a:off x="437322" y="6465236"/>
+            <a:ext cx="1033945" cy="313705"/>
           </a:xfrm>
           <a:prstGeom prst="rect">
             <a:avLst/>
           </a:prstGeom>
         </p:spPr>
       </p:pic>
-      <p:pic>
-        <p:nvPicPr>
-          <p:cNvPr id="9" name="Grafik 8" descr="Ein Bild, das Screenshot, Grafiken, Farbigkeit, Design enthält.&#10;&#10;Automatisch generierte Beschreibung">
-            <a:extLst>
-              <a:ext uri="{FF2B5EF4-FFF2-40B4-BE49-F238E27FC236}">
-                <a16:creationId xmlns:a16="http://schemas.microsoft.com/office/drawing/2014/main" id="{10833D06-1CDE-CA48-7B42-9E7AE91AF8F9}"/>
-              </a:ext>
-            </a:extLst>
-          </p:cNvPr>
-          <p:cNvPicPr>
-            <a:picLocks noChangeAspect="1"/>
-          </p:cNvPicPr>
-          <p:nvPr userDrawn="1"/>
-        </p:nvPicPr>
-        <p:blipFill>
-          <a:blip r:embed="rId3"/>
-          <a:stretch>
-            <a:fillRect/>
-          </a:stretch>
-        </p:blipFill>
-        <p:spPr>
-          <a:xfrm>
-            <a:off x="9204327" y="4037584"/>
-            <a:ext cx="1498600" cy="1511300"/>
-          </a:xfrm>
-          <a:prstGeom prst="rect">
-            <a:avLst/>
-          </a:prstGeom>
-        </p:spPr>
-      </p:pic>
-      <p:sp>
-        <p:nvSpPr>
-          <p:cNvPr id="6" name="Footer Placeholder 3">
-            <a:extLst>
-              <a:ext uri="{FF2B5EF4-FFF2-40B4-BE49-F238E27FC236}">
-                <a16:creationId xmlns:a16="http://schemas.microsoft.com/office/drawing/2014/main" id="{68A5A457-E462-22D6-2E40-5FF83F9B9A46}"/>
-              </a:ext>
-            </a:extLst>
-          </p:cNvPr>
-          <p:cNvSpPr>
-            <a:spLocks noGrp="1"/>
-          </p:cNvSpPr>
-          <p:nvPr>
-            <p:ph type="body" sz="quarter" idx="13"/>
-          </p:nvPr>
-        </p:nvSpPr>
-        <p:spPr>
-          <a:xfrm>
-            <a:off x="2227894" y="6461290"/>
-            <a:ext cx="9125905" cy="256239"/>
-          </a:xfrm>
-        </p:spPr>
-        <p:txBody>
-          <a:bodyPr>
-            <a:normAutofit/>
-          </a:bodyPr>
-          <a:lstStyle>
-            <a:lvl1pPr marL="0" indent="0">
-              <a:buFontTx/>
-              <a:buNone/>
-              <a:defRPr sz="800"/>
-            </a:lvl1pPr>
-            <a:lvl2pPr marL="457200" indent="0">
-              <a:buFontTx/>
-              <a:buNone/>
-              <a:defRPr sz="800"/>
-            </a:lvl2pPr>
-            <a:lvl3pPr marL="914400" indent="0">
-              <a:buFontTx/>
-              <a:buNone/>
-              <a:defRPr sz="800"/>
-            </a:lvl3pPr>
-            <a:lvl4pPr marL="1371600" indent="0">
-              <a:buFontTx/>
-              <a:buNone/>
-              <a:defRPr sz="800"/>
-            </a:lvl4pPr>
-            <a:lvl5pPr marL="1828800" indent="0">
-              <a:buFontTx/>
-              <a:buNone/>
-              <a:defRPr sz="800"/>
-            </a:lvl5pPr>
-          </a:lstStyle>
-          <a:p>
-            <a:pPr lvl="0"/>
-            <a:r>
-              <a:rPr lang="en-US" noProof="0"/>
-              <a:t>Click to edit Master text styles</a:t>
-            </a:r>
-          </a:p>
-          <a:p>
-            <a:pPr lvl="1"/>
-            <a:r>
-              <a:rPr lang="en-US" noProof="0"/>
-              <a:t>Second level</a:t>
-            </a:r>
-          </a:p>
-          <a:p>
-            <a:pPr lvl="2"/>
-            <a:r>
-              <a:rPr lang="en-US" noProof="0"/>
-              <a:t>Third level</a:t>
-            </a:r>
-          </a:p>
-          <a:p>
-            <a:pPr lvl="3"/>
-            <a:r>
-              <a:rPr lang="en-US" noProof="0"/>
-              <a:t>Fourth level</a:t>
-            </a:r>
-          </a:p>
-          <a:p>
-            <a:pPr lvl="4"/>
-            <a:r>
-              <a:rPr lang="en-US" noProof="0"/>
-              <a:t>Fifth level</a:t>
-            </a:r>
-          </a:p>
-        </p:txBody>
-      </p:sp>
     </p:spTree>
     <p:extLst>
       <p:ext uri="{BB962C8B-B14F-4D97-AF65-F5344CB8AC3E}">
@@ -4056,12 +4056,102 @@
           </a:p>
         </p:txBody>
       </p:sp>
+      <p:sp>
+        <p:nvSpPr>
+          <p:cNvPr id="2" name="Footer Placeholder 2">
+            <a:extLst>
+              <a:ext uri="{FF2B5EF4-FFF2-40B4-BE49-F238E27FC236}">
+                <a16:creationId xmlns:a16="http://schemas.microsoft.com/office/drawing/2014/main" id="{346C11D3-5047-C279-ADA8-2787EE645541}"/>
+              </a:ext>
+            </a:extLst>
+          </p:cNvPr>
+          <p:cNvSpPr>
+            <a:spLocks noGrp="1"/>
+          </p:cNvSpPr>
+          <p:nvPr>
+            <p:ph type="body" sz="quarter" idx="13"/>
+          </p:nvPr>
+        </p:nvSpPr>
+        <p:spPr>
+          <a:xfrm>
+            <a:off x="2227894" y="6461290"/>
+            <a:ext cx="9125905" cy="256239"/>
+          </a:xfrm>
+        </p:spPr>
+        <p:txBody>
+          <a:bodyPr>
+            <a:normAutofit/>
+          </a:bodyPr>
+          <a:lstStyle>
+            <a:lvl1pPr marL="0" indent="0">
+              <a:buFontTx/>
+              <a:buNone/>
+              <a:defRPr sz="800"/>
+            </a:lvl1pPr>
+            <a:lvl2pPr marL="457200" indent="0">
+              <a:buFontTx/>
+              <a:buNone/>
+              <a:defRPr sz="800"/>
+            </a:lvl2pPr>
+            <a:lvl3pPr marL="914400" indent="0">
+              <a:buFontTx/>
+              <a:buNone/>
+              <a:defRPr sz="800"/>
+            </a:lvl3pPr>
+            <a:lvl4pPr marL="1371600" indent="0">
+              <a:buFontTx/>
+              <a:buNone/>
+              <a:defRPr sz="800"/>
+            </a:lvl4pPr>
+            <a:lvl5pPr marL="1828800" indent="0">
+              <a:buFontTx/>
+              <a:buNone/>
+              <a:defRPr sz="800"/>
+            </a:lvl5pPr>
+          </a:lstStyle>
+          <a:p>
+            <a:pPr lvl="0"/>
+            <a:r>
+              <a:rPr lang="en-US" noProof="0"/>
+              <a:t>Click to edit Master text styles</a:t>
+            </a:r>
+          </a:p>
+          <a:p>
+            <a:pPr lvl="1"/>
+            <a:r>
+              <a:rPr lang="en-US" noProof="0"/>
+              <a:t>Second level</a:t>
+            </a:r>
+          </a:p>
+          <a:p>
+            <a:pPr lvl="2"/>
+            <a:r>
+              <a:rPr lang="en-US" noProof="0"/>
+              <a:t>Third level</a:t>
+            </a:r>
+          </a:p>
+          <a:p>
+            <a:pPr lvl="3"/>
+            <a:r>
+              <a:rPr lang="en-US" noProof="0"/>
+              <a:t>Fourth level</a:t>
+            </a:r>
+          </a:p>
+          <a:p>
+            <a:pPr lvl="4"/>
+            <a:r>
+              <a:rPr lang="en-US" noProof="0"/>
+              <a:t>Fifth level</a:t>
+            </a:r>
+          </a:p>
+        </p:txBody>
+      </p:sp>
       <p:pic>
         <p:nvPicPr>
-          <p:cNvPr id="8" name="Grafik 7">
-            <a:extLst>
-              <a:ext uri="{FF2B5EF4-FFF2-40B4-BE49-F238E27FC236}">
-                <a16:creationId xmlns:a16="http://schemas.microsoft.com/office/drawing/2014/main" id="{1DC96AB2-8B5E-8E6B-D051-5CFDD74D9ED4}"/>
+          <p:cNvPr id="3" name="Picture 2" descr="A black and white logo&#10;&#10;Description automatically generated">
+            <a:extLst>
+              <a:ext uri="{FF2B5EF4-FFF2-40B4-BE49-F238E27FC236}">
+                <a16:creationId xmlns:a16="http://schemas.microsoft.com/office/drawing/2014/main" id="{966B92A1-F7F2-A67F-ACC9-847B57730227}"/>
               </a:ext>
             </a:extLst>
           </p:cNvPr>
@@ -4079,103 +4169,13 @@
         <p:spPr>
           <a:xfrm>
             <a:off x="437322" y="6465236"/>
-            <a:ext cx="1033945" cy="231372"/>
+            <a:ext cx="1033945" cy="313705"/>
           </a:xfrm>
           <a:prstGeom prst="rect">
             <a:avLst/>
           </a:prstGeom>
         </p:spPr>
       </p:pic>
-      <p:sp>
-        <p:nvSpPr>
-          <p:cNvPr id="2" name="Footer Placeholder 2">
-            <a:extLst>
-              <a:ext uri="{FF2B5EF4-FFF2-40B4-BE49-F238E27FC236}">
-                <a16:creationId xmlns:a16="http://schemas.microsoft.com/office/drawing/2014/main" id="{346C11D3-5047-C279-ADA8-2787EE645541}"/>
-              </a:ext>
-            </a:extLst>
-          </p:cNvPr>
-          <p:cNvSpPr>
-            <a:spLocks noGrp="1"/>
-          </p:cNvSpPr>
-          <p:nvPr>
-            <p:ph type="body" sz="quarter" idx="13"/>
-          </p:nvPr>
-        </p:nvSpPr>
-        <p:spPr>
-          <a:xfrm>
-            <a:off x="2227894" y="6461290"/>
-            <a:ext cx="9125905" cy="256239"/>
-          </a:xfrm>
-        </p:spPr>
-        <p:txBody>
-          <a:bodyPr>
-            <a:normAutofit/>
-          </a:bodyPr>
-          <a:lstStyle>
-            <a:lvl1pPr marL="0" indent="0">
-              <a:buFontTx/>
-              <a:buNone/>
-              <a:defRPr sz="800"/>
-            </a:lvl1pPr>
-            <a:lvl2pPr marL="457200" indent="0">
-              <a:buFontTx/>
-              <a:buNone/>
-              <a:defRPr sz="800"/>
-            </a:lvl2pPr>
-            <a:lvl3pPr marL="914400" indent="0">
-              <a:buFontTx/>
-              <a:buNone/>
-              <a:defRPr sz="800"/>
-            </a:lvl3pPr>
-            <a:lvl4pPr marL="1371600" indent="0">
-              <a:buFontTx/>
-              <a:buNone/>
-              <a:defRPr sz="800"/>
-            </a:lvl4pPr>
-            <a:lvl5pPr marL="1828800" indent="0">
-              <a:buFontTx/>
-              <a:buNone/>
-              <a:defRPr sz="800"/>
-            </a:lvl5pPr>
-          </a:lstStyle>
-          <a:p>
-            <a:pPr lvl="0"/>
-            <a:r>
-              <a:rPr lang="en-US" noProof="0"/>
-              <a:t>Click to edit Master text styles</a:t>
-            </a:r>
-          </a:p>
-          <a:p>
-            <a:pPr lvl="1"/>
-            <a:r>
-              <a:rPr lang="en-US" noProof="0"/>
-              <a:t>Second level</a:t>
-            </a:r>
-          </a:p>
-          <a:p>
-            <a:pPr lvl="2"/>
-            <a:r>
-              <a:rPr lang="en-US" noProof="0"/>
-              <a:t>Third level</a:t>
-            </a:r>
-          </a:p>
-          <a:p>
-            <a:pPr lvl="3"/>
-            <a:r>
-              <a:rPr lang="en-US" noProof="0"/>
-              <a:t>Fourth level</a:t>
-            </a:r>
-          </a:p>
-          <a:p>
-            <a:pPr lvl="4"/>
-            <a:r>
-              <a:rPr lang="en-US" noProof="0"/>
-              <a:t>Fifth level</a:t>
-            </a:r>
-          </a:p>
-        </p:txBody>
-      </p:sp>
     </p:spTree>
     <p:extLst>
       <p:ext uri="{BB962C8B-B14F-4D97-AF65-F5344CB8AC3E}">
@@ -4468,12 +4468,102 @@
           </a:prstGeom>
         </p:spPr>
       </p:pic>
+      <p:sp>
+        <p:nvSpPr>
+          <p:cNvPr id="5" name="Textplatzhalter 11">
+            <a:extLst>
+              <a:ext uri="{FF2B5EF4-FFF2-40B4-BE49-F238E27FC236}">
+                <a16:creationId xmlns:a16="http://schemas.microsoft.com/office/drawing/2014/main" id="{D4865D36-96CB-2E8B-A986-CE4FC4778DD0}"/>
+              </a:ext>
+            </a:extLst>
+          </p:cNvPr>
+          <p:cNvSpPr>
+            <a:spLocks noGrp="1"/>
+          </p:cNvSpPr>
+          <p:nvPr>
+            <p:ph type="body" sz="quarter" idx="13"/>
+          </p:nvPr>
+        </p:nvSpPr>
+        <p:spPr>
+          <a:xfrm>
+            <a:off x="2227894" y="6461290"/>
+            <a:ext cx="9125905" cy="256239"/>
+          </a:xfrm>
+        </p:spPr>
+        <p:txBody>
+          <a:bodyPr>
+            <a:normAutofit/>
+          </a:bodyPr>
+          <a:lstStyle>
+            <a:lvl1pPr marL="0" indent="0">
+              <a:buFontTx/>
+              <a:buNone/>
+              <a:defRPr sz="800"/>
+            </a:lvl1pPr>
+            <a:lvl2pPr marL="457200" indent="0">
+              <a:buFontTx/>
+              <a:buNone/>
+              <a:defRPr sz="800"/>
+            </a:lvl2pPr>
+            <a:lvl3pPr marL="914400" indent="0">
+              <a:buFontTx/>
+              <a:buNone/>
+              <a:defRPr sz="800"/>
+            </a:lvl3pPr>
+            <a:lvl4pPr marL="1371600" indent="0">
+              <a:buFontTx/>
+              <a:buNone/>
+              <a:defRPr sz="800"/>
+            </a:lvl4pPr>
+            <a:lvl5pPr marL="1828800" indent="0">
+              <a:buFontTx/>
+              <a:buNone/>
+              <a:defRPr sz="800"/>
+            </a:lvl5pPr>
+          </a:lstStyle>
+          <a:p>
+            <a:pPr lvl="0"/>
+            <a:r>
+              <a:rPr lang="en-US" noProof="0"/>
+              <a:t>Click to edit Master text styles</a:t>
+            </a:r>
+          </a:p>
+          <a:p>
+            <a:pPr lvl="1"/>
+            <a:r>
+              <a:rPr lang="en-US" noProof="0"/>
+              <a:t>Second level</a:t>
+            </a:r>
+          </a:p>
+          <a:p>
+            <a:pPr lvl="2"/>
+            <a:r>
+              <a:rPr lang="en-US" noProof="0"/>
+              <a:t>Third level</a:t>
+            </a:r>
+          </a:p>
+          <a:p>
+            <a:pPr lvl="3"/>
+            <a:r>
+              <a:rPr lang="en-US" noProof="0"/>
+              <a:t>Fourth level</a:t>
+            </a:r>
+          </a:p>
+          <a:p>
+            <a:pPr lvl="4"/>
+            <a:r>
+              <a:rPr lang="en-US" noProof="0"/>
+              <a:t>Fifth level</a:t>
+            </a:r>
+          </a:p>
+        </p:txBody>
+      </p:sp>
       <p:pic>
         <p:nvPicPr>
-          <p:cNvPr id="9" name="Grafik 8">
-            <a:extLst>
-              <a:ext uri="{FF2B5EF4-FFF2-40B4-BE49-F238E27FC236}">
-                <a16:creationId xmlns:a16="http://schemas.microsoft.com/office/drawing/2014/main" id="{FECBF2E2-C2FF-6CA1-0E7E-B5CC76C20E68}"/>
+          <p:cNvPr id="6" name="Picture 5" descr="A black and white logo&#10;&#10;Description automatically generated">
+            <a:extLst>
+              <a:ext uri="{FF2B5EF4-FFF2-40B4-BE49-F238E27FC236}">
+                <a16:creationId xmlns:a16="http://schemas.microsoft.com/office/drawing/2014/main" id="{7E8FCC7A-0556-1DE9-4B78-D31C36F0CD10}"/>
               </a:ext>
             </a:extLst>
           </p:cNvPr>
@@ -4491,103 +4581,13 @@
         <p:spPr>
           <a:xfrm>
             <a:off x="437322" y="6465236"/>
-            <a:ext cx="1033945" cy="231372"/>
+            <a:ext cx="1033945" cy="313705"/>
           </a:xfrm>
           <a:prstGeom prst="rect">
             <a:avLst/>
           </a:prstGeom>
         </p:spPr>
       </p:pic>
-      <p:sp>
-        <p:nvSpPr>
-          <p:cNvPr id="5" name="Textplatzhalter 11">
-            <a:extLst>
-              <a:ext uri="{FF2B5EF4-FFF2-40B4-BE49-F238E27FC236}">
-                <a16:creationId xmlns:a16="http://schemas.microsoft.com/office/drawing/2014/main" id="{D4865D36-96CB-2E8B-A986-CE4FC4778DD0}"/>
-              </a:ext>
-            </a:extLst>
-          </p:cNvPr>
-          <p:cNvSpPr>
-            <a:spLocks noGrp="1"/>
-          </p:cNvSpPr>
-          <p:nvPr>
-            <p:ph type="body" sz="quarter" idx="13"/>
-          </p:nvPr>
-        </p:nvSpPr>
-        <p:spPr>
-          <a:xfrm>
-            <a:off x="2227894" y="6461290"/>
-            <a:ext cx="9125905" cy="256239"/>
-          </a:xfrm>
-        </p:spPr>
-        <p:txBody>
-          <a:bodyPr>
-            <a:normAutofit/>
-          </a:bodyPr>
-          <a:lstStyle>
-            <a:lvl1pPr marL="0" indent="0">
-              <a:buFontTx/>
-              <a:buNone/>
-              <a:defRPr sz="800"/>
-            </a:lvl1pPr>
-            <a:lvl2pPr marL="457200" indent="0">
-              <a:buFontTx/>
-              <a:buNone/>
-              <a:defRPr sz="800"/>
-            </a:lvl2pPr>
-            <a:lvl3pPr marL="914400" indent="0">
-              <a:buFontTx/>
-              <a:buNone/>
-              <a:defRPr sz="800"/>
-            </a:lvl3pPr>
-            <a:lvl4pPr marL="1371600" indent="0">
-              <a:buFontTx/>
-              <a:buNone/>
-              <a:defRPr sz="800"/>
-            </a:lvl4pPr>
-            <a:lvl5pPr marL="1828800" indent="0">
-              <a:buFontTx/>
-              <a:buNone/>
-              <a:defRPr sz="800"/>
-            </a:lvl5pPr>
-          </a:lstStyle>
-          <a:p>
-            <a:pPr lvl="0"/>
-            <a:r>
-              <a:rPr lang="en-US" noProof="0"/>
-              <a:t>Click to edit Master text styles</a:t>
-            </a:r>
-          </a:p>
-          <a:p>
-            <a:pPr lvl="1"/>
-            <a:r>
-              <a:rPr lang="en-US" noProof="0"/>
-              <a:t>Second level</a:t>
-            </a:r>
-          </a:p>
-          <a:p>
-            <a:pPr lvl="2"/>
-            <a:r>
-              <a:rPr lang="en-US" noProof="0"/>
-              <a:t>Third level</a:t>
-            </a:r>
-          </a:p>
-          <a:p>
-            <a:pPr lvl="3"/>
-            <a:r>
-              <a:rPr lang="en-US" noProof="0"/>
-              <a:t>Fourth level</a:t>
-            </a:r>
-          </a:p>
-          <a:p>
-            <a:pPr lvl="4"/>
-            <a:r>
-              <a:rPr lang="en-US" noProof="0"/>
-              <a:t>Fifth level</a:t>
-            </a:r>
-          </a:p>
-        </p:txBody>
-      </p:sp>
     </p:spTree>
     <p:extLst>
       <p:ext uri="{BB962C8B-B14F-4D97-AF65-F5344CB8AC3E}">
@@ -4858,12 +4858,102 @@
           </a:prstGeom>
         </p:spPr>
       </p:pic>
+      <p:sp>
+        <p:nvSpPr>
+          <p:cNvPr id="5" name="Textplatzhalter 11">
+            <a:extLst>
+              <a:ext uri="{FF2B5EF4-FFF2-40B4-BE49-F238E27FC236}">
+                <a16:creationId xmlns:a16="http://schemas.microsoft.com/office/drawing/2014/main" id="{FA78C465-876C-2E0F-A1C8-1100AAD77897}"/>
+              </a:ext>
+            </a:extLst>
+          </p:cNvPr>
+          <p:cNvSpPr>
+            <a:spLocks noGrp="1"/>
+          </p:cNvSpPr>
+          <p:nvPr>
+            <p:ph type="body" sz="quarter" idx="13"/>
+          </p:nvPr>
+        </p:nvSpPr>
+        <p:spPr>
+          <a:xfrm>
+            <a:off x="2227894" y="6461290"/>
+            <a:ext cx="9125905" cy="256239"/>
+          </a:xfrm>
+        </p:spPr>
+        <p:txBody>
+          <a:bodyPr>
+            <a:normAutofit/>
+          </a:bodyPr>
+          <a:lstStyle>
+            <a:lvl1pPr marL="0" indent="0">
+              <a:buFontTx/>
+              <a:buNone/>
+              <a:defRPr sz="800"/>
+            </a:lvl1pPr>
+            <a:lvl2pPr marL="457200" indent="0">
+              <a:buFontTx/>
+              <a:buNone/>
+              <a:defRPr sz="800"/>
+            </a:lvl2pPr>
+            <a:lvl3pPr marL="914400" indent="0">
+              <a:buFontTx/>
+              <a:buNone/>
+              <a:defRPr sz="800"/>
+            </a:lvl3pPr>
+            <a:lvl4pPr marL="1371600" indent="0">
+              <a:buFontTx/>
+              <a:buNone/>
+              <a:defRPr sz="800"/>
+            </a:lvl4pPr>
+            <a:lvl5pPr marL="1828800" indent="0">
+              <a:buFontTx/>
+              <a:buNone/>
+              <a:defRPr sz="800"/>
+            </a:lvl5pPr>
+          </a:lstStyle>
+          <a:p>
+            <a:pPr lvl="0"/>
+            <a:r>
+              <a:rPr lang="en-US" noProof="0"/>
+              <a:t>Click to edit Master text styles</a:t>
+            </a:r>
+          </a:p>
+          <a:p>
+            <a:pPr lvl="1"/>
+            <a:r>
+              <a:rPr lang="en-US" noProof="0"/>
+              <a:t>Second level</a:t>
+            </a:r>
+          </a:p>
+          <a:p>
+            <a:pPr lvl="2"/>
+            <a:r>
+              <a:rPr lang="en-US" noProof="0"/>
+              <a:t>Third level</a:t>
+            </a:r>
+          </a:p>
+          <a:p>
+            <a:pPr lvl="3"/>
+            <a:r>
+              <a:rPr lang="en-US" noProof="0"/>
+              <a:t>Fourth level</a:t>
+            </a:r>
+          </a:p>
+          <a:p>
+            <a:pPr lvl="4"/>
+            <a:r>
+              <a:rPr lang="en-US" noProof="0"/>
+              <a:t>Fifth level</a:t>
+            </a:r>
+          </a:p>
+        </p:txBody>
+      </p:sp>
       <p:pic>
         <p:nvPicPr>
-          <p:cNvPr id="9" name="Grafik 8">
-            <a:extLst>
-              <a:ext uri="{FF2B5EF4-FFF2-40B4-BE49-F238E27FC236}">
-                <a16:creationId xmlns:a16="http://schemas.microsoft.com/office/drawing/2014/main" id="{1A78474A-3C4C-B425-E134-5E744F4AEE9E}"/>
+          <p:cNvPr id="6" name="Picture 5" descr="A black and white logo&#10;&#10;Description automatically generated">
+            <a:extLst>
+              <a:ext uri="{FF2B5EF4-FFF2-40B4-BE49-F238E27FC236}">
+                <a16:creationId xmlns:a16="http://schemas.microsoft.com/office/drawing/2014/main" id="{0AB31B9C-7053-43D4-F013-40B952EEA958}"/>
               </a:ext>
             </a:extLst>
           </p:cNvPr>
@@ -4881,103 +4971,13 @@
         <p:spPr>
           <a:xfrm>
             <a:off x="437322" y="6465236"/>
-            <a:ext cx="1033945" cy="231372"/>
+            <a:ext cx="1033945" cy="313705"/>
           </a:xfrm>
           <a:prstGeom prst="rect">
             <a:avLst/>
           </a:prstGeom>
         </p:spPr>
       </p:pic>
-      <p:sp>
-        <p:nvSpPr>
-          <p:cNvPr id="5" name="Textplatzhalter 11">
-            <a:extLst>
-              <a:ext uri="{FF2B5EF4-FFF2-40B4-BE49-F238E27FC236}">
-                <a16:creationId xmlns:a16="http://schemas.microsoft.com/office/drawing/2014/main" id="{FA78C465-876C-2E0F-A1C8-1100AAD77897}"/>
-              </a:ext>
-            </a:extLst>
-          </p:cNvPr>
-          <p:cNvSpPr>
-            <a:spLocks noGrp="1"/>
-          </p:cNvSpPr>
-          <p:nvPr>
-            <p:ph type="body" sz="quarter" idx="13"/>
-          </p:nvPr>
-        </p:nvSpPr>
-        <p:spPr>
-          <a:xfrm>
-            <a:off x="2227894" y="6461290"/>
-            <a:ext cx="9125905" cy="256239"/>
-          </a:xfrm>
-        </p:spPr>
-        <p:txBody>
-          <a:bodyPr>
-            <a:normAutofit/>
-          </a:bodyPr>
-          <a:lstStyle>
-            <a:lvl1pPr marL="0" indent="0">
-              <a:buFontTx/>
-              <a:buNone/>
-              <a:defRPr sz="800"/>
-            </a:lvl1pPr>
-            <a:lvl2pPr marL="457200" indent="0">
-              <a:buFontTx/>
-              <a:buNone/>
-              <a:defRPr sz="800"/>
-            </a:lvl2pPr>
-            <a:lvl3pPr marL="914400" indent="0">
-              <a:buFontTx/>
-              <a:buNone/>
-              <a:defRPr sz="800"/>
-            </a:lvl3pPr>
-            <a:lvl4pPr marL="1371600" indent="0">
-              <a:buFontTx/>
-              <a:buNone/>
-              <a:defRPr sz="800"/>
-            </a:lvl4pPr>
-            <a:lvl5pPr marL="1828800" indent="0">
-              <a:buFontTx/>
-              <a:buNone/>
-              <a:defRPr sz="800"/>
-            </a:lvl5pPr>
-          </a:lstStyle>
-          <a:p>
-            <a:pPr lvl="0"/>
-            <a:r>
-              <a:rPr lang="en-US" noProof="0"/>
-              <a:t>Click to edit Master text styles</a:t>
-            </a:r>
-          </a:p>
-          <a:p>
-            <a:pPr lvl="1"/>
-            <a:r>
-              <a:rPr lang="en-US" noProof="0"/>
-              <a:t>Second level</a:t>
-            </a:r>
-          </a:p>
-          <a:p>
-            <a:pPr lvl="2"/>
-            <a:r>
-              <a:rPr lang="en-US" noProof="0"/>
-              <a:t>Third level</a:t>
-            </a:r>
-          </a:p>
-          <a:p>
-            <a:pPr lvl="3"/>
-            <a:r>
-              <a:rPr lang="en-US" noProof="0"/>
-              <a:t>Fourth level</a:t>
-            </a:r>
-          </a:p>
-          <a:p>
-            <a:pPr lvl="4"/>
-            <a:r>
-              <a:rPr lang="en-US" noProof="0"/>
-              <a:t>Fifth level</a:t>
-            </a:r>
-          </a:p>
-        </p:txBody>
-      </p:sp>
     </p:spTree>
     <p:extLst>
       <p:ext uri="{BB962C8B-B14F-4D97-AF65-F5344CB8AC3E}">
@@ -5655,12 +5655,102 @@
           </a:prstGeom>
         </p:spPr>
       </p:pic>
+      <p:sp>
+        <p:nvSpPr>
+          <p:cNvPr id="4" name="Textplatzhalter 11">
+            <a:extLst>
+              <a:ext uri="{FF2B5EF4-FFF2-40B4-BE49-F238E27FC236}">
+                <a16:creationId xmlns:a16="http://schemas.microsoft.com/office/drawing/2014/main" id="{DB452D88-DAA8-CFFE-FE36-68A725774EF8}"/>
+              </a:ext>
+            </a:extLst>
+          </p:cNvPr>
+          <p:cNvSpPr>
+            <a:spLocks noGrp="1"/>
+          </p:cNvSpPr>
+          <p:nvPr>
+            <p:ph type="body" sz="quarter" idx="13"/>
+          </p:nvPr>
+        </p:nvSpPr>
+        <p:spPr>
+          <a:xfrm>
+            <a:off x="2227894" y="6461290"/>
+            <a:ext cx="9125905" cy="256239"/>
+          </a:xfrm>
+        </p:spPr>
+        <p:txBody>
+          <a:bodyPr>
+            <a:normAutofit/>
+          </a:bodyPr>
+          <a:lstStyle>
+            <a:lvl1pPr marL="0" indent="0">
+              <a:buFontTx/>
+              <a:buNone/>
+              <a:defRPr sz="800"/>
+            </a:lvl1pPr>
+            <a:lvl2pPr marL="457200" indent="0">
+              <a:buFontTx/>
+              <a:buNone/>
+              <a:defRPr sz="800"/>
+            </a:lvl2pPr>
+            <a:lvl3pPr marL="914400" indent="0">
+              <a:buFontTx/>
+              <a:buNone/>
+              <a:defRPr sz="800"/>
+            </a:lvl3pPr>
+            <a:lvl4pPr marL="1371600" indent="0">
+              <a:buFontTx/>
+              <a:buNone/>
+              <a:defRPr sz="800"/>
+            </a:lvl4pPr>
+            <a:lvl5pPr marL="1828800" indent="0">
+              <a:buFontTx/>
+              <a:buNone/>
+              <a:defRPr sz="800"/>
+            </a:lvl5pPr>
+          </a:lstStyle>
+          <a:p>
+            <a:pPr lvl="0"/>
+            <a:r>
+              <a:rPr lang="en-US" noProof="0"/>
+              <a:t>Click to edit Master text styles</a:t>
+            </a:r>
+          </a:p>
+          <a:p>
+            <a:pPr lvl="1"/>
+            <a:r>
+              <a:rPr lang="en-US" noProof="0"/>
+              <a:t>Second level</a:t>
+            </a:r>
+          </a:p>
+          <a:p>
+            <a:pPr lvl="2"/>
+            <a:r>
+              <a:rPr lang="en-US" noProof="0"/>
+              <a:t>Third level</a:t>
+            </a:r>
+          </a:p>
+          <a:p>
+            <a:pPr lvl="3"/>
+            <a:r>
+              <a:rPr lang="en-US" noProof="0"/>
+              <a:t>Fourth level</a:t>
+            </a:r>
+          </a:p>
+          <a:p>
+            <a:pPr lvl="4"/>
+            <a:r>
+              <a:rPr lang="en-US" noProof="0"/>
+              <a:t>Fifth level</a:t>
+            </a:r>
+          </a:p>
+        </p:txBody>
+      </p:sp>
       <p:pic>
         <p:nvPicPr>
-          <p:cNvPr id="8" name="Grafik 7">
-            <a:extLst>
-              <a:ext uri="{FF2B5EF4-FFF2-40B4-BE49-F238E27FC236}">
-                <a16:creationId xmlns:a16="http://schemas.microsoft.com/office/drawing/2014/main" id="{702490A8-9B89-3052-F057-CFB5B191E075}"/>
+          <p:cNvPr id="5" name="Picture 4" descr="A black and white logo&#10;&#10;Description automatically generated">
+            <a:extLst>
+              <a:ext uri="{FF2B5EF4-FFF2-40B4-BE49-F238E27FC236}">
+                <a16:creationId xmlns:a16="http://schemas.microsoft.com/office/drawing/2014/main" id="{6D7D0DC3-3E07-F87B-EDD3-D4D0242E126F}"/>
               </a:ext>
             </a:extLst>
           </p:cNvPr>
@@ -5678,103 +5768,13 @@
         <p:spPr>
           <a:xfrm>
             <a:off x="437322" y="6465236"/>
-            <a:ext cx="1033945" cy="231372"/>
+            <a:ext cx="1033945" cy="313705"/>
           </a:xfrm>
           <a:prstGeom prst="rect">
             <a:avLst/>
           </a:prstGeom>
         </p:spPr>
       </p:pic>
-      <p:sp>
-        <p:nvSpPr>
-          <p:cNvPr id="4" name="Textplatzhalter 11">
-            <a:extLst>
-              <a:ext uri="{FF2B5EF4-FFF2-40B4-BE49-F238E27FC236}">
-                <a16:creationId xmlns:a16="http://schemas.microsoft.com/office/drawing/2014/main" id="{DB452D88-DAA8-CFFE-FE36-68A725774EF8}"/>
-              </a:ext>
-            </a:extLst>
-          </p:cNvPr>
-          <p:cNvSpPr>
-            <a:spLocks noGrp="1"/>
-          </p:cNvSpPr>
-          <p:nvPr>
-            <p:ph type="body" sz="quarter" idx="13"/>
-          </p:nvPr>
-        </p:nvSpPr>
-        <p:spPr>
-          <a:xfrm>
-            <a:off x="2227894" y="6461290"/>
-            <a:ext cx="9125905" cy="256239"/>
-          </a:xfrm>
-        </p:spPr>
-        <p:txBody>
-          <a:bodyPr>
-            <a:normAutofit/>
-          </a:bodyPr>
-          <a:lstStyle>
-            <a:lvl1pPr marL="0" indent="0">
-              <a:buFontTx/>
-              <a:buNone/>
-              <a:defRPr sz="800"/>
-            </a:lvl1pPr>
-            <a:lvl2pPr marL="457200" indent="0">
-              <a:buFontTx/>
-              <a:buNone/>
-              <a:defRPr sz="800"/>
-            </a:lvl2pPr>
-            <a:lvl3pPr marL="914400" indent="0">
-              <a:buFontTx/>
-              <a:buNone/>
-              <a:defRPr sz="800"/>
-            </a:lvl3pPr>
-            <a:lvl4pPr marL="1371600" indent="0">
-              <a:buFontTx/>
-              <a:buNone/>
-              <a:defRPr sz="800"/>
-            </a:lvl4pPr>
-            <a:lvl5pPr marL="1828800" indent="0">
-              <a:buFontTx/>
-              <a:buNone/>
-              <a:defRPr sz="800"/>
-            </a:lvl5pPr>
-          </a:lstStyle>
-          <a:p>
-            <a:pPr lvl="0"/>
-            <a:r>
-              <a:rPr lang="en-US" noProof="0"/>
-              <a:t>Click to edit Master text styles</a:t>
-            </a:r>
-          </a:p>
-          <a:p>
-            <a:pPr lvl="1"/>
-            <a:r>
-              <a:rPr lang="en-US" noProof="0"/>
-              <a:t>Second level</a:t>
-            </a:r>
-          </a:p>
-          <a:p>
-            <a:pPr lvl="2"/>
-            <a:r>
-              <a:rPr lang="en-US" noProof="0"/>
-              <a:t>Third level</a:t>
-            </a:r>
-          </a:p>
-          <a:p>
-            <a:pPr lvl="3"/>
-            <a:r>
-              <a:rPr lang="en-US" noProof="0"/>
-              <a:t>Fourth level</a:t>
-            </a:r>
-          </a:p>
-          <a:p>
-            <a:pPr lvl="4"/>
-            <a:r>
-              <a:rPr lang="en-US" noProof="0"/>
-              <a:t>Fifth level</a:t>
-            </a:r>
-          </a:p>
-        </p:txBody>
-      </p:sp>
     </p:spTree>
     <p:extLst>
       <p:ext uri="{BB962C8B-B14F-4D97-AF65-F5344CB8AC3E}">
@@ -5932,12 +5932,102 @@
           </a:p>
         </p:txBody>
       </p:sp>
+      <p:sp>
+        <p:nvSpPr>
+          <p:cNvPr id="4" name="Textplatzhalter 11">
+            <a:extLst>
+              <a:ext uri="{FF2B5EF4-FFF2-40B4-BE49-F238E27FC236}">
+                <a16:creationId xmlns:a16="http://schemas.microsoft.com/office/drawing/2014/main" id="{34136BFB-A23C-F415-FA87-AA6AB194AE54}"/>
+              </a:ext>
+            </a:extLst>
+          </p:cNvPr>
+          <p:cNvSpPr>
+            <a:spLocks noGrp="1"/>
+          </p:cNvSpPr>
+          <p:nvPr>
+            <p:ph type="body" sz="quarter" idx="13"/>
+          </p:nvPr>
+        </p:nvSpPr>
+        <p:spPr>
+          <a:xfrm>
+            <a:off x="2227894" y="6461290"/>
+            <a:ext cx="9125905" cy="256239"/>
+          </a:xfrm>
+        </p:spPr>
+        <p:txBody>
+          <a:bodyPr>
+            <a:normAutofit/>
+          </a:bodyPr>
+          <a:lstStyle>
+            <a:lvl1pPr marL="0" indent="0">
+              <a:buFontTx/>
+              <a:buNone/>
+              <a:defRPr sz="800"/>
+            </a:lvl1pPr>
+            <a:lvl2pPr marL="457200" indent="0">
+              <a:buFontTx/>
+              <a:buNone/>
+              <a:defRPr sz="800"/>
+            </a:lvl2pPr>
+            <a:lvl3pPr marL="914400" indent="0">
+              <a:buFontTx/>
+              <a:buNone/>
+              <a:defRPr sz="800"/>
+            </a:lvl3pPr>
+            <a:lvl4pPr marL="1371600" indent="0">
+              <a:buFontTx/>
+              <a:buNone/>
+              <a:defRPr sz="800"/>
+            </a:lvl4pPr>
+            <a:lvl5pPr marL="1828800" indent="0">
+              <a:buFontTx/>
+              <a:buNone/>
+              <a:defRPr sz="800"/>
+            </a:lvl5pPr>
+          </a:lstStyle>
+          <a:p>
+            <a:pPr lvl="0"/>
+            <a:r>
+              <a:rPr lang="en-US" noProof="0"/>
+              <a:t>Click to edit Master text styles</a:t>
+            </a:r>
+          </a:p>
+          <a:p>
+            <a:pPr lvl="1"/>
+            <a:r>
+              <a:rPr lang="en-US" noProof="0"/>
+              <a:t>Second level</a:t>
+            </a:r>
+          </a:p>
+          <a:p>
+            <a:pPr lvl="2"/>
+            <a:r>
+              <a:rPr lang="en-US" noProof="0"/>
+              <a:t>Third level</a:t>
+            </a:r>
+          </a:p>
+          <a:p>
+            <a:pPr lvl="3"/>
+            <a:r>
+              <a:rPr lang="en-US" noProof="0"/>
+              <a:t>Fourth level</a:t>
+            </a:r>
+          </a:p>
+          <a:p>
+            <a:pPr lvl="4"/>
+            <a:r>
+              <a:rPr lang="en-US" noProof="0"/>
+              <a:t>Fifth level</a:t>
+            </a:r>
+          </a:p>
+        </p:txBody>
+      </p:sp>
       <p:pic>
         <p:nvPicPr>
-          <p:cNvPr id="8" name="Grafik 7">
-            <a:extLst>
-              <a:ext uri="{FF2B5EF4-FFF2-40B4-BE49-F238E27FC236}">
-                <a16:creationId xmlns:a16="http://schemas.microsoft.com/office/drawing/2014/main" id="{23BA3E87-EBF6-0D70-E472-80DE6C35A1C0}"/>
+          <p:cNvPr id="5" name="Picture 4" descr="A black and white logo&#10;&#10;Description automatically generated">
+            <a:extLst>
+              <a:ext uri="{FF2B5EF4-FFF2-40B4-BE49-F238E27FC236}">
+                <a16:creationId xmlns:a16="http://schemas.microsoft.com/office/drawing/2014/main" id="{9DB293DA-B92E-0A0B-D2CE-DE187E1BF92C}"/>
               </a:ext>
             </a:extLst>
           </p:cNvPr>
@@ -5955,103 +6045,13 @@
         <p:spPr>
           <a:xfrm>
             <a:off x="437322" y="6465236"/>
-            <a:ext cx="1033945" cy="231372"/>
+            <a:ext cx="1033945" cy="313705"/>
           </a:xfrm>
           <a:prstGeom prst="rect">
             <a:avLst/>
           </a:prstGeom>
         </p:spPr>
       </p:pic>
-      <p:sp>
-        <p:nvSpPr>
-          <p:cNvPr id="4" name="Textplatzhalter 11">
-            <a:extLst>
-              <a:ext uri="{FF2B5EF4-FFF2-40B4-BE49-F238E27FC236}">
-                <a16:creationId xmlns:a16="http://schemas.microsoft.com/office/drawing/2014/main" id="{34136BFB-A23C-F415-FA87-AA6AB194AE54}"/>
-              </a:ext>
-            </a:extLst>
-          </p:cNvPr>
-          <p:cNvSpPr>
-            <a:spLocks noGrp="1"/>
-          </p:cNvSpPr>
-          <p:nvPr>
-            <p:ph type="body" sz="quarter" idx="13"/>
-          </p:nvPr>
-        </p:nvSpPr>
-        <p:spPr>
-          <a:xfrm>
-            <a:off x="2227894" y="6461290"/>
-            <a:ext cx="9125905" cy="256239"/>
-          </a:xfrm>
-        </p:spPr>
-        <p:txBody>
-          <a:bodyPr>
-            <a:normAutofit/>
-          </a:bodyPr>
-          <a:lstStyle>
-            <a:lvl1pPr marL="0" indent="0">
-              <a:buFontTx/>
-              <a:buNone/>
-              <a:defRPr sz="800"/>
-            </a:lvl1pPr>
-            <a:lvl2pPr marL="457200" indent="0">
-              <a:buFontTx/>
-              <a:buNone/>
-              <a:defRPr sz="800"/>
-            </a:lvl2pPr>
-            <a:lvl3pPr marL="914400" indent="0">
-              <a:buFontTx/>
-              <a:buNone/>
-              <a:defRPr sz="800"/>
-            </a:lvl3pPr>
-            <a:lvl4pPr marL="1371600" indent="0">
-              <a:buFontTx/>
-              <a:buNone/>
-              <a:defRPr sz="800"/>
-            </a:lvl4pPr>
-            <a:lvl5pPr marL="1828800" indent="0">
-              <a:buFontTx/>
-              <a:buNone/>
-              <a:defRPr sz="800"/>
-            </a:lvl5pPr>
-          </a:lstStyle>
-          <a:p>
-            <a:pPr lvl="0"/>
-            <a:r>
-              <a:rPr lang="en-US" noProof="0"/>
-              <a:t>Click to edit Master text styles</a:t>
-            </a:r>
-          </a:p>
-          <a:p>
-            <a:pPr lvl="1"/>
-            <a:r>
-              <a:rPr lang="en-US" noProof="0"/>
-              <a:t>Second level</a:t>
-            </a:r>
-          </a:p>
-          <a:p>
-            <a:pPr lvl="2"/>
-            <a:r>
-              <a:rPr lang="en-US" noProof="0"/>
-              <a:t>Third level</a:t>
-            </a:r>
-          </a:p>
-          <a:p>
-            <a:pPr lvl="3"/>
-            <a:r>
-              <a:rPr lang="en-US" noProof="0"/>
-              <a:t>Fourth level</a:t>
-            </a:r>
-          </a:p>
-          <a:p>
-            <a:pPr lvl="4"/>
-            <a:r>
-              <a:rPr lang="en-US" noProof="0"/>
-              <a:t>Fifth level</a:t>
-            </a:r>
-          </a:p>
-        </p:txBody>
-      </p:sp>
     </p:spTree>
     <p:extLst>
       <p:ext uri="{BB962C8B-B14F-4D97-AF65-F5344CB8AC3E}">
@@ -6166,12 +6166,135 @@
           </a:p>
         </p:txBody>
       </p:sp>
+      <p:sp>
+        <p:nvSpPr>
+          <p:cNvPr id="5" name="Textplatzhalter 11">
+            <a:extLst>
+              <a:ext uri="{FF2B5EF4-FFF2-40B4-BE49-F238E27FC236}">
+                <a16:creationId xmlns:a16="http://schemas.microsoft.com/office/drawing/2014/main" id="{EDFABD58-5D37-98DD-A775-111A5576DE38}"/>
+              </a:ext>
+            </a:extLst>
+          </p:cNvPr>
+          <p:cNvSpPr>
+            <a:spLocks noGrp="1"/>
+          </p:cNvSpPr>
+          <p:nvPr>
+            <p:ph type="body" sz="quarter" idx="14"/>
+          </p:nvPr>
+        </p:nvSpPr>
+        <p:spPr>
+          <a:xfrm>
+            <a:off x="2227894" y="6461290"/>
+            <a:ext cx="9125905" cy="256239"/>
+          </a:xfrm>
+        </p:spPr>
+        <p:txBody>
+          <a:bodyPr>
+            <a:normAutofit/>
+          </a:bodyPr>
+          <a:lstStyle>
+            <a:lvl1pPr marL="0" indent="0">
+              <a:buFontTx/>
+              <a:buNone/>
+              <a:defRPr sz="800"/>
+            </a:lvl1pPr>
+            <a:lvl2pPr marL="457200" indent="0">
+              <a:buFontTx/>
+              <a:buNone/>
+              <a:defRPr sz="800"/>
+            </a:lvl2pPr>
+            <a:lvl3pPr marL="914400" indent="0">
+              <a:buFontTx/>
+              <a:buNone/>
+              <a:defRPr sz="800"/>
+            </a:lvl3pPr>
+            <a:lvl4pPr marL="1371600" indent="0">
+              <a:buFontTx/>
+              <a:buNone/>
+              <a:defRPr sz="800"/>
+            </a:lvl4pPr>
+            <a:lvl5pPr marL="1828800" indent="0">
+              <a:buFontTx/>
+              <a:buNone/>
+              <a:defRPr sz="800"/>
+            </a:lvl5pPr>
+          </a:lstStyle>
+          <a:p>
+            <a:pPr lvl="0"/>
+            <a:r>
+              <a:rPr lang="en-US" noProof="0"/>
+              <a:t>Click to edit Master text styles</a:t>
+            </a:r>
+          </a:p>
+          <a:p>
+            <a:pPr lvl="1"/>
+            <a:r>
+              <a:rPr lang="en-US" noProof="0"/>
+              <a:t>Second level</a:t>
+            </a:r>
+          </a:p>
+          <a:p>
+            <a:pPr lvl="2"/>
+            <a:r>
+              <a:rPr lang="en-US" noProof="0"/>
+              <a:t>Third level</a:t>
+            </a:r>
+          </a:p>
+          <a:p>
+            <a:pPr lvl="3"/>
+            <a:r>
+              <a:rPr lang="en-US" noProof="0"/>
+              <a:t>Fourth level</a:t>
+            </a:r>
+          </a:p>
+          <a:p>
+            <a:pPr lvl="4"/>
+            <a:r>
+              <a:rPr lang="en-US" noProof="0"/>
+              <a:t>Fifth level</a:t>
+            </a:r>
+          </a:p>
+        </p:txBody>
+      </p:sp>
+      <p:sp>
+        <p:nvSpPr>
+          <p:cNvPr id="6" name="Bildplatzhalter 5">
+            <a:extLst>
+              <a:ext uri="{FF2B5EF4-FFF2-40B4-BE49-F238E27FC236}">
+                <a16:creationId xmlns:a16="http://schemas.microsoft.com/office/drawing/2014/main" id="{3D0C06DA-AF0A-588E-3B5B-3943D882D48C}"/>
+              </a:ext>
+            </a:extLst>
+          </p:cNvPr>
+          <p:cNvSpPr>
+            <a:spLocks noGrp="1"/>
+          </p:cNvSpPr>
+          <p:nvPr>
+            <p:ph type="pic" sz="quarter" idx="13"/>
+          </p:nvPr>
+        </p:nvSpPr>
+        <p:spPr>
+          <a:xfrm>
+            <a:off x="0" y="0"/>
+            <a:ext cx="12061767" cy="6858000"/>
+          </a:xfrm>
+        </p:spPr>
+        <p:txBody>
+          <a:bodyPr/>
+          <a:lstStyle/>
+          <a:p>
+            <a:r>
+              <a:rPr lang="en-US" noProof="0"/>
+              <a:t>Click icon to add picture</a:t>
+            </a:r>
+          </a:p>
+        </p:txBody>
+      </p:sp>
       <p:pic>
         <p:nvPicPr>
-          <p:cNvPr id="7" name="Grafik 6">
-            <a:extLst>
-              <a:ext uri="{FF2B5EF4-FFF2-40B4-BE49-F238E27FC236}">
-                <a16:creationId xmlns:a16="http://schemas.microsoft.com/office/drawing/2014/main" id="{588E922E-A4BB-F4B7-7AAE-C8B9B5C7E835}"/>
+          <p:cNvPr id="3" name="Picture 2" descr="A black and white logo&#10;&#10;Description automatically generated">
+            <a:extLst>
+              <a:ext uri="{FF2B5EF4-FFF2-40B4-BE49-F238E27FC236}">
+                <a16:creationId xmlns:a16="http://schemas.microsoft.com/office/drawing/2014/main" id="{A5DBF38F-275F-7794-1451-EAD50C746AE7}"/>
               </a:ext>
             </a:extLst>
           </p:cNvPr>
@@ -6189,136 +6312,13 @@
         <p:spPr>
           <a:xfrm>
             <a:off x="437322" y="6465236"/>
-            <a:ext cx="1033945" cy="231372"/>
+            <a:ext cx="1033945" cy="313705"/>
           </a:xfrm>
           <a:prstGeom prst="rect">
             <a:avLst/>
           </a:prstGeom>
         </p:spPr>
       </p:pic>
-      <p:sp>
-        <p:nvSpPr>
-          <p:cNvPr id="5" name="Textplatzhalter 11">
-            <a:extLst>
-              <a:ext uri="{FF2B5EF4-FFF2-40B4-BE49-F238E27FC236}">
-                <a16:creationId xmlns:a16="http://schemas.microsoft.com/office/drawing/2014/main" id="{EDFABD58-5D37-98DD-A775-111A5576DE38}"/>
-              </a:ext>
-            </a:extLst>
-          </p:cNvPr>
-          <p:cNvSpPr>
-            <a:spLocks noGrp="1"/>
-          </p:cNvSpPr>
-          <p:nvPr>
-            <p:ph type="body" sz="quarter" idx="14"/>
-          </p:nvPr>
-        </p:nvSpPr>
-        <p:spPr>
-          <a:xfrm>
-            <a:off x="2227894" y="6461290"/>
-            <a:ext cx="9125905" cy="256239"/>
-          </a:xfrm>
-        </p:spPr>
-        <p:txBody>
-          <a:bodyPr>
-            <a:normAutofit/>
-          </a:bodyPr>
-          <a:lstStyle>
-            <a:lvl1pPr marL="0" indent="0">
-              <a:buFontTx/>
-              <a:buNone/>
-              <a:defRPr sz="800"/>
-            </a:lvl1pPr>
-            <a:lvl2pPr marL="457200" indent="0">
-              <a:buFontTx/>
-              <a:buNone/>
-              <a:defRPr sz="800"/>
-            </a:lvl2pPr>
-            <a:lvl3pPr marL="914400" indent="0">
-              <a:buFontTx/>
-              <a:buNone/>
-              <a:defRPr sz="800"/>
-            </a:lvl3pPr>
-            <a:lvl4pPr marL="1371600" indent="0">
-              <a:buFontTx/>
-              <a:buNone/>
-              <a:defRPr sz="800"/>
-            </a:lvl4pPr>
-            <a:lvl5pPr marL="1828800" indent="0">
-              <a:buFontTx/>
-              <a:buNone/>
-              <a:defRPr sz="800"/>
-            </a:lvl5pPr>
-          </a:lstStyle>
-          <a:p>
-            <a:pPr lvl="0"/>
-            <a:r>
-              <a:rPr lang="en-US" noProof="0"/>
-              <a:t>Click to edit Master text styles</a:t>
-            </a:r>
-          </a:p>
-          <a:p>
-            <a:pPr lvl="1"/>
-            <a:r>
-              <a:rPr lang="en-US" noProof="0"/>
-              <a:t>Second level</a:t>
-            </a:r>
-          </a:p>
-          <a:p>
-            <a:pPr lvl="2"/>
-            <a:r>
-              <a:rPr lang="en-US" noProof="0"/>
-              <a:t>Third level</a:t>
-            </a:r>
-          </a:p>
-          <a:p>
-            <a:pPr lvl="3"/>
-            <a:r>
-              <a:rPr lang="en-US" noProof="0"/>
-              <a:t>Fourth level</a:t>
-            </a:r>
-          </a:p>
-          <a:p>
-            <a:pPr lvl="4"/>
-            <a:r>
-              <a:rPr lang="en-US" noProof="0"/>
-              <a:t>Fifth level</a:t>
-            </a:r>
-          </a:p>
-        </p:txBody>
-      </p:sp>
-      <p:sp>
-        <p:nvSpPr>
-          <p:cNvPr id="6" name="Bildplatzhalter 5">
-            <a:extLst>
-              <a:ext uri="{FF2B5EF4-FFF2-40B4-BE49-F238E27FC236}">
-                <a16:creationId xmlns:a16="http://schemas.microsoft.com/office/drawing/2014/main" id="{3D0C06DA-AF0A-588E-3B5B-3943D882D48C}"/>
-              </a:ext>
-            </a:extLst>
-          </p:cNvPr>
-          <p:cNvSpPr>
-            <a:spLocks noGrp="1"/>
-          </p:cNvSpPr>
-          <p:nvPr>
-            <p:ph type="pic" sz="quarter" idx="13"/>
-          </p:nvPr>
-        </p:nvSpPr>
-        <p:spPr>
-          <a:xfrm>
-            <a:off x="0" y="0"/>
-            <a:ext cx="12061767" cy="6858000"/>
-          </a:xfrm>
-        </p:spPr>
-        <p:txBody>
-          <a:bodyPr/>
-          <a:lstStyle/>
-          <a:p>
-            <a:r>
-              <a:rPr lang="en-US" noProof="0"/>
-              <a:t>Click icon to add picture</a:t>
-            </a:r>
-          </a:p>
-        </p:txBody>
-      </p:sp>
     </p:spTree>
     <p:extLst>
       <p:ext uri="{BB962C8B-B14F-4D97-AF65-F5344CB8AC3E}">
@@ -6453,10 +6453,10 @@
       </p:pic>
       <p:pic>
         <p:nvPicPr>
-          <p:cNvPr id="8" name="Grafik 7">
-            <a:extLst>
-              <a:ext uri="{FF2B5EF4-FFF2-40B4-BE49-F238E27FC236}">
-                <a16:creationId xmlns:a16="http://schemas.microsoft.com/office/drawing/2014/main" id="{3F4B7BCB-6D2D-DB8B-F77D-6F5AED2D9778}"/>
+          <p:cNvPr id="3" name="Grafik 2">
+            <a:extLst>
+              <a:ext uri="{FF2B5EF4-FFF2-40B4-BE49-F238E27FC236}">
+                <a16:creationId xmlns:a16="http://schemas.microsoft.com/office/drawing/2014/main" id="{88FEC436-B663-6A8B-5913-DF9CE4B85B03}"/>
               </a:ext>
             </a:extLst>
           </p:cNvPr>
@@ -6473,20 +6473,110 @@
         </p:blipFill>
         <p:spPr>
           <a:xfrm>
-            <a:off x="437322" y="6465236"/>
-            <a:ext cx="1033945" cy="231372"/>
+            <a:off x="5809726" y="1797479"/>
+            <a:ext cx="446953" cy="507352"/>
           </a:xfrm>
           <a:prstGeom prst="rect">
             <a:avLst/>
           </a:prstGeom>
         </p:spPr>
       </p:pic>
+      <p:sp>
+        <p:nvSpPr>
+          <p:cNvPr id="4" name="Textplatzhalter 11">
+            <a:extLst>
+              <a:ext uri="{FF2B5EF4-FFF2-40B4-BE49-F238E27FC236}">
+                <a16:creationId xmlns:a16="http://schemas.microsoft.com/office/drawing/2014/main" id="{AFFB773F-AE31-4718-1264-EDA929170E66}"/>
+              </a:ext>
+            </a:extLst>
+          </p:cNvPr>
+          <p:cNvSpPr>
+            <a:spLocks noGrp="1"/>
+          </p:cNvSpPr>
+          <p:nvPr>
+            <p:ph type="body" sz="quarter" idx="13"/>
+          </p:nvPr>
+        </p:nvSpPr>
+        <p:spPr>
+          <a:xfrm>
+            <a:off x="2227894" y="6461290"/>
+            <a:ext cx="9125905" cy="256239"/>
+          </a:xfrm>
+        </p:spPr>
+        <p:txBody>
+          <a:bodyPr>
+            <a:normAutofit/>
+          </a:bodyPr>
+          <a:lstStyle>
+            <a:lvl1pPr marL="0" indent="0">
+              <a:buFontTx/>
+              <a:buNone/>
+              <a:defRPr sz="800"/>
+            </a:lvl1pPr>
+            <a:lvl2pPr marL="457200" indent="0">
+              <a:buFontTx/>
+              <a:buNone/>
+              <a:defRPr sz="800"/>
+            </a:lvl2pPr>
+            <a:lvl3pPr marL="914400" indent="0">
+              <a:buFontTx/>
+              <a:buNone/>
+              <a:defRPr sz="800"/>
+            </a:lvl3pPr>
+            <a:lvl4pPr marL="1371600" indent="0">
+              <a:buFontTx/>
+              <a:buNone/>
+              <a:defRPr sz="800"/>
+            </a:lvl4pPr>
+            <a:lvl5pPr marL="1828800" indent="0">
+              <a:buFontTx/>
+              <a:buNone/>
+              <a:defRPr sz="800"/>
+            </a:lvl5pPr>
+          </a:lstStyle>
+          <a:p>
+            <a:pPr lvl="0"/>
+            <a:r>
+              <a:rPr lang="en-US" noProof="0"/>
+              <a:t>Click to edit Master text styles</a:t>
+            </a:r>
+          </a:p>
+          <a:p>
+            <a:pPr lvl="1"/>
+            <a:r>
+              <a:rPr lang="en-US" noProof="0"/>
+              <a:t>Second level</a:t>
+            </a:r>
+          </a:p>
+          <a:p>
+            <a:pPr lvl="2"/>
+            <a:r>
+              <a:rPr lang="en-US" noProof="0"/>
+              <a:t>Third level</a:t>
+            </a:r>
+          </a:p>
+          <a:p>
+            <a:pPr lvl="3"/>
+            <a:r>
+              <a:rPr lang="en-US" noProof="0"/>
+              <a:t>Fourth level</a:t>
+            </a:r>
+          </a:p>
+          <a:p>
+            <a:pPr lvl="4"/>
+            <a:r>
+              <a:rPr lang="en-US" noProof="0"/>
+              <a:t>Fifth level</a:t>
+            </a:r>
+          </a:p>
+        </p:txBody>
+      </p:sp>
       <p:pic>
         <p:nvPicPr>
-          <p:cNvPr id="3" name="Grafik 2">
-            <a:extLst>
-              <a:ext uri="{FF2B5EF4-FFF2-40B4-BE49-F238E27FC236}">
-                <a16:creationId xmlns:a16="http://schemas.microsoft.com/office/drawing/2014/main" id="{88FEC436-B663-6A8B-5913-DF9CE4B85B03}"/>
+          <p:cNvPr id="5" name="Picture 4" descr="A black and white logo&#10;&#10;Description automatically generated">
+            <a:extLst>
+              <a:ext uri="{FF2B5EF4-FFF2-40B4-BE49-F238E27FC236}">
+                <a16:creationId xmlns:a16="http://schemas.microsoft.com/office/drawing/2014/main" id="{E10F744C-3B27-BA2D-5620-FACC35C4C310}"/>
               </a:ext>
             </a:extLst>
           </p:cNvPr>
@@ -6503,104 +6593,14 @@
         </p:blipFill>
         <p:spPr>
           <a:xfrm>
-            <a:off x="5809726" y="1797479"/>
-            <a:ext cx="446953" cy="507352"/>
+            <a:off x="437322" y="6465236"/>
+            <a:ext cx="1033945" cy="313705"/>
           </a:xfrm>
           <a:prstGeom prst="rect">
             <a:avLst/>
           </a:prstGeom>
         </p:spPr>
       </p:pic>
-      <p:sp>
-        <p:nvSpPr>
-          <p:cNvPr id="4" name="Textplatzhalter 11">
-            <a:extLst>
-              <a:ext uri="{FF2B5EF4-FFF2-40B4-BE49-F238E27FC236}">
-                <a16:creationId xmlns:a16="http://schemas.microsoft.com/office/drawing/2014/main" id="{AFFB773F-AE31-4718-1264-EDA929170E66}"/>
-              </a:ext>
-            </a:extLst>
-          </p:cNvPr>
-          <p:cNvSpPr>
-            <a:spLocks noGrp="1"/>
-          </p:cNvSpPr>
-          <p:nvPr>
-            <p:ph type="body" sz="quarter" idx="13"/>
-          </p:nvPr>
-        </p:nvSpPr>
-        <p:spPr>
-          <a:xfrm>
-            <a:off x="2227894" y="6461290"/>
-            <a:ext cx="9125905" cy="256239"/>
-          </a:xfrm>
-        </p:spPr>
-        <p:txBody>
-          <a:bodyPr>
-            <a:normAutofit/>
-          </a:bodyPr>
-          <a:lstStyle>
-            <a:lvl1pPr marL="0" indent="0">
-              <a:buFontTx/>
-              <a:buNone/>
-              <a:defRPr sz="800"/>
-            </a:lvl1pPr>
-            <a:lvl2pPr marL="457200" indent="0">
-              <a:buFontTx/>
-              <a:buNone/>
-              <a:defRPr sz="800"/>
-            </a:lvl2pPr>
-            <a:lvl3pPr marL="914400" indent="0">
-              <a:buFontTx/>
-              <a:buNone/>
-              <a:defRPr sz="800"/>
-            </a:lvl3pPr>
-            <a:lvl4pPr marL="1371600" indent="0">
-              <a:buFontTx/>
-              <a:buNone/>
-              <a:defRPr sz="800"/>
-            </a:lvl4pPr>
-            <a:lvl5pPr marL="1828800" indent="0">
-              <a:buFontTx/>
-              <a:buNone/>
-              <a:defRPr sz="800"/>
-            </a:lvl5pPr>
-          </a:lstStyle>
-          <a:p>
-            <a:pPr lvl="0"/>
-            <a:r>
-              <a:rPr lang="en-US" noProof="0"/>
-              <a:t>Click to edit Master text styles</a:t>
-            </a:r>
-          </a:p>
-          <a:p>
-            <a:pPr lvl="1"/>
-            <a:r>
-              <a:rPr lang="en-US" noProof="0"/>
-              <a:t>Second level</a:t>
-            </a:r>
-          </a:p>
-          <a:p>
-            <a:pPr lvl="2"/>
-            <a:r>
-              <a:rPr lang="en-US" noProof="0"/>
-              <a:t>Third level</a:t>
-            </a:r>
-          </a:p>
-          <a:p>
-            <a:pPr lvl="3"/>
-            <a:r>
-              <a:rPr lang="en-US" noProof="0"/>
-              <a:t>Fourth level</a:t>
-            </a:r>
-          </a:p>
-          <a:p>
-            <a:pPr lvl="4"/>
-            <a:r>
-              <a:rPr lang="en-US" noProof="0"/>
-              <a:t>Fifth level</a:t>
-            </a:r>
-          </a:p>
-        </p:txBody>
-      </p:sp>
     </p:spTree>
     <p:extLst>
       <p:ext uri="{BB962C8B-B14F-4D97-AF65-F5344CB8AC3E}">
@@ -7868,12 +7868,103 @@
           </a:prstGeom>
         </p:spPr>
       </p:pic>
+      <p:sp>
+        <p:nvSpPr>
+          <p:cNvPr id="9" name="Footer Placeholder 4">
+            <a:extLst>
+              <a:ext uri="{FF2B5EF4-FFF2-40B4-BE49-F238E27FC236}">
+                <a16:creationId xmlns:a16="http://schemas.microsoft.com/office/drawing/2014/main" id="{E11826B0-450F-2224-26E3-2DD4C564CE86}"/>
+              </a:ext>
+            </a:extLst>
+          </p:cNvPr>
+          <p:cNvSpPr>
+            <a:spLocks noGrp="1"/>
+          </p:cNvSpPr>
+          <p:nvPr>
+            <p:ph type="body" sz="quarter" idx="13"/>
+          </p:nvPr>
+        </p:nvSpPr>
+        <p:spPr>
+          <a:xfrm>
+            <a:off x="2227894" y="6461290"/>
+            <a:ext cx="9125905" cy="256239"/>
+          </a:xfrm>
+        </p:spPr>
+        <p:txBody>
+          <a:bodyPr anchor="t">
+            <a:normAutofit/>
+          </a:bodyPr>
+          <a:lstStyle>
+            <a:lvl1pPr marL="0" indent="0">
+              <a:buFontTx/>
+              <a:buNone/>
+              <a:defRPr sz="800"/>
+            </a:lvl1pPr>
+            <a:lvl2pPr marL="457200" indent="0">
+              <a:buFontTx/>
+              <a:buNone/>
+              <a:defRPr sz="800"/>
+            </a:lvl2pPr>
+            <a:lvl3pPr marL="914400" indent="0">
+              <a:buFontTx/>
+              <a:buNone/>
+              <a:defRPr sz="800"/>
+            </a:lvl3pPr>
+            <a:lvl4pPr marL="1371600" indent="0">
+              <a:buFontTx/>
+              <a:buNone/>
+              <a:defRPr sz="800"/>
+            </a:lvl4pPr>
+            <a:lvl5pPr marL="1828800" indent="0">
+              <a:buFontTx/>
+              <a:buNone/>
+              <a:defRPr sz="800"/>
+            </a:lvl5pPr>
+          </a:lstStyle>
+          <a:p>
+            <a:pPr lvl="0"/>
+            <a:r>
+              <a:rPr lang="en-US" noProof="0"/>
+              <a:t>Click to edit Master text styles</a:t>
+            </a:r>
+          </a:p>
+          <a:p>
+            <a:pPr lvl="1"/>
+            <a:r>
+              <a:rPr lang="en-US" noProof="0"/>
+              <a:t>Second level</a:t>
+            </a:r>
+          </a:p>
+          <a:p>
+            <a:pPr lvl="2"/>
+            <a:r>
+              <a:rPr lang="en-US" noProof="0"/>
+              <a:t>Third level</a:t>
+            </a:r>
+          </a:p>
+          <a:p>
+            <a:pPr lvl="3"/>
+            <a:r>
+              <a:rPr lang="en-US" noProof="0"/>
+              <a:t>Fourth level</a:t>
+            </a:r>
+          </a:p>
+          <a:p>
+            <a:pPr lvl="4"/>
+            <a:r>
+              <a:rPr lang="en-US" noProof="0"/>
+              <a:t>Fifth level</a:t>
+            </a:r>
+            <a:endParaRPr lang="en-US" noProof="0" dirty="0"/>
+          </a:p>
+        </p:txBody>
+      </p:sp>
       <p:pic>
         <p:nvPicPr>
-          <p:cNvPr id="8" name="Grafik 7">
-            <a:extLst>
-              <a:ext uri="{FF2B5EF4-FFF2-40B4-BE49-F238E27FC236}">
-                <a16:creationId xmlns:a16="http://schemas.microsoft.com/office/drawing/2014/main" id="{3F4B7BCB-6D2D-DB8B-F77D-6F5AED2D9778}"/>
+          <p:cNvPr id="4" name="Picture 3" descr="A black and white logo&#10;&#10;Description automatically generated">
+            <a:extLst>
+              <a:ext uri="{FF2B5EF4-FFF2-40B4-BE49-F238E27FC236}">
+                <a16:creationId xmlns:a16="http://schemas.microsoft.com/office/drawing/2014/main" id="{31C44D82-BD68-3951-46E9-AA2572874C9D}"/>
               </a:ext>
             </a:extLst>
           </p:cNvPr>
@@ -7891,104 +7982,13 @@
         <p:spPr>
           <a:xfrm>
             <a:off x="437322" y="6465236"/>
-            <a:ext cx="1033945" cy="231372"/>
+            <a:ext cx="1033945" cy="313705"/>
           </a:xfrm>
           <a:prstGeom prst="rect">
             <a:avLst/>
           </a:prstGeom>
         </p:spPr>
       </p:pic>
-      <p:sp>
-        <p:nvSpPr>
-          <p:cNvPr id="9" name="Footer Placeholder 4">
-            <a:extLst>
-              <a:ext uri="{FF2B5EF4-FFF2-40B4-BE49-F238E27FC236}">
-                <a16:creationId xmlns:a16="http://schemas.microsoft.com/office/drawing/2014/main" id="{E11826B0-450F-2224-26E3-2DD4C564CE86}"/>
-              </a:ext>
-            </a:extLst>
-          </p:cNvPr>
-          <p:cNvSpPr>
-            <a:spLocks noGrp="1"/>
-          </p:cNvSpPr>
-          <p:nvPr>
-            <p:ph type="body" sz="quarter" idx="13"/>
-          </p:nvPr>
-        </p:nvSpPr>
-        <p:spPr>
-          <a:xfrm>
-            <a:off x="2227894" y="6461290"/>
-            <a:ext cx="9125905" cy="256239"/>
-          </a:xfrm>
-        </p:spPr>
-        <p:txBody>
-          <a:bodyPr anchor="t">
-            <a:normAutofit/>
-          </a:bodyPr>
-          <a:lstStyle>
-            <a:lvl1pPr marL="0" indent="0">
-              <a:buFontTx/>
-              <a:buNone/>
-              <a:defRPr sz="800"/>
-            </a:lvl1pPr>
-            <a:lvl2pPr marL="457200" indent="0">
-              <a:buFontTx/>
-              <a:buNone/>
-              <a:defRPr sz="800"/>
-            </a:lvl2pPr>
-            <a:lvl3pPr marL="914400" indent="0">
-              <a:buFontTx/>
-              <a:buNone/>
-              <a:defRPr sz="800"/>
-            </a:lvl3pPr>
-            <a:lvl4pPr marL="1371600" indent="0">
-              <a:buFontTx/>
-              <a:buNone/>
-              <a:defRPr sz="800"/>
-            </a:lvl4pPr>
-            <a:lvl5pPr marL="1828800" indent="0">
-              <a:buFontTx/>
-              <a:buNone/>
-              <a:defRPr sz="800"/>
-            </a:lvl5pPr>
-          </a:lstStyle>
-          <a:p>
-            <a:pPr lvl="0"/>
-            <a:r>
-              <a:rPr lang="en-US" noProof="0"/>
-              <a:t>Click to edit Master text styles</a:t>
-            </a:r>
-          </a:p>
-          <a:p>
-            <a:pPr lvl="1"/>
-            <a:r>
-              <a:rPr lang="en-US" noProof="0"/>
-              <a:t>Second level</a:t>
-            </a:r>
-          </a:p>
-          <a:p>
-            <a:pPr lvl="2"/>
-            <a:r>
-              <a:rPr lang="en-US" noProof="0"/>
-              <a:t>Third level</a:t>
-            </a:r>
-          </a:p>
-          <a:p>
-            <a:pPr lvl="3"/>
-            <a:r>
-              <a:rPr lang="en-US" noProof="0"/>
-              <a:t>Fourth level</a:t>
-            </a:r>
-          </a:p>
-          <a:p>
-            <a:pPr lvl="4"/>
-            <a:r>
-              <a:rPr lang="en-US" noProof="0"/>
-              <a:t>Fifth level</a:t>
-            </a:r>
-            <a:endParaRPr lang="en-US" noProof="0" dirty="0"/>
-          </a:p>
-        </p:txBody>
-      </p:sp>
     </p:spTree>
     <p:extLst>
       <p:ext uri="{BB962C8B-B14F-4D97-AF65-F5344CB8AC3E}">
@@ -8185,10 +8185,131 @@
       </p:pic>
       <p:pic>
         <p:nvPicPr>
-          <p:cNvPr id="8" name="Grafik 7">
-            <a:extLst>
-              <a:ext uri="{FF2B5EF4-FFF2-40B4-BE49-F238E27FC236}">
-                <a16:creationId xmlns:a16="http://schemas.microsoft.com/office/drawing/2014/main" id="{3F4B7BCB-6D2D-DB8B-F77D-6F5AED2D9778}"/>
+          <p:cNvPr id="11" name="Grafik 10">
+            <a:extLst>
+              <a:ext uri="{FF2B5EF4-FFF2-40B4-BE49-F238E27FC236}">
+                <a16:creationId xmlns:a16="http://schemas.microsoft.com/office/drawing/2014/main" id="{F882F69E-A04A-5C3A-969F-1B47F085E2DF}"/>
+              </a:ext>
+            </a:extLst>
+          </p:cNvPr>
+          <p:cNvPicPr>
+            <a:picLocks noChangeAspect="1"/>
+          </p:cNvPicPr>
+          <p:nvPr userDrawn="1"/>
+        </p:nvPicPr>
+        <p:blipFill>
+          <a:blip r:embed="rId2"/>
+          <a:stretch>
+            <a:fillRect/>
+          </a:stretch>
+        </p:blipFill>
+        <p:spPr>
+          <a:xfrm rot="16200000" flipV="1">
+            <a:off x="2678235" y="4032255"/>
+            <a:ext cx="1672741" cy="45719"/>
+          </a:xfrm>
+          <a:prstGeom prst="rect">
+            <a:avLst/>
+          </a:prstGeom>
+        </p:spPr>
+      </p:pic>
+      <p:sp>
+        <p:nvSpPr>
+          <p:cNvPr id="9" name="Footer Placeholder 4">
+            <a:extLst>
+              <a:ext uri="{FF2B5EF4-FFF2-40B4-BE49-F238E27FC236}">
+                <a16:creationId xmlns:a16="http://schemas.microsoft.com/office/drawing/2014/main" id="{5FB1027D-1230-7A64-A615-B3E6CDC53A9F}"/>
+              </a:ext>
+            </a:extLst>
+          </p:cNvPr>
+          <p:cNvSpPr>
+            <a:spLocks noGrp="1"/>
+          </p:cNvSpPr>
+          <p:nvPr>
+            <p:ph type="body" sz="quarter" idx="13"/>
+          </p:nvPr>
+        </p:nvSpPr>
+        <p:spPr>
+          <a:xfrm>
+            <a:off x="2227894" y="6461290"/>
+            <a:ext cx="9125905" cy="256239"/>
+          </a:xfrm>
+        </p:spPr>
+        <p:txBody>
+          <a:bodyPr anchor="t">
+            <a:normAutofit/>
+          </a:bodyPr>
+          <a:lstStyle>
+            <a:lvl1pPr marL="0" indent="0">
+              <a:buFontTx/>
+              <a:buNone/>
+              <a:defRPr sz="800"/>
+            </a:lvl1pPr>
+            <a:lvl2pPr marL="457200" indent="0">
+              <a:buFontTx/>
+              <a:buNone/>
+              <a:defRPr sz="800"/>
+            </a:lvl2pPr>
+            <a:lvl3pPr marL="914400" indent="0">
+              <a:buFontTx/>
+              <a:buNone/>
+              <a:defRPr sz="800"/>
+            </a:lvl3pPr>
+            <a:lvl4pPr marL="1371600" indent="0">
+              <a:buFontTx/>
+              <a:buNone/>
+              <a:defRPr sz="800"/>
+            </a:lvl4pPr>
+            <a:lvl5pPr marL="1828800" indent="0">
+              <a:buFontTx/>
+              <a:buNone/>
+              <a:defRPr sz="800"/>
+            </a:lvl5pPr>
+          </a:lstStyle>
+          <a:p>
+            <a:pPr lvl="0"/>
+            <a:r>
+              <a:rPr lang="en-US" noProof="0"/>
+              <a:t>Click to edit Master text styles</a:t>
+            </a:r>
+          </a:p>
+          <a:p>
+            <a:pPr lvl="1"/>
+            <a:r>
+              <a:rPr lang="en-US" noProof="0"/>
+              <a:t>Second level</a:t>
+            </a:r>
+          </a:p>
+          <a:p>
+            <a:pPr lvl="2"/>
+            <a:r>
+              <a:rPr lang="en-US" noProof="0"/>
+              <a:t>Third level</a:t>
+            </a:r>
+          </a:p>
+          <a:p>
+            <a:pPr lvl="3"/>
+            <a:r>
+              <a:rPr lang="en-US" noProof="0"/>
+              <a:t>Fourth level</a:t>
+            </a:r>
+          </a:p>
+          <a:p>
+            <a:pPr lvl="4"/>
+            <a:r>
+              <a:rPr lang="en-US" noProof="0"/>
+              <a:t>Fifth level</a:t>
+            </a:r>
+            <a:endParaRPr lang="en-US" noProof="0" dirty="0"/>
+          </a:p>
+        </p:txBody>
+      </p:sp>
+      <p:pic>
+        <p:nvPicPr>
+          <p:cNvPr id="4" name="Picture 3" descr="A black and white logo&#10;&#10;Description automatically generated">
+            <a:extLst>
+              <a:ext uri="{FF2B5EF4-FFF2-40B4-BE49-F238E27FC236}">
+                <a16:creationId xmlns:a16="http://schemas.microsoft.com/office/drawing/2014/main" id="{1DB6F6FA-ED6A-BC60-4979-B4DEA8B1CF8F}"/>
               </a:ext>
             </a:extLst>
           </p:cNvPr>
@@ -8206,134 +8327,13 @@
         <p:spPr>
           <a:xfrm>
             <a:off x="437322" y="6465236"/>
-            <a:ext cx="1033945" cy="231372"/>
+            <a:ext cx="1033945" cy="313705"/>
           </a:xfrm>
           <a:prstGeom prst="rect">
             <a:avLst/>
           </a:prstGeom>
         </p:spPr>
       </p:pic>
-      <p:pic>
-        <p:nvPicPr>
-          <p:cNvPr id="11" name="Grafik 10">
-            <a:extLst>
-              <a:ext uri="{FF2B5EF4-FFF2-40B4-BE49-F238E27FC236}">
-                <a16:creationId xmlns:a16="http://schemas.microsoft.com/office/drawing/2014/main" id="{F882F69E-A04A-5C3A-969F-1B47F085E2DF}"/>
-              </a:ext>
-            </a:extLst>
-          </p:cNvPr>
-          <p:cNvPicPr>
-            <a:picLocks noChangeAspect="1"/>
-          </p:cNvPicPr>
-          <p:nvPr userDrawn="1"/>
-        </p:nvPicPr>
-        <p:blipFill>
-          <a:blip r:embed="rId2"/>
-          <a:stretch>
-            <a:fillRect/>
-          </a:stretch>
-        </p:blipFill>
-        <p:spPr>
-          <a:xfrm rot="16200000" flipV="1">
-            <a:off x="2678235" y="4032255"/>
-            <a:ext cx="1672741" cy="45719"/>
-          </a:xfrm>
-          <a:prstGeom prst="rect">
-            <a:avLst/>
-          </a:prstGeom>
-        </p:spPr>
-      </p:pic>
-      <p:sp>
-        <p:nvSpPr>
-          <p:cNvPr id="9" name="Footer Placeholder 4">
-            <a:extLst>
-              <a:ext uri="{FF2B5EF4-FFF2-40B4-BE49-F238E27FC236}">
-                <a16:creationId xmlns:a16="http://schemas.microsoft.com/office/drawing/2014/main" id="{5FB1027D-1230-7A64-A615-B3E6CDC53A9F}"/>
-              </a:ext>
-            </a:extLst>
-          </p:cNvPr>
-          <p:cNvSpPr>
-            <a:spLocks noGrp="1"/>
-          </p:cNvSpPr>
-          <p:nvPr>
-            <p:ph type="body" sz="quarter" idx="13"/>
-          </p:nvPr>
-        </p:nvSpPr>
-        <p:spPr>
-          <a:xfrm>
-            <a:off x="2227894" y="6461290"/>
-            <a:ext cx="9125905" cy="256239"/>
-          </a:xfrm>
-        </p:spPr>
-        <p:txBody>
-          <a:bodyPr anchor="t">
-            <a:normAutofit/>
-          </a:bodyPr>
-          <a:lstStyle>
-            <a:lvl1pPr marL="0" indent="0">
-              <a:buFontTx/>
-              <a:buNone/>
-              <a:defRPr sz="800"/>
-            </a:lvl1pPr>
-            <a:lvl2pPr marL="457200" indent="0">
-              <a:buFontTx/>
-              <a:buNone/>
-              <a:defRPr sz="800"/>
-            </a:lvl2pPr>
-            <a:lvl3pPr marL="914400" indent="0">
-              <a:buFontTx/>
-              <a:buNone/>
-              <a:defRPr sz="800"/>
-            </a:lvl3pPr>
-            <a:lvl4pPr marL="1371600" indent="0">
-              <a:buFontTx/>
-              <a:buNone/>
-              <a:defRPr sz="800"/>
-            </a:lvl4pPr>
-            <a:lvl5pPr marL="1828800" indent="0">
-              <a:buFontTx/>
-              <a:buNone/>
-              <a:defRPr sz="800"/>
-            </a:lvl5pPr>
-          </a:lstStyle>
-          <a:p>
-            <a:pPr lvl="0"/>
-            <a:r>
-              <a:rPr lang="en-US" noProof="0"/>
-              <a:t>Click to edit Master text styles</a:t>
-            </a:r>
-          </a:p>
-          <a:p>
-            <a:pPr lvl="1"/>
-            <a:r>
-              <a:rPr lang="en-US" noProof="0"/>
-              <a:t>Second level</a:t>
-            </a:r>
-          </a:p>
-          <a:p>
-            <a:pPr lvl="2"/>
-            <a:r>
-              <a:rPr lang="en-US" noProof="0"/>
-              <a:t>Third level</a:t>
-            </a:r>
-          </a:p>
-          <a:p>
-            <a:pPr lvl="3"/>
-            <a:r>
-              <a:rPr lang="en-US" noProof="0"/>
-              <a:t>Fourth level</a:t>
-            </a:r>
-          </a:p>
-          <a:p>
-            <a:pPr lvl="4"/>
-            <a:r>
-              <a:rPr lang="en-US" noProof="0"/>
-              <a:t>Fifth level</a:t>
-            </a:r>
-            <a:endParaRPr lang="en-US" noProof="0" dirty="0"/>
-          </a:p>
-        </p:txBody>
-      </p:sp>
     </p:spTree>
     <p:extLst>
       <p:ext uri="{BB962C8B-B14F-4D97-AF65-F5344CB8AC3E}">
@@ -8522,12 +8522,192 @@
           </a:prstGeom>
         </p:spPr>
       </p:pic>
+      <p:sp>
+        <p:nvSpPr>
+          <p:cNvPr id="10" name="Text Placeholder 8">
+            <a:extLst>
+              <a:ext uri="{FF2B5EF4-FFF2-40B4-BE49-F238E27FC236}">
+                <a16:creationId xmlns:a16="http://schemas.microsoft.com/office/drawing/2014/main" id="{5C711D60-A38E-85C7-B999-C500F0BA9285}"/>
+              </a:ext>
+            </a:extLst>
+          </p:cNvPr>
+          <p:cNvSpPr>
+            <a:spLocks noGrp="1"/>
+          </p:cNvSpPr>
+          <p:nvPr>
+            <p:ph type="body" sz="quarter" idx="13"/>
+          </p:nvPr>
+        </p:nvSpPr>
+        <p:spPr>
+          <a:xfrm>
+            <a:off x="415636" y="5922963"/>
+            <a:ext cx="10938164" cy="469900"/>
+          </a:xfrm>
+        </p:spPr>
+        <p:txBody>
+          <a:bodyPr>
+            <a:noAutofit/>
+          </a:bodyPr>
+          <a:lstStyle>
+            <a:lvl1pPr marL="0" indent="0">
+              <a:buFontTx/>
+              <a:buNone/>
+              <a:defRPr sz="800"/>
+            </a:lvl1pPr>
+            <a:lvl2pPr marL="457200" indent="0">
+              <a:buFontTx/>
+              <a:buNone/>
+              <a:defRPr sz="800"/>
+            </a:lvl2pPr>
+            <a:lvl3pPr marL="914400" indent="0">
+              <a:buFontTx/>
+              <a:buNone/>
+              <a:defRPr sz="800"/>
+            </a:lvl3pPr>
+            <a:lvl4pPr marL="1371600" indent="0">
+              <a:buFontTx/>
+              <a:buNone/>
+              <a:defRPr sz="800"/>
+            </a:lvl4pPr>
+            <a:lvl5pPr marL="1828800" indent="0">
+              <a:buFontTx/>
+              <a:buNone/>
+              <a:defRPr sz="800"/>
+            </a:lvl5pPr>
+          </a:lstStyle>
+          <a:p>
+            <a:pPr lvl="0"/>
+            <a:r>
+              <a:rPr lang="en-US" noProof="0" dirty="0"/>
+              <a:t>Click to edit Master text styles</a:t>
+            </a:r>
+          </a:p>
+          <a:p>
+            <a:pPr lvl="1"/>
+            <a:r>
+              <a:rPr lang="en-US" noProof="0" dirty="0"/>
+              <a:t>Second level</a:t>
+            </a:r>
+          </a:p>
+          <a:p>
+            <a:pPr lvl="2"/>
+            <a:r>
+              <a:rPr lang="en-US" noProof="0" dirty="0"/>
+              <a:t>Third level</a:t>
+            </a:r>
+          </a:p>
+          <a:p>
+            <a:pPr lvl="3"/>
+            <a:r>
+              <a:rPr lang="en-US" noProof="0" dirty="0"/>
+              <a:t>Fourth level</a:t>
+            </a:r>
+          </a:p>
+          <a:p>
+            <a:pPr lvl="4"/>
+            <a:r>
+              <a:rPr lang="en-US" noProof="0" dirty="0"/>
+              <a:t>Fifth level</a:t>
+            </a:r>
+          </a:p>
+        </p:txBody>
+      </p:sp>
+      <p:sp>
+        <p:nvSpPr>
+          <p:cNvPr id="4" name="Footer Placeholder 4">
+            <a:extLst>
+              <a:ext uri="{FF2B5EF4-FFF2-40B4-BE49-F238E27FC236}">
+                <a16:creationId xmlns:a16="http://schemas.microsoft.com/office/drawing/2014/main" id="{6D195E2C-99CE-BCBB-7BCF-634489B94C3D}"/>
+              </a:ext>
+            </a:extLst>
+          </p:cNvPr>
+          <p:cNvSpPr>
+            <a:spLocks noGrp="1"/>
+          </p:cNvSpPr>
+          <p:nvPr>
+            <p:ph type="body" sz="quarter" idx="14"/>
+          </p:nvPr>
+        </p:nvSpPr>
+        <p:spPr>
+          <a:xfrm>
+            <a:off x="2227894" y="6461290"/>
+            <a:ext cx="9125905" cy="256239"/>
+          </a:xfrm>
+        </p:spPr>
+        <p:txBody>
+          <a:bodyPr>
+            <a:normAutofit/>
+          </a:bodyPr>
+          <a:lstStyle>
+            <a:lvl1pPr marL="0" indent="0">
+              <a:buFontTx/>
+              <a:buNone/>
+              <a:defRPr sz="800"/>
+            </a:lvl1pPr>
+            <a:lvl2pPr marL="457200" indent="0">
+              <a:buFontTx/>
+              <a:buNone/>
+              <a:defRPr sz="800"/>
+            </a:lvl2pPr>
+            <a:lvl3pPr marL="914400" indent="0">
+              <a:buFontTx/>
+              <a:buNone/>
+              <a:defRPr sz="800"/>
+            </a:lvl3pPr>
+            <a:lvl4pPr marL="1371600" indent="0">
+              <a:buFontTx/>
+              <a:buNone/>
+              <a:defRPr sz="800"/>
+            </a:lvl4pPr>
+            <a:lvl5pPr marL="1828800" indent="0">
+              <a:buFontTx/>
+              <a:buNone/>
+              <a:defRPr sz="800"/>
+            </a:lvl5pPr>
+          </a:lstStyle>
+          <a:p>
+            <a:pPr lvl="0"/>
+            <a:r>
+              <a:rPr lang="en-US" noProof="0"/>
+              <a:t>Click to edit Master text styles</a:t>
+            </a:r>
+          </a:p>
+          <a:p>
+            <a:pPr lvl="1"/>
+            <a:r>
+              <a:rPr lang="en-US" noProof="0"/>
+              <a:t>Second level</a:t>
+            </a:r>
+          </a:p>
+          <a:p>
+            <a:pPr lvl="2"/>
+            <a:r>
+              <a:rPr lang="en-US" noProof="0"/>
+              <a:t>Third level</a:t>
+            </a:r>
+          </a:p>
+          <a:p>
+            <a:pPr lvl="3"/>
+            <a:r>
+              <a:rPr lang="en-US" noProof="0"/>
+              <a:t>Fourth level</a:t>
+            </a:r>
+          </a:p>
+          <a:p>
+            <a:pPr lvl="4"/>
+            <a:r>
+              <a:rPr lang="en-US" noProof="0"/>
+              <a:t>Fifth level</a:t>
+            </a:r>
+          </a:p>
+        </p:txBody>
+      </p:sp>
       <p:pic>
         <p:nvPicPr>
-          <p:cNvPr id="8" name="Grafik 7">
-            <a:extLst>
-              <a:ext uri="{FF2B5EF4-FFF2-40B4-BE49-F238E27FC236}">
-                <a16:creationId xmlns:a16="http://schemas.microsoft.com/office/drawing/2014/main" id="{3F4B7BCB-6D2D-DB8B-F77D-6F5AED2D9778}"/>
+          <p:cNvPr id="5" name="Picture 4" descr="A black and white logo&#10;&#10;Description automatically generated">
+            <a:extLst>
+              <a:ext uri="{FF2B5EF4-FFF2-40B4-BE49-F238E27FC236}">
+                <a16:creationId xmlns:a16="http://schemas.microsoft.com/office/drawing/2014/main" id="{56667634-1EFC-8ED1-851C-D57F30D04F18}"/>
               </a:ext>
             </a:extLst>
           </p:cNvPr>
@@ -8545,193 +8725,13 @@
         <p:spPr>
           <a:xfrm>
             <a:off x="437322" y="6465236"/>
-            <a:ext cx="1033945" cy="231372"/>
+            <a:ext cx="1033945" cy="313705"/>
           </a:xfrm>
           <a:prstGeom prst="rect">
             <a:avLst/>
           </a:prstGeom>
         </p:spPr>
       </p:pic>
-      <p:sp>
-        <p:nvSpPr>
-          <p:cNvPr id="10" name="Text Placeholder 8">
-            <a:extLst>
-              <a:ext uri="{FF2B5EF4-FFF2-40B4-BE49-F238E27FC236}">
-                <a16:creationId xmlns:a16="http://schemas.microsoft.com/office/drawing/2014/main" id="{5C711D60-A38E-85C7-B999-C500F0BA9285}"/>
-              </a:ext>
-            </a:extLst>
-          </p:cNvPr>
-          <p:cNvSpPr>
-            <a:spLocks noGrp="1"/>
-          </p:cNvSpPr>
-          <p:nvPr>
-            <p:ph type="body" sz="quarter" idx="13"/>
-          </p:nvPr>
-        </p:nvSpPr>
-        <p:spPr>
-          <a:xfrm>
-            <a:off x="415636" y="5922963"/>
-            <a:ext cx="10938164" cy="469900"/>
-          </a:xfrm>
-        </p:spPr>
-        <p:txBody>
-          <a:bodyPr>
-            <a:noAutofit/>
-          </a:bodyPr>
-          <a:lstStyle>
-            <a:lvl1pPr marL="0" indent="0">
-              <a:buFontTx/>
-              <a:buNone/>
-              <a:defRPr sz="800"/>
-            </a:lvl1pPr>
-            <a:lvl2pPr marL="457200" indent="0">
-              <a:buFontTx/>
-              <a:buNone/>
-              <a:defRPr sz="800"/>
-            </a:lvl2pPr>
-            <a:lvl3pPr marL="914400" indent="0">
-              <a:buFontTx/>
-              <a:buNone/>
-              <a:defRPr sz="800"/>
-            </a:lvl3pPr>
-            <a:lvl4pPr marL="1371600" indent="0">
-              <a:buFontTx/>
-              <a:buNone/>
-              <a:defRPr sz="800"/>
-            </a:lvl4pPr>
-            <a:lvl5pPr marL="1828800" indent="0">
-              <a:buFontTx/>
-              <a:buNone/>
-              <a:defRPr sz="800"/>
-            </a:lvl5pPr>
-          </a:lstStyle>
-          <a:p>
-            <a:pPr lvl="0"/>
-            <a:r>
-              <a:rPr lang="en-US" noProof="0"/>
-              <a:t>Click to edit Master text styles</a:t>
-            </a:r>
-          </a:p>
-          <a:p>
-            <a:pPr lvl="1"/>
-            <a:r>
-              <a:rPr lang="en-US" noProof="0"/>
-              <a:t>Second level</a:t>
-            </a:r>
-          </a:p>
-          <a:p>
-            <a:pPr lvl="2"/>
-            <a:r>
-              <a:rPr lang="en-US" noProof="0"/>
-              <a:t>Third level</a:t>
-            </a:r>
-          </a:p>
-          <a:p>
-            <a:pPr lvl="3"/>
-            <a:r>
-              <a:rPr lang="en-US" noProof="0"/>
-              <a:t>Fourth level</a:t>
-            </a:r>
-          </a:p>
-          <a:p>
-            <a:pPr lvl="4"/>
-            <a:r>
-              <a:rPr lang="en-US" noProof="0"/>
-              <a:t>Fifth level</a:t>
-            </a:r>
-          </a:p>
-        </p:txBody>
-      </p:sp>
-      <p:sp>
-        <p:nvSpPr>
-          <p:cNvPr id="4" name="Footer Placeholder 4">
-            <a:extLst>
-              <a:ext uri="{FF2B5EF4-FFF2-40B4-BE49-F238E27FC236}">
-                <a16:creationId xmlns:a16="http://schemas.microsoft.com/office/drawing/2014/main" id="{6D195E2C-99CE-BCBB-7BCF-634489B94C3D}"/>
-              </a:ext>
-            </a:extLst>
-          </p:cNvPr>
-          <p:cNvSpPr>
-            <a:spLocks noGrp="1"/>
-          </p:cNvSpPr>
-          <p:nvPr>
-            <p:ph type="body" sz="quarter" idx="14"/>
-          </p:nvPr>
-        </p:nvSpPr>
-        <p:spPr>
-          <a:xfrm>
-            <a:off x="2227894" y="6461290"/>
-            <a:ext cx="9125905" cy="256239"/>
-          </a:xfrm>
-        </p:spPr>
-        <p:txBody>
-          <a:bodyPr>
-            <a:normAutofit/>
-          </a:bodyPr>
-          <a:lstStyle>
-            <a:lvl1pPr marL="0" indent="0">
-              <a:buFontTx/>
-              <a:buNone/>
-              <a:defRPr sz="800"/>
-            </a:lvl1pPr>
-            <a:lvl2pPr marL="457200" indent="0">
-              <a:buFontTx/>
-              <a:buNone/>
-              <a:defRPr sz="800"/>
-            </a:lvl2pPr>
-            <a:lvl3pPr marL="914400" indent="0">
-              <a:buFontTx/>
-              <a:buNone/>
-              <a:defRPr sz="800"/>
-            </a:lvl3pPr>
-            <a:lvl4pPr marL="1371600" indent="0">
-              <a:buFontTx/>
-              <a:buNone/>
-              <a:defRPr sz="800"/>
-            </a:lvl4pPr>
-            <a:lvl5pPr marL="1828800" indent="0">
-              <a:buFontTx/>
-              <a:buNone/>
-              <a:defRPr sz="800"/>
-            </a:lvl5pPr>
-          </a:lstStyle>
-          <a:p>
-            <a:pPr lvl="0"/>
-            <a:r>
-              <a:rPr lang="en-US" noProof="0"/>
-              <a:t>Click to edit Master text styles</a:t>
-            </a:r>
-          </a:p>
-          <a:p>
-            <a:pPr lvl="1"/>
-            <a:r>
-              <a:rPr lang="en-US" noProof="0"/>
-              <a:t>Second level</a:t>
-            </a:r>
-          </a:p>
-          <a:p>
-            <a:pPr lvl="2"/>
-            <a:r>
-              <a:rPr lang="en-US" noProof="0"/>
-              <a:t>Third level</a:t>
-            </a:r>
-          </a:p>
-          <a:p>
-            <a:pPr lvl="3"/>
-            <a:r>
-              <a:rPr lang="en-US" noProof="0"/>
-              <a:t>Fourth level</a:t>
-            </a:r>
-          </a:p>
-          <a:p>
-            <a:pPr lvl="4"/>
-            <a:r>
-              <a:rPr lang="en-US" noProof="0"/>
-              <a:t>Fifth level</a:t>
-            </a:r>
-          </a:p>
-        </p:txBody>
-      </p:sp>
     </p:spTree>
     <p:extLst>
       <p:ext uri="{BB962C8B-B14F-4D97-AF65-F5344CB8AC3E}">
@@ -8927,10 +8927,221 @@
       </p:pic>
       <p:pic>
         <p:nvPicPr>
-          <p:cNvPr id="8" name="Grafik 7">
-            <a:extLst>
-              <a:ext uri="{FF2B5EF4-FFF2-40B4-BE49-F238E27FC236}">
-                <a16:creationId xmlns:a16="http://schemas.microsoft.com/office/drawing/2014/main" id="{3F4B7BCB-6D2D-DB8B-F77D-6F5AED2D9778}"/>
+          <p:cNvPr id="11" name="Grafik 10">
+            <a:extLst>
+              <a:ext uri="{FF2B5EF4-FFF2-40B4-BE49-F238E27FC236}">
+                <a16:creationId xmlns:a16="http://schemas.microsoft.com/office/drawing/2014/main" id="{F882F69E-A04A-5C3A-969F-1B47F085E2DF}"/>
+              </a:ext>
+            </a:extLst>
+          </p:cNvPr>
+          <p:cNvPicPr>
+            <a:picLocks noChangeAspect="1"/>
+          </p:cNvPicPr>
+          <p:nvPr userDrawn="1"/>
+        </p:nvPicPr>
+        <p:blipFill>
+          <a:blip r:embed="rId2"/>
+          <a:stretch>
+            <a:fillRect/>
+          </a:stretch>
+        </p:blipFill>
+        <p:spPr>
+          <a:xfrm rot="16200000" flipV="1">
+            <a:off x="2678235" y="3546733"/>
+            <a:ext cx="1672741" cy="45719"/>
+          </a:xfrm>
+          <a:prstGeom prst="rect">
+            <a:avLst/>
+          </a:prstGeom>
+        </p:spPr>
+      </p:pic>
+      <p:sp>
+        <p:nvSpPr>
+          <p:cNvPr id="4" name="Text Placeholder 8">
+            <a:extLst>
+              <a:ext uri="{FF2B5EF4-FFF2-40B4-BE49-F238E27FC236}">
+                <a16:creationId xmlns:a16="http://schemas.microsoft.com/office/drawing/2014/main" id="{C1241DC3-CEF3-7A58-E3F7-82A047E02081}"/>
+              </a:ext>
+            </a:extLst>
+          </p:cNvPr>
+          <p:cNvSpPr>
+            <a:spLocks noGrp="1"/>
+          </p:cNvSpPr>
+          <p:nvPr>
+            <p:ph type="body" sz="quarter" idx="13"/>
+          </p:nvPr>
+        </p:nvSpPr>
+        <p:spPr>
+          <a:xfrm>
+            <a:off x="415636" y="5922963"/>
+            <a:ext cx="10938163" cy="469900"/>
+          </a:xfrm>
+        </p:spPr>
+        <p:txBody>
+          <a:bodyPr>
+            <a:noAutofit/>
+          </a:bodyPr>
+          <a:lstStyle>
+            <a:lvl1pPr marL="0" indent="0">
+              <a:buFontTx/>
+              <a:buNone/>
+              <a:defRPr sz="800"/>
+            </a:lvl1pPr>
+            <a:lvl2pPr marL="457200" indent="0">
+              <a:buFontTx/>
+              <a:buNone/>
+              <a:defRPr sz="800"/>
+            </a:lvl2pPr>
+            <a:lvl3pPr marL="914400" indent="0">
+              <a:buFontTx/>
+              <a:buNone/>
+              <a:defRPr sz="800"/>
+            </a:lvl3pPr>
+            <a:lvl4pPr marL="1371600" indent="0">
+              <a:buFontTx/>
+              <a:buNone/>
+              <a:defRPr sz="800"/>
+            </a:lvl4pPr>
+            <a:lvl5pPr marL="1828800" indent="0">
+              <a:buFontTx/>
+              <a:buNone/>
+              <a:defRPr sz="800"/>
+            </a:lvl5pPr>
+          </a:lstStyle>
+          <a:p>
+            <a:pPr lvl="0"/>
+            <a:r>
+              <a:rPr lang="en-US" noProof="0"/>
+              <a:t>Click to edit Master text styles</a:t>
+            </a:r>
+          </a:p>
+          <a:p>
+            <a:pPr lvl="1"/>
+            <a:r>
+              <a:rPr lang="en-US" noProof="0"/>
+              <a:t>Second level</a:t>
+            </a:r>
+          </a:p>
+          <a:p>
+            <a:pPr lvl="2"/>
+            <a:r>
+              <a:rPr lang="en-US" noProof="0"/>
+              <a:t>Third level</a:t>
+            </a:r>
+          </a:p>
+          <a:p>
+            <a:pPr lvl="3"/>
+            <a:r>
+              <a:rPr lang="en-US" noProof="0"/>
+              <a:t>Fourth level</a:t>
+            </a:r>
+          </a:p>
+          <a:p>
+            <a:pPr lvl="4"/>
+            <a:r>
+              <a:rPr lang="en-US" noProof="0"/>
+              <a:t>Fifth level</a:t>
+            </a:r>
+            <a:endParaRPr lang="en-US" noProof="0" dirty="0"/>
+          </a:p>
+        </p:txBody>
+      </p:sp>
+      <p:sp>
+        <p:nvSpPr>
+          <p:cNvPr id="10" name="Footer Placeholder 4">
+            <a:extLst>
+              <a:ext uri="{FF2B5EF4-FFF2-40B4-BE49-F238E27FC236}">
+                <a16:creationId xmlns:a16="http://schemas.microsoft.com/office/drawing/2014/main" id="{BC2E972B-9892-D1ED-553E-FAEF46BBDE0D}"/>
+              </a:ext>
+            </a:extLst>
+          </p:cNvPr>
+          <p:cNvSpPr>
+            <a:spLocks noGrp="1"/>
+          </p:cNvSpPr>
+          <p:nvPr>
+            <p:ph type="body" sz="quarter" idx="14"/>
+          </p:nvPr>
+        </p:nvSpPr>
+        <p:spPr>
+          <a:xfrm>
+            <a:off x="2227894" y="6461290"/>
+            <a:ext cx="9125905" cy="256239"/>
+          </a:xfrm>
+        </p:spPr>
+        <p:txBody>
+          <a:bodyPr>
+            <a:normAutofit/>
+          </a:bodyPr>
+          <a:lstStyle>
+            <a:lvl1pPr marL="0" indent="0">
+              <a:buFontTx/>
+              <a:buNone/>
+              <a:defRPr sz="800"/>
+            </a:lvl1pPr>
+            <a:lvl2pPr marL="457200" indent="0">
+              <a:buFontTx/>
+              <a:buNone/>
+              <a:defRPr sz="800"/>
+            </a:lvl2pPr>
+            <a:lvl3pPr marL="914400" indent="0">
+              <a:buFontTx/>
+              <a:buNone/>
+              <a:defRPr sz="800"/>
+            </a:lvl3pPr>
+            <a:lvl4pPr marL="1371600" indent="0">
+              <a:buFontTx/>
+              <a:buNone/>
+              <a:defRPr sz="800"/>
+            </a:lvl4pPr>
+            <a:lvl5pPr marL="1828800" indent="0">
+              <a:buFontTx/>
+              <a:buNone/>
+              <a:defRPr sz="800"/>
+            </a:lvl5pPr>
+          </a:lstStyle>
+          <a:p>
+            <a:pPr lvl="0"/>
+            <a:r>
+              <a:rPr lang="en-US" noProof="0"/>
+              <a:t>Click to edit Master text styles</a:t>
+            </a:r>
+          </a:p>
+          <a:p>
+            <a:pPr lvl="1"/>
+            <a:r>
+              <a:rPr lang="en-US" noProof="0"/>
+              <a:t>Second level</a:t>
+            </a:r>
+          </a:p>
+          <a:p>
+            <a:pPr lvl="2"/>
+            <a:r>
+              <a:rPr lang="en-US" noProof="0"/>
+              <a:t>Third level</a:t>
+            </a:r>
+          </a:p>
+          <a:p>
+            <a:pPr lvl="3"/>
+            <a:r>
+              <a:rPr lang="en-US" noProof="0"/>
+              <a:t>Fourth level</a:t>
+            </a:r>
+          </a:p>
+          <a:p>
+            <a:pPr lvl="4"/>
+            <a:r>
+              <a:rPr lang="en-US" noProof="0"/>
+              <a:t>Fifth level</a:t>
+            </a:r>
+          </a:p>
+        </p:txBody>
+      </p:sp>
+      <p:pic>
+        <p:nvPicPr>
+          <p:cNvPr id="5" name="Picture 4" descr="A black and white logo&#10;&#10;Description automatically generated">
+            <a:extLst>
+              <a:ext uri="{FF2B5EF4-FFF2-40B4-BE49-F238E27FC236}">
+                <a16:creationId xmlns:a16="http://schemas.microsoft.com/office/drawing/2014/main" id="{F8BE4666-BAFC-8022-5101-BA9C6C898B23}"/>
               </a:ext>
             </a:extLst>
           </p:cNvPr>
@@ -8948,224 +9159,13 @@
         <p:spPr>
           <a:xfrm>
             <a:off x="437322" y="6465236"/>
-            <a:ext cx="1033945" cy="231372"/>
+            <a:ext cx="1033945" cy="313705"/>
           </a:xfrm>
           <a:prstGeom prst="rect">
             <a:avLst/>
           </a:prstGeom>
         </p:spPr>
       </p:pic>
-      <p:pic>
-        <p:nvPicPr>
-          <p:cNvPr id="11" name="Grafik 10">
-            <a:extLst>
-              <a:ext uri="{FF2B5EF4-FFF2-40B4-BE49-F238E27FC236}">
-                <a16:creationId xmlns:a16="http://schemas.microsoft.com/office/drawing/2014/main" id="{F882F69E-A04A-5C3A-969F-1B47F085E2DF}"/>
-              </a:ext>
-            </a:extLst>
-          </p:cNvPr>
-          <p:cNvPicPr>
-            <a:picLocks noChangeAspect="1"/>
-          </p:cNvPicPr>
-          <p:nvPr userDrawn="1"/>
-        </p:nvPicPr>
-        <p:blipFill>
-          <a:blip r:embed="rId2"/>
-          <a:stretch>
-            <a:fillRect/>
-          </a:stretch>
-        </p:blipFill>
-        <p:spPr>
-          <a:xfrm rot="16200000" flipV="1">
-            <a:off x="2678235" y="3546733"/>
-            <a:ext cx="1672741" cy="45719"/>
-          </a:xfrm>
-          <a:prstGeom prst="rect">
-            <a:avLst/>
-          </a:prstGeom>
-        </p:spPr>
-      </p:pic>
-      <p:sp>
-        <p:nvSpPr>
-          <p:cNvPr id="4" name="Text Placeholder 8">
-            <a:extLst>
-              <a:ext uri="{FF2B5EF4-FFF2-40B4-BE49-F238E27FC236}">
-                <a16:creationId xmlns:a16="http://schemas.microsoft.com/office/drawing/2014/main" id="{C1241DC3-CEF3-7A58-E3F7-82A047E02081}"/>
-              </a:ext>
-            </a:extLst>
-          </p:cNvPr>
-          <p:cNvSpPr>
-            <a:spLocks noGrp="1"/>
-          </p:cNvSpPr>
-          <p:nvPr>
-            <p:ph type="body" sz="quarter" idx="13"/>
-          </p:nvPr>
-        </p:nvSpPr>
-        <p:spPr>
-          <a:xfrm>
-            <a:off x="415636" y="5922963"/>
-            <a:ext cx="10938163" cy="469900"/>
-          </a:xfrm>
-        </p:spPr>
-        <p:txBody>
-          <a:bodyPr>
-            <a:noAutofit/>
-          </a:bodyPr>
-          <a:lstStyle>
-            <a:lvl1pPr marL="0" indent="0">
-              <a:buFontTx/>
-              <a:buNone/>
-              <a:defRPr sz="800"/>
-            </a:lvl1pPr>
-            <a:lvl2pPr marL="457200" indent="0">
-              <a:buFontTx/>
-              <a:buNone/>
-              <a:defRPr sz="800"/>
-            </a:lvl2pPr>
-            <a:lvl3pPr marL="914400" indent="0">
-              <a:buFontTx/>
-              <a:buNone/>
-              <a:defRPr sz="800"/>
-            </a:lvl3pPr>
-            <a:lvl4pPr marL="1371600" indent="0">
-              <a:buFontTx/>
-              <a:buNone/>
-              <a:defRPr sz="800"/>
-            </a:lvl4pPr>
-            <a:lvl5pPr marL="1828800" indent="0">
-              <a:buFontTx/>
-              <a:buNone/>
-              <a:defRPr sz="800"/>
-            </a:lvl5pPr>
-          </a:lstStyle>
-          <a:p>
-            <a:pPr lvl="0"/>
-            <a:r>
-              <a:rPr lang="en-US" noProof="0"/>
-              <a:t>Click to edit Master text styles</a:t>
-            </a:r>
-          </a:p>
-          <a:p>
-            <a:pPr lvl="1"/>
-            <a:r>
-              <a:rPr lang="en-US" noProof="0"/>
-              <a:t>Second level</a:t>
-            </a:r>
-          </a:p>
-          <a:p>
-            <a:pPr lvl="2"/>
-            <a:r>
-              <a:rPr lang="en-US" noProof="0"/>
-              <a:t>Third level</a:t>
-            </a:r>
-          </a:p>
-          <a:p>
-            <a:pPr lvl="3"/>
-            <a:r>
-              <a:rPr lang="en-US" noProof="0"/>
-              <a:t>Fourth level</a:t>
-            </a:r>
-          </a:p>
-          <a:p>
-            <a:pPr lvl="4"/>
-            <a:r>
-              <a:rPr lang="en-US" noProof="0"/>
-              <a:t>Fifth level</a:t>
-            </a:r>
-            <a:endParaRPr lang="en-US" noProof="0" dirty="0"/>
-          </a:p>
-        </p:txBody>
-      </p:sp>
-      <p:sp>
-        <p:nvSpPr>
-          <p:cNvPr id="10" name="Footer Placeholder 4">
-            <a:extLst>
-              <a:ext uri="{FF2B5EF4-FFF2-40B4-BE49-F238E27FC236}">
-                <a16:creationId xmlns:a16="http://schemas.microsoft.com/office/drawing/2014/main" id="{BC2E972B-9892-D1ED-553E-FAEF46BBDE0D}"/>
-              </a:ext>
-            </a:extLst>
-          </p:cNvPr>
-          <p:cNvSpPr>
-            <a:spLocks noGrp="1"/>
-          </p:cNvSpPr>
-          <p:nvPr>
-            <p:ph type="body" sz="quarter" idx="14"/>
-          </p:nvPr>
-        </p:nvSpPr>
-        <p:spPr>
-          <a:xfrm>
-            <a:off x="2227894" y="6461290"/>
-            <a:ext cx="9125905" cy="256239"/>
-          </a:xfrm>
-        </p:spPr>
-        <p:txBody>
-          <a:bodyPr>
-            <a:normAutofit/>
-          </a:bodyPr>
-          <a:lstStyle>
-            <a:lvl1pPr marL="0" indent="0">
-              <a:buFontTx/>
-              <a:buNone/>
-              <a:defRPr sz="800"/>
-            </a:lvl1pPr>
-            <a:lvl2pPr marL="457200" indent="0">
-              <a:buFontTx/>
-              <a:buNone/>
-              <a:defRPr sz="800"/>
-            </a:lvl2pPr>
-            <a:lvl3pPr marL="914400" indent="0">
-              <a:buFontTx/>
-              <a:buNone/>
-              <a:defRPr sz="800"/>
-            </a:lvl3pPr>
-            <a:lvl4pPr marL="1371600" indent="0">
-              <a:buFontTx/>
-              <a:buNone/>
-              <a:defRPr sz="800"/>
-            </a:lvl4pPr>
-            <a:lvl5pPr marL="1828800" indent="0">
-              <a:buFontTx/>
-              <a:buNone/>
-              <a:defRPr sz="800"/>
-            </a:lvl5pPr>
-          </a:lstStyle>
-          <a:p>
-            <a:pPr lvl="0"/>
-            <a:r>
-              <a:rPr lang="en-US" noProof="0"/>
-              <a:t>Click to edit Master text styles</a:t>
-            </a:r>
-          </a:p>
-          <a:p>
-            <a:pPr lvl="1"/>
-            <a:r>
-              <a:rPr lang="en-US" noProof="0"/>
-              <a:t>Second level</a:t>
-            </a:r>
-          </a:p>
-          <a:p>
-            <a:pPr lvl="2"/>
-            <a:r>
-              <a:rPr lang="en-US" noProof="0"/>
-              <a:t>Third level</a:t>
-            </a:r>
-          </a:p>
-          <a:p>
-            <a:pPr lvl="3"/>
-            <a:r>
-              <a:rPr lang="en-US" noProof="0"/>
-              <a:t>Fourth level</a:t>
-            </a:r>
-          </a:p>
-          <a:p>
-            <a:pPr lvl="4"/>
-            <a:r>
-              <a:rPr lang="en-US" noProof="0"/>
-              <a:t>Fifth level</a:t>
-            </a:r>
-          </a:p>
-        </p:txBody>
-      </p:sp>
     </p:spTree>
     <p:extLst>
       <p:ext uri="{BB962C8B-B14F-4D97-AF65-F5344CB8AC3E}">
@@ -9298,12 +9298,176 @@
           </a:prstGeom>
         </p:spPr>
       </p:pic>
+      <p:sp>
+        <p:nvSpPr>
+          <p:cNvPr id="9" name="Text Placeholder 2">
+            <a:extLst>
+              <a:ext uri="{FF2B5EF4-FFF2-40B4-BE49-F238E27FC236}">
+                <a16:creationId xmlns:a16="http://schemas.microsoft.com/office/drawing/2014/main" id="{DF408C8B-E4CD-D353-6ED1-07C9068E78BA}"/>
+              </a:ext>
+            </a:extLst>
+          </p:cNvPr>
+          <p:cNvSpPr>
+            <a:spLocks noGrp="1"/>
+          </p:cNvSpPr>
+          <p:nvPr>
+            <p:ph type="subTitle" idx="1"/>
+          </p:nvPr>
+        </p:nvSpPr>
+        <p:spPr>
+          <a:xfrm>
+            <a:off x="504649" y="3531723"/>
+            <a:ext cx="10938164" cy="2318819"/>
+          </a:xfrm>
+        </p:spPr>
+        <p:txBody>
+          <a:bodyPr/>
+          <a:lstStyle>
+            <a:lvl1pPr marL="0" indent="0" algn="ctr">
+              <a:buNone/>
+              <a:defRPr sz="2400">
+                <a:solidFill>
+                  <a:schemeClr val="tx2"/>
+                </a:solidFill>
+              </a:defRPr>
+            </a:lvl1pPr>
+            <a:lvl2pPr marL="457200" indent="0" algn="ctr">
+              <a:buNone/>
+              <a:defRPr sz="2000"/>
+            </a:lvl2pPr>
+            <a:lvl3pPr marL="914400" indent="0" algn="ctr">
+              <a:buNone/>
+              <a:defRPr sz="1800"/>
+            </a:lvl3pPr>
+            <a:lvl4pPr marL="1371600" indent="0" algn="ctr">
+              <a:buNone/>
+              <a:defRPr sz="1600"/>
+            </a:lvl4pPr>
+            <a:lvl5pPr marL="1828800" indent="0" algn="ctr">
+              <a:buNone/>
+              <a:defRPr sz="1600"/>
+            </a:lvl5pPr>
+            <a:lvl6pPr marL="2286000" indent="0" algn="ctr">
+              <a:buNone/>
+              <a:defRPr sz="1600"/>
+            </a:lvl6pPr>
+            <a:lvl7pPr marL="2743200" indent="0" algn="ctr">
+              <a:buNone/>
+              <a:defRPr sz="1600"/>
+            </a:lvl7pPr>
+            <a:lvl8pPr marL="3200400" indent="0" algn="ctr">
+              <a:buNone/>
+              <a:defRPr sz="1600"/>
+            </a:lvl8pPr>
+            <a:lvl9pPr marL="3657600" indent="0" algn="ctr">
+              <a:buNone/>
+              <a:defRPr sz="1600"/>
+            </a:lvl9pPr>
+          </a:lstStyle>
+          <a:p>
+            <a:r>
+              <a:rPr lang="en-US" noProof="0"/>
+              <a:t>Click to edit Master subtitle style</a:t>
+            </a:r>
+          </a:p>
+        </p:txBody>
+      </p:sp>
+      <p:sp>
+        <p:nvSpPr>
+          <p:cNvPr id="4" name="Footer Placeholder 4">
+            <a:extLst>
+              <a:ext uri="{FF2B5EF4-FFF2-40B4-BE49-F238E27FC236}">
+                <a16:creationId xmlns:a16="http://schemas.microsoft.com/office/drawing/2014/main" id="{5145199D-92EB-2151-2D5E-40E32520C356}"/>
+              </a:ext>
+            </a:extLst>
+          </p:cNvPr>
+          <p:cNvSpPr>
+            <a:spLocks noGrp="1"/>
+          </p:cNvSpPr>
+          <p:nvPr>
+            <p:ph type="body" sz="quarter" idx="13"/>
+          </p:nvPr>
+        </p:nvSpPr>
+        <p:spPr>
+          <a:xfrm>
+            <a:off x="2227894" y="6461290"/>
+            <a:ext cx="9125905" cy="256239"/>
+          </a:xfrm>
+        </p:spPr>
+        <p:txBody>
+          <a:bodyPr>
+            <a:normAutofit/>
+          </a:bodyPr>
+          <a:lstStyle>
+            <a:lvl1pPr marL="0" indent="0">
+              <a:buFontTx/>
+              <a:buNone/>
+              <a:defRPr sz="800"/>
+            </a:lvl1pPr>
+            <a:lvl2pPr marL="457200" indent="0">
+              <a:buFontTx/>
+              <a:buNone/>
+              <a:defRPr sz="800"/>
+            </a:lvl2pPr>
+            <a:lvl3pPr marL="914400" indent="0">
+              <a:buFontTx/>
+              <a:buNone/>
+              <a:defRPr sz="800"/>
+            </a:lvl3pPr>
+            <a:lvl4pPr marL="1371600" indent="0">
+              <a:buFontTx/>
+              <a:buNone/>
+              <a:defRPr sz="800"/>
+            </a:lvl4pPr>
+            <a:lvl5pPr marL="1828800" indent="0">
+              <a:buFontTx/>
+              <a:buNone/>
+              <a:defRPr sz="800"/>
+            </a:lvl5pPr>
+          </a:lstStyle>
+          <a:p>
+            <a:pPr lvl="0"/>
+            <a:r>
+              <a:rPr lang="en-US" noProof="0"/>
+              <a:t>Click to edit Master text styles</a:t>
+            </a:r>
+          </a:p>
+          <a:p>
+            <a:pPr lvl="1"/>
+            <a:r>
+              <a:rPr lang="en-US" noProof="0"/>
+              <a:t>Second level</a:t>
+            </a:r>
+          </a:p>
+          <a:p>
+            <a:pPr lvl="2"/>
+            <a:r>
+              <a:rPr lang="en-US" noProof="0"/>
+              <a:t>Third level</a:t>
+            </a:r>
+          </a:p>
+          <a:p>
+            <a:pPr lvl="3"/>
+            <a:r>
+              <a:rPr lang="en-US" noProof="0"/>
+              <a:t>Fourth level</a:t>
+            </a:r>
+          </a:p>
+          <a:p>
+            <a:pPr lvl="4"/>
+            <a:r>
+              <a:rPr lang="en-US" noProof="0"/>
+              <a:t>Fifth level</a:t>
+            </a:r>
+          </a:p>
+        </p:txBody>
+      </p:sp>
       <p:pic>
         <p:nvPicPr>
-          <p:cNvPr id="8" name="Grafik 7">
-            <a:extLst>
-              <a:ext uri="{FF2B5EF4-FFF2-40B4-BE49-F238E27FC236}">
-                <a16:creationId xmlns:a16="http://schemas.microsoft.com/office/drawing/2014/main" id="{3F4B7BCB-6D2D-DB8B-F77D-6F5AED2D9778}"/>
+          <p:cNvPr id="3" name="Picture 2" descr="A black and white logo&#10;&#10;Description automatically generated">
+            <a:extLst>
+              <a:ext uri="{FF2B5EF4-FFF2-40B4-BE49-F238E27FC236}">
+                <a16:creationId xmlns:a16="http://schemas.microsoft.com/office/drawing/2014/main" id="{E57CA0F2-8094-9AED-F226-0B4D10DCB0C6}"/>
               </a:ext>
             </a:extLst>
           </p:cNvPr>
@@ -9321,177 +9485,13 @@
         <p:spPr>
           <a:xfrm>
             <a:off x="437322" y="6465236"/>
-            <a:ext cx="1033945" cy="231372"/>
+            <a:ext cx="1033945" cy="313705"/>
           </a:xfrm>
           <a:prstGeom prst="rect">
             <a:avLst/>
           </a:prstGeom>
         </p:spPr>
       </p:pic>
-      <p:sp>
-        <p:nvSpPr>
-          <p:cNvPr id="9" name="Text Placeholder 2">
-            <a:extLst>
-              <a:ext uri="{FF2B5EF4-FFF2-40B4-BE49-F238E27FC236}">
-                <a16:creationId xmlns:a16="http://schemas.microsoft.com/office/drawing/2014/main" id="{DF408C8B-E4CD-D353-6ED1-07C9068E78BA}"/>
-              </a:ext>
-            </a:extLst>
-          </p:cNvPr>
-          <p:cNvSpPr>
-            <a:spLocks noGrp="1"/>
-          </p:cNvSpPr>
-          <p:nvPr>
-            <p:ph type="subTitle" idx="1"/>
-          </p:nvPr>
-        </p:nvSpPr>
-        <p:spPr>
-          <a:xfrm>
-            <a:off x="504649" y="3531723"/>
-            <a:ext cx="10938164" cy="2318819"/>
-          </a:xfrm>
-        </p:spPr>
-        <p:txBody>
-          <a:bodyPr/>
-          <a:lstStyle>
-            <a:lvl1pPr marL="0" indent="0" algn="ctr">
-              <a:buNone/>
-              <a:defRPr sz="2400">
-                <a:solidFill>
-                  <a:schemeClr val="tx2"/>
-                </a:solidFill>
-              </a:defRPr>
-            </a:lvl1pPr>
-            <a:lvl2pPr marL="457200" indent="0" algn="ctr">
-              <a:buNone/>
-              <a:defRPr sz="2000"/>
-            </a:lvl2pPr>
-            <a:lvl3pPr marL="914400" indent="0" algn="ctr">
-              <a:buNone/>
-              <a:defRPr sz="1800"/>
-            </a:lvl3pPr>
-            <a:lvl4pPr marL="1371600" indent="0" algn="ctr">
-              <a:buNone/>
-              <a:defRPr sz="1600"/>
-            </a:lvl4pPr>
-            <a:lvl5pPr marL="1828800" indent="0" algn="ctr">
-              <a:buNone/>
-              <a:defRPr sz="1600"/>
-            </a:lvl5pPr>
-            <a:lvl6pPr marL="2286000" indent="0" algn="ctr">
-              <a:buNone/>
-              <a:defRPr sz="1600"/>
-            </a:lvl6pPr>
-            <a:lvl7pPr marL="2743200" indent="0" algn="ctr">
-              <a:buNone/>
-              <a:defRPr sz="1600"/>
-            </a:lvl7pPr>
-            <a:lvl8pPr marL="3200400" indent="0" algn="ctr">
-              <a:buNone/>
-              <a:defRPr sz="1600"/>
-            </a:lvl8pPr>
-            <a:lvl9pPr marL="3657600" indent="0" algn="ctr">
-              <a:buNone/>
-              <a:defRPr sz="1600"/>
-            </a:lvl9pPr>
-          </a:lstStyle>
-          <a:p>
-            <a:r>
-              <a:rPr lang="en-US" noProof="0"/>
-              <a:t>Click to edit Master subtitle style</a:t>
-            </a:r>
-          </a:p>
-        </p:txBody>
-      </p:sp>
-      <p:sp>
-        <p:nvSpPr>
-          <p:cNvPr id="4" name="Footer Placeholder 4">
-            <a:extLst>
-              <a:ext uri="{FF2B5EF4-FFF2-40B4-BE49-F238E27FC236}">
-                <a16:creationId xmlns:a16="http://schemas.microsoft.com/office/drawing/2014/main" id="{5145199D-92EB-2151-2D5E-40E32520C356}"/>
-              </a:ext>
-            </a:extLst>
-          </p:cNvPr>
-          <p:cNvSpPr>
-            <a:spLocks noGrp="1"/>
-          </p:cNvSpPr>
-          <p:nvPr>
-            <p:ph type="body" sz="quarter" idx="13"/>
-          </p:nvPr>
-        </p:nvSpPr>
-        <p:spPr>
-          <a:xfrm>
-            <a:off x="2227894" y="6461290"/>
-            <a:ext cx="9125905" cy="256239"/>
-          </a:xfrm>
-        </p:spPr>
-        <p:txBody>
-          <a:bodyPr>
-            <a:normAutofit/>
-          </a:bodyPr>
-          <a:lstStyle>
-            <a:lvl1pPr marL="0" indent="0">
-              <a:buFontTx/>
-              <a:buNone/>
-              <a:defRPr sz="800"/>
-            </a:lvl1pPr>
-            <a:lvl2pPr marL="457200" indent="0">
-              <a:buFontTx/>
-              <a:buNone/>
-              <a:defRPr sz="800"/>
-            </a:lvl2pPr>
-            <a:lvl3pPr marL="914400" indent="0">
-              <a:buFontTx/>
-              <a:buNone/>
-              <a:defRPr sz="800"/>
-            </a:lvl3pPr>
-            <a:lvl4pPr marL="1371600" indent="0">
-              <a:buFontTx/>
-              <a:buNone/>
-              <a:defRPr sz="800"/>
-            </a:lvl4pPr>
-            <a:lvl5pPr marL="1828800" indent="0">
-              <a:buFontTx/>
-              <a:buNone/>
-              <a:defRPr sz="800"/>
-            </a:lvl5pPr>
-          </a:lstStyle>
-          <a:p>
-            <a:pPr lvl="0"/>
-            <a:r>
-              <a:rPr lang="en-US" noProof="0"/>
-              <a:t>Click to edit Master text styles</a:t>
-            </a:r>
-          </a:p>
-          <a:p>
-            <a:pPr lvl="1"/>
-            <a:r>
-              <a:rPr lang="en-US" noProof="0"/>
-              <a:t>Second level</a:t>
-            </a:r>
-          </a:p>
-          <a:p>
-            <a:pPr lvl="2"/>
-            <a:r>
-              <a:rPr lang="en-US" noProof="0"/>
-              <a:t>Third level</a:t>
-            </a:r>
-          </a:p>
-          <a:p>
-            <a:pPr lvl="3"/>
-            <a:r>
-              <a:rPr lang="en-US" noProof="0"/>
-              <a:t>Fourth level</a:t>
-            </a:r>
-          </a:p>
-          <a:p>
-            <a:pPr lvl="4"/>
-            <a:r>
-              <a:rPr lang="en-US" noProof="0"/>
-              <a:t>Fifth level</a:t>
-            </a:r>
-          </a:p>
-        </p:txBody>
-      </p:sp>
     </p:spTree>
     <p:extLst>
       <p:ext uri="{BB962C8B-B14F-4D97-AF65-F5344CB8AC3E}">
@@ -9783,7 +9783,7 @@
     <p:bodyStyle>
       <a:lvl1pPr marL="228600" indent="-228600" algn="l" defTabSz="914400" rtl="0" eaLnBrk="1" latinLnBrk="0" hangingPunct="1">
         <a:lnSpc>
-          <a:spcPct val="100000"/>
+          <a:spcPct val="140000"/>
         </a:lnSpc>
         <a:spcBef>
           <a:spcPts val="1000"/>
@@ -9810,7 +9810,7 @@
       </a:lvl1pPr>
       <a:lvl2pPr marL="742950" indent="-285750" algn="l" defTabSz="914400" rtl="0" eaLnBrk="1" latinLnBrk="0" hangingPunct="1">
         <a:lnSpc>
-          <a:spcPct val="100000"/>
+          <a:spcPct val="140000"/>
         </a:lnSpc>
         <a:spcBef>
           <a:spcPts val="500"/>
@@ -9836,7 +9836,7 @@
       </a:lvl2pPr>
       <a:lvl3pPr marL="1143000" indent="-228600" algn="l" defTabSz="914400" rtl="0" eaLnBrk="1" latinLnBrk="0" hangingPunct="1">
         <a:lnSpc>
-          <a:spcPct val="100000"/>
+          <a:spcPct val="140000"/>
         </a:lnSpc>
         <a:spcBef>
           <a:spcPts val="500"/>
@@ -9860,7 +9860,7 @@
       </a:lvl3pPr>
       <a:lvl4pPr marL="1600200" indent="-228600" algn="l" defTabSz="914400" rtl="0" eaLnBrk="1" latinLnBrk="0" hangingPunct="1">
         <a:lnSpc>
-          <a:spcPct val="100000"/>
+          <a:spcPct val="140000"/>
         </a:lnSpc>
         <a:spcBef>
           <a:spcPts val="500"/>
@@ -9884,7 +9884,7 @@
       </a:lvl4pPr>
       <a:lvl5pPr marL="2057400" indent="-228600" algn="l" defTabSz="914400" rtl="0" eaLnBrk="1" latinLnBrk="0" hangingPunct="1">
         <a:lnSpc>
-          <a:spcPct val="100000"/>
+          <a:spcPct val="140000"/>
         </a:lnSpc>
         <a:spcBef>
           <a:spcPts val="500"/>
@@ -10095,7 +10095,7 @@
           <a:chExt cx="0" cy="0"/>
         </a:xfrm>
       </p:grpSpPr>
-      <p:sp>
+      <p:sp xmlns:a="http://schemas.openxmlformats.org/drawingml/2006/main" xmlns:r="http://schemas.openxmlformats.org/officeDocument/2006/relationships" xmlns:p="http://schemas.openxmlformats.org/presentationml/2006/main">
         <p:nvSpPr>
           <p:cNvPr id="2" name="Titel 1"/>
           <p:cNvSpPr>
@@ -10122,7 +10122,7 @@
           </a:p>
         </p:txBody>
       </p:sp>
-      <p:sp>
+      <p:sp xmlns:a="http://schemas.openxmlformats.org/drawingml/2006/main" xmlns:r="http://schemas.openxmlformats.org/officeDocument/2006/relationships" xmlns:p="http://schemas.openxmlformats.org/presentationml/2006/main">
         <p:nvSpPr>
           <p:cNvPr id="3" name="Untertitel 2"/>
           <p:cNvSpPr>
@@ -10149,7 +10149,7 @@
           </a:p>
         </p:txBody>
       </p:sp>
-      <p:sp>
+      <p:sp xmlns:a="http://schemas.openxmlformats.org/drawingml/2006/main" xmlns:r="http://schemas.openxmlformats.org/officeDocument/2006/relationships" xmlns:p="http://schemas.openxmlformats.org/presentationml/2006/main">
         <p:nvSpPr>
           <p:cNvPr id="4" name="Date Placeholder 3"/>
           <p:cNvSpPr>
@@ -10171,12 +10171,12 @@
           <a:p>
             <a:r>
               <a:rPr/>
-              <a:t>2024-10-03</a:t>
-            </a:r>
-          </a:p>
-        </p:txBody>
-      </p:sp>
-      <p:sp>
+              <a:t>2024-10-25</a:t>
+            </a:r>
+          </a:p>
+        </p:txBody>
+      </p:sp>
+      <p:sp xmlns:a="http://schemas.openxmlformats.org/drawingml/2006/main" xmlns:r="http://schemas.openxmlformats.org/officeDocument/2006/relationships" xmlns:p="http://schemas.openxmlformats.org/presentationml/2006/main">
         <p:nvSpPr>
           <p:cNvPr id="5" name="Author Placeholder 6"/>
           <p:cNvSpPr>
@@ -10228,7 +10228,7 @@
           <a:chExt cx="0" cy="0"/>
         </a:xfrm>
       </p:grpSpPr>
-      <p:sp>
+      <p:sp xmlns:a="http://schemas.openxmlformats.org/drawingml/2006/main" xmlns:r="http://schemas.openxmlformats.org/officeDocument/2006/relationships" xmlns:p="http://schemas.openxmlformats.org/presentationml/2006/main">
         <p:nvSpPr>
           <p:cNvPr id="2" name="Title 1"/>
           <p:cNvSpPr>
@@ -10255,7 +10255,7 @@
           </a:p>
         </p:txBody>
       </p:sp>
-      <p:sp>
+      <p:sp xmlns:a="http://schemas.openxmlformats.org/drawingml/2006/main" xmlns:r="http://schemas.openxmlformats.org/officeDocument/2006/relationships" xmlns:p="http://schemas.openxmlformats.org/presentationml/2006/main">
         <p:nvSpPr>
           <p:cNvPr id="3" name="Content Placeholder 2"/>
           <p:cNvSpPr>
@@ -10288,7 +10288,7 @@
           </a:p>
         </p:txBody>
       </p:sp>
-      <p:pic>
+      <p:pic xmlns:a="http://schemas.openxmlformats.org/drawingml/2006/main" xmlns:r="http://schemas.openxmlformats.org/officeDocument/2006/relationships" xmlns:p="http://schemas.openxmlformats.org/presentationml/2006/main">
         <p:nvPicPr>
           <p:cNvPr id="4" name="Content Placeholder 3" descr=""/>
           <p:cNvPicPr>
@@ -10314,7 +10314,7 @@
           </a:prstGeom>
         </p:spPr>
       </p:pic>
-      <p:sp>
+      <p:sp xmlns:a="http://schemas.openxmlformats.org/drawingml/2006/main" xmlns:r="http://schemas.openxmlformats.org/officeDocument/2006/relationships" xmlns:p="http://schemas.openxmlformats.org/presentationml/2006/main">
         <p:nvSpPr>
           <p:cNvPr id="5" name="Footer Placeholder 5"/>
           <p:cNvSpPr>
@@ -10336,7 +10336,7 @@
           <a:p>
             <a:r>
               <a:rPr/>
-              <a:t>script_IQSlidedeck.R | Date: 2024-10-03 11:57:36.691939</a:t>
+              <a:t>script_IQSlidedeck.R | Date: 2024-10-25 09:13:49</a:t>
             </a:r>
           </a:p>
         </p:txBody>
@@ -10366,7 +10366,7 @@
           <a:chExt cx="0" cy="0"/>
         </a:xfrm>
       </p:grpSpPr>
-      <p:sp>
+      <p:sp xmlns:a="http://schemas.openxmlformats.org/drawingml/2006/main" xmlns:r="http://schemas.openxmlformats.org/officeDocument/2006/relationships" xmlns:p="http://schemas.openxmlformats.org/presentationml/2006/main">
         <p:nvSpPr>
           <p:cNvPr id="2" name="Title 1"/>
           <p:cNvSpPr>
@@ -10393,7 +10393,7 @@
           </a:p>
         </p:txBody>
       </p:sp>
-      <p:sp>
+      <p:sp xmlns:a="http://schemas.openxmlformats.org/drawingml/2006/main" xmlns:r="http://schemas.openxmlformats.org/officeDocument/2006/relationships" xmlns:p="http://schemas.openxmlformats.org/presentationml/2006/main">
         <p:nvSpPr>
           <p:cNvPr id="3" name="Content Placeholder 2"/>
           <p:cNvSpPr>
@@ -10656,7 +10656,7 @@
           </a:p>
         </p:txBody>
       </p:sp>
-      <p:pic>
+      <p:pic xmlns:a="http://schemas.openxmlformats.org/drawingml/2006/main" xmlns:r="http://schemas.openxmlformats.org/officeDocument/2006/relationships" xmlns:p="http://schemas.openxmlformats.org/presentationml/2006/main">
         <p:nvPicPr>
           <p:cNvPr id="4" name="Content Placeholder 3" descr=""/>
           <p:cNvPicPr>
@@ -10682,7 +10682,7 @@
           </a:prstGeom>
         </p:spPr>
       </p:pic>
-      <p:sp>
+      <p:sp xmlns:a="http://schemas.openxmlformats.org/drawingml/2006/main" xmlns:r="http://schemas.openxmlformats.org/officeDocument/2006/relationships" xmlns:p="http://schemas.openxmlformats.org/presentationml/2006/main">
         <p:nvSpPr>
           <p:cNvPr id="5" name="Footer Placeholder 5"/>
           <p:cNvSpPr>
@@ -10704,7 +10704,7 @@
           <a:p>
             <a:r>
               <a:rPr/>
-              <a:t>script_IQSlidedeck.R | Date: 2024-10-03 11:57:37.544605</a:t>
+              <a:t>script_IQSlidedeck.R | Date: 2024-10-25 09:13:51</a:t>
             </a:r>
           </a:p>
         </p:txBody>
@@ -10734,7 +10734,7 @@
           <a:chExt cx="0" cy="0"/>
         </a:xfrm>
       </p:grpSpPr>
-      <p:sp>
+      <p:sp xmlns:a="http://schemas.openxmlformats.org/drawingml/2006/main" xmlns:r="http://schemas.openxmlformats.org/officeDocument/2006/relationships" xmlns:p="http://schemas.openxmlformats.org/presentationml/2006/main">
         <p:nvSpPr>
           <p:cNvPr id="2" name="Title 1"/>
           <p:cNvSpPr>
@@ -10761,7 +10761,7 @@
           </a:p>
         </p:txBody>
       </p:sp>
-      <p:pic>
+      <p:pic xmlns:a="http://schemas.openxmlformats.org/drawingml/2006/main" xmlns:r="http://schemas.openxmlformats.org/officeDocument/2006/relationships" xmlns:p="http://schemas.openxmlformats.org/presentationml/2006/main">
         <p:nvPicPr>
           <p:cNvPr id="3" name="Content Placeholder 2" descr=""/>
           <p:cNvPicPr>
@@ -10787,7 +10787,7 @@
           </a:prstGeom>
         </p:spPr>
       </p:pic>
-      <p:sp>
+      <p:sp xmlns:a="http://schemas.openxmlformats.org/drawingml/2006/main" xmlns:r="http://schemas.openxmlformats.org/officeDocument/2006/relationships" xmlns:p="http://schemas.openxmlformats.org/presentationml/2006/main">
         <p:nvSpPr>
           <p:cNvPr id="4" name="Content Placeholder 3"/>
           <p:cNvSpPr>
@@ -11050,7 +11050,7 @@
           </a:p>
         </p:txBody>
       </p:sp>
-      <p:sp>
+      <p:sp xmlns:a="http://schemas.openxmlformats.org/drawingml/2006/main" xmlns:r="http://schemas.openxmlformats.org/officeDocument/2006/relationships" xmlns:p="http://schemas.openxmlformats.org/presentationml/2006/main">
         <p:nvSpPr>
           <p:cNvPr id="5" name="Footer Placeholder 5"/>
           <p:cNvSpPr>
@@ -11072,7 +11072,7 @@
           <a:p>
             <a:r>
               <a:rPr/>
-              <a:t>script_IQSlidedeck.R | Date: 2024-10-03 11:57:38.573462</a:t>
+              <a:t>script_IQSlidedeck.R | Date: 2024-10-25 09:13:52</a:t>
             </a:r>
           </a:p>
         </p:txBody>
@@ -11102,7 +11102,7 @@
           <a:chExt cx="0" cy="0"/>
         </a:xfrm>
       </p:grpSpPr>
-      <p:sp>
+      <p:sp xmlns:a="http://schemas.openxmlformats.org/drawingml/2006/main" xmlns:r="http://schemas.openxmlformats.org/officeDocument/2006/relationships" xmlns:p="http://schemas.openxmlformats.org/presentationml/2006/main">
         <p:nvSpPr>
           <p:cNvPr id="2" name="Title 1"/>
           <p:cNvSpPr>
@@ -11154,7 +11154,7 @@
           <a:chExt cx="0" cy="0"/>
         </a:xfrm>
       </p:grpSpPr>
-      <p:sp>
+      <p:sp xmlns:a="http://schemas.openxmlformats.org/drawingml/2006/main" xmlns:r="http://schemas.openxmlformats.org/officeDocument/2006/relationships" xmlns:p="http://schemas.openxmlformats.org/presentationml/2006/main">
         <p:nvSpPr>
           <p:cNvPr id="2" name="Title 1"/>
           <p:cNvSpPr>
@@ -11181,7 +11181,7 @@
           </a:p>
         </p:txBody>
       </p:sp>
-      <p:sp>
+      <p:sp xmlns:a="http://schemas.openxmlformats.org/drawingml/2006/main" xmlns:r="http://schemas.openxmlformats.org/officeDocument/2006/relationships" xmlns:p="http://schemas.openxmlformats.org/presentationml/2006/main">
         <p:nvSpPr>
           <p:cNvPr id="3" name="Content Placeholder 2"/>
           <p:cNvSpPr>
@@ -11214,7 +11214,7 @@
           </a:p>
         </p:txBody>
       </p:sp>
-      <p:pic>
+      <p:pic xmlns:a="http://schemas.openxmlformats.org/drawingml/2006/main" xmlns:r="http://schemas.openxmlformats.org/officeDocument/2006/relationships" xmlns:p="http://schemas.openxmlformats.org/presentationml/2006/main">
         <p:nvPicPr>
           <p:cNvPr id="4" name="Content Placeholder 3" descr=""/>
           <p:cNvPicPr>
@@ -11240,7 +11240,7 @@
           </a:prstGeom>
         </p:spPr>
       </p:pic>
-      <p:sp>
+      <p:sp xmlns:a="http://schemas.openxmlformats.org/drawingml/2006/main" xmlns:r="http://schemas.openxmlformats.org/officeDocument/2006/relationships" xmlns:p="http://schemas.openxmlformats.org/presentationml/2006/main">
         <p:nvSpPr>
           <p:cNvPr id="5" name="Footer Placeholder 5"/>
           <p:cNvSpPr>
@@ -11262,7 +11262,7 @@
           <a:p>
             <a:r>
               <a:rPr/>
-              <a:t>script_IQSlidedeck.R | Date: 2024-10-03 11:57:47.755544</a:t>
+              <a:t>script_IQSlidedeck.R | Date: 2024-10-25 09:14:00</a:t>
             </a:r>
           </a:p>
         </p:txBody>
@@ -11292,7 +11292,7 @@
           <a:chExt cx="0" cy="0"/>
         </a:xfrm>
       </p:grpSpPr>
-      <p:sp>
+      <p:sp xmlns:a="http://schemas.openxmlformats.org/drawingml/2006/main" xmlns:r="http://schemas.openxmlformats.org/officeDocument/2006/relationships" xmlns:p="http://schemas.openxmlformats.org/presentationml/2006/main">
         <p:nvSpPr>
           <p:cNvPr id="2" name="Title 1"/>
           <p:cNvSpPr>
@@ -11319,7 +11319,7 @@
           </a:p>
         </p:txBody>
       </p:sp>
-      <p:pic>
+      <p:pic xmlns:a="http://schemas.openxmlformats.org/drawingml/2006/main" xmlns:r="http://schemas.openxmlformats.org/officeDocument/2006/relationships" xmlns:p="http://schemas.openxmlformats.org/presentationml/2006/main">
         <p:nvPicPr>
           <p:cNvPr id="3" name="Content Placeholder 2" descr=""/>
           <p:cNvPicPr>
@@ -11345,7 +11345,7 @@
           </a:prstGeom>
         </p:spPr>
       </p:pic>
-      <p:pic>
+      <p:pic xmlns:a="http://schemas.openxmlformats.org/drawingml/2006/main" xmlns:r="http://schemas.openxmlformats.org/officeDocument/2006/relationships" xmlns:p="http://schemas.openxmlformats.org/presentationml/2006/main">
         <p:nvPicPr>
           <p:cNvPr id="4" name="Content Placeholder 3" descr=""/>
           <p:cNvPicPr>
@@ -11371,7 +11371,7 @@
           </a:prstGeom>
         </p:spPr>
       </p:pic>
-      <p:sp>
+      <p:sp xmlns:a="http://schemas.openxmlformats.org/drawingml/2006/main" xmlns:r="http://schemas.openxmlformats.org/officeDocument/2006/relationships" xmlns:p="http://schemas.openxmlformats.org/presentationml/2006/main">
         <p:nvSpPr>
           <p:cNvPr id="5" name="Footer Placeholder 5"/>
           <p:cNvSpPr>
@@ -11393,7 +11393,7 @@
           <a:p>
             <a:r>
               <a:rPr/>
-              <a:t>script_IQSlidedeck.R | Date: 2024-10-03 11:57:47.794485</a:t>
+              <a:t>script_IQSlidedeck.R | Date: 2024-10-25 09:14:00</a:t>
             </a:r>
           </a:p>
         </p:txBody>
@@ -11423,7 +11423,7 @@
           <a:chExt cx="0" cy="0"/>
         </a:xfrm>
       </p:grpSpPr>
-      <p:sp>
+      <p:sp xmlns:a="http://schemas.openxmlformats.org/drawingml/2006/main" xmlns:r="http://schemas.openxmlformats.org/officeDocument/2006/relationships" xmlns:p="http://schemas.openxmlformats.org/presentationml/2006/main">
         <p:nvSpPr>
           <p:cNvPr id="2" name="Title 1"/>
           <p:cNvSpPr>
@@ -11450,7 +11450,7 @@
           </a:p>
         </p:txBody>
       </p:sp>
-      <p:pic>
+      <p:pic xmlns:a="http://schemas.openxmlformats.org/drawingml/2006/main" xmlns:r="http://schemas.openxmlformats.org/officeDocument/2006/relationships" xmlns:p="http://schemas.openxmlformats.org/presentationml/2006/main">
         <p:nvPicPr>
           <p:cNvPr id="3" name="Content Placeholder 2" descr=""/>
           <p:cNvPicPr>
@@ -11476,7 +11476,7 @@
           </a:prstGeom>
         </p:spPr>
       </p:pic>
-      <p:sp>
+      <p:sp xmlns:a="http://schemas.openxmlformats.org/drawingml/2006/main" xmlns:r="http://schemas.openxmlformats.org/officeDocument/2006/relationships" xmlns:p="http://schemas.openxmlformats.org/presentationml/2006/main">
         <p:nvSpPr>
           <p:cNvPr id="4" name="Content Placeholder 3"/>
           <p:cNvSpPr>
@@ -11531,7 +11531,7 @@
           </a:p>
         </p:txBody>
       </p:sp>
-      <p:sp>
+      <p:sp xmlns:a="http://schemas.openxmlformats.org/drawingml/2006/main" xmlns:r="http://schemas.openxmlformats.org/officeDocument/2006/relationships" xmlns:p="http://schemas.openxmlformats.org/presentationml/2006/main">
         <p:nvSpPr>
           <p:cNvPr id="5" name="Footer Placeholder 5"/>
           <p:cNvSpPr>
@@ -11553,7 +11553,7 @@
           <a:p>
             <a:r>
               <a:rPr/>
-              <a:t>script_IQSlidedeck.R | Date: 2024-10-03 11:57:47.830845</a:t>
+              <a:t>script_IQSlidedeck.R | Date: 2024-10-25 09:14:00</a:t>
             </a:r>
           </a:p>
         </p:txBody>
@@ -11583,7 +11583,7 @@
           <a:chExt cx="0" cy="0"/>
         </a:xfrm>
       </p:grpSpPr>
-      <p:sp>
+      <p:sp xmlns:a="http://schemas.openxmlformats.org/drawingml/2006/main" xmlns:r="http://schemas.openxmlformats.org/officeDocument/2006/relationships" xmlns:p="http://schemas.openxmlformats.org/presentationml/2006/main">
         <p:nvSpPr>
           <p:cNvPr id="2" name="Title 1"/>
           <p:cNvSpPr>
@@ -11610,7 +11610,7 @@
           </a:p>
         </p:txBody>
       </p:sp>
-      <p:sp>
+      <p:sp xmlns:a="http://schemas.openxmlformats.org/drawingml/2006/main" xmlns:r="http://schemas.openxmlformats.org/officeDocument/2006/relationships" xmlns:p="http://schemas.openxmlformats.org/presentationml/2006/main">
         <p:nvSpPr>
           <p:cNvPr id="3" name="Content Placeholder 2"/>
           <p:cNvSpPr>
@@ -11643,7 +11643,7 @@
           </a:p>
         </p:txBody>
       </p:sp>
-      <p:pic>
+      <p:pic xmlns:a="http://schemas.openxmlformats.org/drawingml/2006/main" xmlns:r="http://schemas.openxmlformats.org/officeDocument/2006/relationships" xmlns:p="http://schemas.openxmlformats.org/presentationml/2006/main">
         <p:nvPicPr>
           <p:cNvPr id="4" name="Content Placeholder 3" descr=""/>
           <p:cNvPicPr>
@@ -11669,7 +11669,7 @@
           </a:prstGeom>
         </p:spPr>
       </p:pic>
-      <p:sp>
+      <p:sp xmlns:a="http://schemas.openxmlformats.org/drawingml/2006/main" xmlns:r="http://schemas.openxmlformats.org/officeDocument/2006/relationships" xmlns:p="http://schemas.openxmlformats.org/presentationml/2006/main">
         <p:nvSpPr>
           <p:cNvPr id="5" name="Footer Placeholder 5"/>
           <p:cNvSpPr>
@@ -11691,7 +11691,7 @@
           <a:p>
             <a:r>
               <a:rPr/>
-              <a:t>script_IQSlidedeck.R | Date: 2024-10-03 11:57:47.865052</a:t>
+              <a:t>script_IQSlidedeck.R | Date: 2024-10-25 09:14:00</a:t>
             </a:r>
           </a:p>
         </p:txBody>
@@ -11721,7 +11721,7 @@
           <a:chExt cx="0" cy="0"/>
         </a:xfrm>
       </p:grpSpPr>
-      <p:sp>
+      <p:sp xmlns:a="http://schemas.openxmlformats.org/drawingml/2006/main" xmlns:r="http://schemas.openxmlformats.org/officeDocument/2006/relationships" xmlns:p="http://schemas.openxmlformats.org/presentationml/2006/main">
         <p:nvSpPr>
           <p:cNvPr id="2" name="Title 1"/>
           <p:cNvSpPr>
@@ -11773,7 +11773,7 @@
           <a:chExt cx="0" cy="0"/>
         </a:xfrm>
       </p:grpSpPr>
-      <p:sp>
+      <p:sp xmlns:a="http://schemas.openxmlformats.org/drawingml/2006/main" xmlns:r="http://schemas.openxmlformats.org/officeDocument/2006/relationships" xmlns:p="http://schemas.openxmlformats.org/presentationml/2006/main">
         <p:nvSpPr>
           <p:cNvPr id="2" name="Title 1"/>
           <p:cNvSpPr>
@@ -11800,7 +11800,7 @@
           </a:p>
         </p:txBody>
       </p:sp>
-      <p:sp>
+      <p:sp xmlns:a="http://schemas.openxmlformats.org/drawingml/2006/main" xmlns:r="http://schemas.openxmlformats.org/officeDocument/2006/relationships" xmlns:p="http://schemas.openxmlformats.org/presentationml/2006/main">
         <p:nvSpPr>
           <p:cNvPr id="3" name="Content Placeholder 2"/>
           <p:cNvSpPr>
@@ -11833,7 +11833,7 @@
           </a:p>
         </p:txBody>
       </p:sp>
-      <p:sp>
+      <p:sp xmlns:a="http://schemas.openxmlformats.org/drawingml/2006/main" xmlns:r="http://schemas.openxmlformats.org/officeDocument/2006/relationships" xmlns:p="http://schemas.openxmlformats.org/presentationml/2006/main">
         <p:nvSpPr>
           <p:cNvPr id="4" name="Footer Placeholder 4"/>
           <p:cNvSpPr>
@@ -11855,7 +11855,7 @@
           <a:p>
             <a:r>
               <a:rPr/>
-              <a:t>script_IQSlidedeck.R | Date: 2024-10-03 11:57:35.957633</a:t>
+              <a:t>script_IQSlidedeck.R | Date: 2024-10-25 09:13:48</a:t>
             </a:r>
           </a:p>
         </p:txBody>
@@ -11885,7 +11885,7 @@
           <a:chExt cx="0" cy="0"/>
         </a:xfrm>
       </p:grpSpPr>
-      <p:sp>
+      <p:sp xmlns:a="http://schemas.openxmlformats.org/drawingml/2006/main" xmlns:r="http://schemas.openxmlformats.org/officeDocument/2006/relationships" xmlns:p="http://schemas.openxmlformats.org/presentationml/2006/main">
         <p:nvSpPr>
           <p:cNvPr id="2" name="Title 1"/>
           <p:cNvSpPr>
@@ -11937,7 +11937,7 @@
           <a:chExt cx="0" cy="0"/>
         </a:xfrm>
       </p:grpSpPr>
-      <p:sp>
+      <p:sp xmlns:a="http://schemas.openxmlformats.org/drawingml/2006/main" xmlns:r="http://schemas.openxmlformats.org/officeDocument/2006/relationships" xmlns:p="http://schemas.openxmlformats.org/presentationml/2006/main">
         <p:nvSpPr>
           <p:cNvPr id="2" name="Title 1"/>
           <p:cNvSpPr>
@@ -11964,7 +11964,7 @@
           </a:p>
         </p:txBody>
       </p:sp>
-      <p:sp>
+      <p:sp xmlns:a="http://schemas.openxmlformats.org/drawingml/2006/main" xmlns:r="http://schemas.openxmlformats.org/officeDocument/2006/relationships" xmlns:p="http://schemas.openxmlformats.org/presentationml/2006/main">
         <p:nvSpPr>
           <p:cNvPr id="3" name="Content Placeholder 2"/>
           <p:cNvSpPr>
@@ -11997,7 +11997,7 @@
           </a:p>
         </p:txBody>
       </p:sp>
-      <p:pic>
+      <p:pic xmlns:a="http://schemas.openxmlformats.org/drawingml/2006/main" xmlns:r="http://schemas.openxmlformats.org/officeDocument/2006/relationships" xmlns:p="http://schemas.openxmlformats.org/presentationml/2006/main">
         <p:nvPicPr>
           <p:cNvPr id="4" name="Content Placeholder 3" descr=""/>
           <p:cNvPicPr>
@@ -12023,7 +12023,7 @@
           </a:prstGeom>
         </p:spPr>
       </p:pic>
-      <p:sp>
+      <p:sp xmlns:a="http://schemas.openxmlformats.org/drawingml/2006/main" xmlns:r="http://schemas.openxmlformats.org/officeDocument/2006/relationships" xmlns:p="http://schemas.openxmlformats.org/presentationml/2006/main">
         <p:nvSpPr>
           <p:cNvPr id="5" name="Text Placeholder 2"/>
           <p:cNvSpPr>
@@ -12050,7 +12050,7 @@
           </a:p>
         </p:txBody>
       </p:sp>
-      <p:sp>
+      <p:sp xmlns:a="http://schemas.openxmlformats.org/drawingml/2006/main" xmlns:r="http://schemas.openxmlformats.org/officeDocument/2006/relationships" xmlns:p="http://schemas.openxmlformats.org/presentationml/2006/main">
         <p:nvSpPr>
           <p:cNvPr id="6" name="Footer Placeholder 5"/>
           <p:cNvSpPr>
@@ -12072,7 +12072,7 @@
           <a:p>
             <a:r>
               <a:rPr/>
-              <a:t>script_IQSlidedeck.R | Date: 2024-10-03 11:57:36.096123</a:t>
+              <a:t>script_IQSlidedeck.R | Date: 2024-10-25 09:13:48</a:t>
             </a:r>
           </a:p>
         </p:txBody>
@@ -12102,7 +12102,7 @@
           <a:chExt cx="0" cy="0"/>
         </a:xfrm>
       </p:grpSpPr>
-      <p:sp>
+      <p:sp xmlns:a="http://schemas.openxmlformats.org/drawingml/2006/main" xmlns:r="http://schemas.openxmlformats.org/officeDocument/2006/relationships" xmlns:p="http://schemas.openxmlformats.org/presentationml/2006/main">
         <p:nvSpPr>
           <p:cNvPr id="2" name="Title 1"/>
           <p:cNvSpPr>
@@ -12129,7 +12129,7 @@
           </a:p>
         </p:txBody>
       </p:sp>
-      <p:pic>
+      <p:pic xmlns:a="http://schemas.openxmlformats.org/drawingml/2006/main" xmlns:r="http://schemas.openxmlformats.org/officeDocument/2006/relationships" xmlns:p="http://schemas.openxmlformats.org/presentationml/2006/main">
         <p:nvPicPr>
           <p:cNvPr id="3" name="Content Placeholder 2" descr=""/>
           <p:cNvPicPr>
@@ -12155,7 +12155,7 @@
           </a:prstGeom>
         </p:spPr>
       </p:pic>
-      <p:sp>
+      <p:sp xmlns:a="http://schemas.openxmlformats.org/drawingml/2006/main" xmlns:r="http://schemas.openxmlformats.org/officeDocument/2006/relationships" xmlns:p="http://schemas.openxmlformats.org/presentationml/2006/main">
         <p:nvSpPr>
           <p:cNvPr id="4" name="Footer Placeholder 4"/>
           <p:cNvSpPr>
@@ -12177,7 +12177,7 @@
           <a:p>
             <a:r>
               <a:rPr/>
-              <a:t>script_IQSlidedeck.R | Date: 2024-10-03 11:57:39.334171</a:t>
+              <a:t>script_IQSlidedeck.R | Date: 2024-10-25 09:13:53</a:t>
             </a:r>
           </a:p>
         </p:txBody>
@@ -12207,7 +12207,7 @@
           <a:chExt cx="0" cy="0"/>
         </a:xfrm>
       </p:grpSpPr>
-      <p:sp>
+      <p:sp xmlns:a="http://schemas.openxmlformats.org/drawingml/2006/main" xmlns:r="http://schemas.openxmlformats.org/officeDocument/2006/relationships" xmlns:p="http://schemas.openxmlformats.org/presentationml/2006/main">
         <p:nvSpPr>
           <p:cNvPr id="2" name="Title 1"/>
           <p:cNvSpPr>
@@ -12234,7 +12234,7 @@
           </a:p>
         </p:txBody>
       </p:sp>
-      <p:pic>
+      <p:pic xmlns:a="http://schemas.openxmlformats.org/drawingml/2006/main" xmlns:r="http://schemas.openxmlformats.org/officeDocument/2006/relationships" xmlns:p="http://schemas.openxmlformats.org/presentationml/2006/main">
         <p:nvPicPr>
           <p:cNvPr id="3" name="Content Placeholder 2" descr=""/>
           <p:cNvPicPr>
@@ -12260,7 +12260,7 @@
           </a:prstGeom>
         </p:spPr>
       </p:pic>
-      <p:sp>
+      <p:sp xmlns:a="http://schemas.openxmlformats.org/drawingml/2006/main" xmlns:r="http://schemas.openxmlformats.org/officeDocument/2006/relationships" xmlns:p="http://schemas.openxmlformats.org/presentationml/2006/main">
         <p:nvSpPr>
           <p:cNvPr id="4" name="Footer Placeholder 4"/>
           <p:cNvSpPr>
@@ -12282,7 +12282,7 @@
           <a:p>
             <a:r>
               <a:rPr/>
-              <a:t>script_IQSlidedeck.R | Date: 2024-10-03 11:57:40.800531</a:t>
+              <a:t>script_IQSlidedeck.R | Date: 2024-10-25 09:13:53</a:t>
             </a:r>
           </a:p>
         </p:txBody>
@@ -12312,7 +12312,7 @@
           <a:chExt cx="0" cy="0"/>
         </a:xfrm>
       </p:grpSpPr>
-      <p:sp>
+      <p:sp xmlns:a="http://schemas.openxmlformats.org/drawingml/2006/main" xmlns:r="http://schemas.openxmlformats.org/officeDocument/2006/relationships" xmlns:p="http://schemas.openxmlformats.org/presentationml/2006/main">
         <p:nvSpPr>
           <p:cNvPr id="2" name="Title 1"/>
           <p:cNvSpPr>
@@ -12339,7 +12339,7 @@
           </a:p>
         </p:txBody>
       </p:sp>
-      <p:pic>
+      <p:pic xmlns:a="http://schemas.openxmlformats.org/drawingml/2006/main" xmlns:r="http://schemas.openxmlformats.org/officeDocument/2006/relationships" xmlns:p="http://schemas.openxmlformats.org/presentationml/2006/main">
         <p:nvPicPr>
           <p:cNvPr id="3" name="Content Placeholder 2" descr=""/>
           <p:cNvPicPr>
@@ -12365,7 +12365,7 @@
           </a:prstGeom>
         </p:spPr>
       </p:pic>
-      <p:sp>
+      <p:sp xmlns:a="http://schemas.openxmlformats.org/drawingml/2006/main" xmlns:r="http://schemas.openxmlformats.org/officeDocument/2006/relationships" xmlns:p="http://schemas.openxmlformats.org/presentationml/2006/main">
         <p:nvSpPr>
           <p:cNvPr id="4" name="Footer Placeholder 4"/>
           <p:cNvSpPr>
@@ -12387,7 +12387,7 @@
           <a:p>
             <a:r>
               <a:rPr/>
-              <a:t>script_IQSlidedeck.R | Date: 2024-10-03 11:57:47.295396</a:t>
+              <a:t>script_IQSlidedeck.R | Date: 2024-10-25 09:13:59</a:t>
             </a:r>
           </a:p>
         </p:txBody>
@@ -12417,7 +12417,7 @@
           <a:chExt cx="0" cy="0"/>
         </a:xfrm>
       </p:grpSpPr>
-      <p:sp>
+      <p:sp xmlns:a="http://schemas.openxmlformats.org/drawingml/2006/main" xmlns:r="http://schemas.openxmlformats.org/officeDocument/2006/relationships" xmlns:p="http://schemas.openxmlformats.org/presentationml/2006/main">
         <p:nvSpPr>
           <p:cNvPr id="2" name="Title 1"/>
           <p:cNvSpPr>

--- a/tests/testresults/script_IQSlidedeck_IQnew.pptx
+++ b/tests/testresults/script_IQSlidedeck_IQnew.pptx
@@ -7,7 +7,7 @@
   <p:notesMasterIdLst>
     <p:notesMasterId r:id="rId2"/>
   </p:notesMasterIdLst>
-  <p:sldIdLst xmlns:a="http://schemas.openxmlformats.org/drawingml/2006/main" xmlns:r="http://schemas.openxmlformats.org/officeDocument/2006/relationships" xmlns:p="http://schemas.openxmlformats.org/presentationml/2006/main">
+  <p:sldIdLst>
     <p:sldId id="256" r:id="rId7"/>
     <p:sldId id="257" r:id="rId8"/>
     <p:sldId id="258" r:id="rId9"/>
@@ -10095,7 +10095,7 @@
           <a:chExt cx="0" cy="0"/>
         </a:xfrm>
       </p:grpSpPr>
-      <p:sp xmlns:a="http://schemas.openxmlformats.org/drawingml/2006/main" xmlns:r="http://schemas.openxmlformats.org/officeDocument/2006/relationships" xmlns:p="http://schemas.openxmlformats.org/presentationml/2006/main">
+      <p:sp>
         <p:nvSpPr>
           <p:cNvPr id="2" name="Titel 1"/>
           <p:cNvSpPr>
@@ -10122,7 +10122,7 @@
           </a:p>
         </p:txBody>
       </p:sp>
-      <p:sp xmlns:a="http://schemas.openxmlformats.org/drawingml/2006/main" xmlns:r="http://schemas.openxmlformats.org/officeDocument/2006/relationships" xmlns:p="http://schemas.openxmlformats.org/presentationml/2006/main">
+      <p:sp>
         <p:nvSpPr>
           <p:cNvPr id="3" name="Untertitel 2"/>
           <p:cNvSpPr>
@@ -10149,7 +10149,7 @@
           </a:p>
         </p:txBody>
       </p:sp>
-      <p:sp xmlns:a="http://schemas.openxmlformats.org/drawingml/2006/main" xmlns:r="http://schemas.openxmlformats.org/officeDocument/2006/relationships" xmlns:p="http://schemas.openxmlformats.org/presentationml/2006/main">
+      <p:sp>
         <p:nvSpPr>
           <p:cNvPr id="4" name="Date Placeholder 3"/>
           <p:cNvSpPr>
@@ -10171,12 +10171,12 @@
           <a:p>
             <a:r>
               <a:rPr/>
-              <a:t>2024-10-25</a:t>
-            </a:r>
-          </a:p>
-        </p:txBody>
-      </p:sp>
-      <p:sp xmlns:a="http://schemas.openxmlformats.org/drawingml/2006/main" xmlns:r="http://schemas.openxmlformats.org/officeDocument/2006/relationships" xmlns:p="http://schemas.openxmlformats.org/presentationml/2006/main">
+              <a:t>2025-04-23</a:t>
+            </a:r>
+          </a:p>
+        </p:txBody>
+      </p:sp>
+      <p:sp>
         <p:nvSpPr>
           <p:cNvPr id="5" name="Author Placeholder 6"/>
           <p:cNvSpPr>
@@ -10228,7 +10228,7 @@
           <a:chExt cx="0" cy="0"/>
         </a:xfrm>
       </p:grpSpPr>
-      <p:sp xmlns:a="http://schemas.openxmlformats.org/drawingml/2006/main" xmlns:r="http://schemas.openxmlformats.org/officeDocument/2006/relationships" xmlns:p="http://schemas.openxmlformats.org/presentationml/2006/main">
+      <p:sp>
         <p:nvSpPr>
           <p:cNvPr id="2" name="Title 1"/>
           <p:cNvSpPr>
@@ -10255,7 +10255,7 @@
           </a:p>
         </p:txBody>
       </p:sp>
-      <p:sp xmlns:a="http://schemas.openxmlformats.org/drawingml/2006/main" xmlns:r="http://schemas.openxmlformats.org/officeDocument/2006/relationships" xmlns:p="http://schemas.openxmlformats.org/presentationml/2006/main">
+      <p:sp>
         <p:nvSpPr>
           <p:cNvPr id="3" name="Content Placeholder 2"/>
           <p:cNvSpPr>
@@ -10288,7 +10288,7 @@
           </a:p>
         </p:txBody>
       </p:sp>
-      <p:pic xmlns:a="http://schemas.openxmlformats.org/drawingml/2006/main" xmlns:r="http://schemas.openxmlformats.org/officeDocument/2006/relationships" xmlns:p="http://schemas.openxmlformats.org/presentationml/2006/main">
+      <p:pic>
         <p:nvPicPr>
           <p:cNvPr id="4" name="Content Placeholder 3" descr=""/>
           <p:cNvPicPr>
@@ -10314,7 +10314,7 @@
           </a:prstGeom>
         </p:spPr>
       </p:pic>
-      <p:sp xmlns:a="http://schemas.openxmlformats.org/drawingml/2006/main" xmlns:r="http://schemas.openxmlformats.org/officeDocument/2006/relationships" xmlns:p="http://schemas.openxmlformats.org/presentationml/2006/main">
+      <p:sp>
         <p:nvSpPr>
           <p:cNvPr id="5" name="Footer Placeholder 5"/>
           <p:cNvSpPr>
@@ -10336,7 +10336,7 @@
           <a:p>
             <a:r>
               <a:rPr/>
-              <a:t>script_IQSlidedeck.R | Date: 2024-10-25 09:13:49</a:t>
+              <a:t>script_IQSlidedeck.R | Date: 2025-04-23 16:52:02.697434</a:t>
             </a:r>
           </a:p>
         </p:txBody>
@@ -10366,7 +10366,7 @@
           <a:chExt cx="0" cy="0"/>
         </a:xfrm>
       </p:grpSpPr>
-      <p:sp xmlns:a="http://schemas.openxmlformats.org/drawingml/2006/main" xmlns:r="http://schemas.openxmlformats.org/officeDocument/2006/relationships" xmlns:p="http://schemas.openxmlformats.org/presentationml/2006/main">
+      <p:sp>
         <p:nvSpPr>
           <p:cNvPr id="2" name="Title 1"/>
           <p:cNvSpPr>
@@ -10393,7 +10393,7 @@
           </a:p>
         </p:txBody>
       </p:sp>
-      <p:sp xmlns:a="http://schemas.openxmlformats.org/drawingml/2006/main" xmlns:r="http://schemas.openxmlformats.org/officeDocument/2006/relationships" xmlns:p="http://schemas.openxmlformats.org/presentationml/2006/main">
+      <p:sp>
         <p:nvSpPr>
           <p:cNvPr id="3" name="Content Placeholder 2"/>
           <p:cNvSpPr>
@@ -10656,7 +10656,7 @@
           </a:p>
         </p:txBody>
       </p:sp>
-      <p:pic xmlns:a="http://schemas.openxmlformats.org/drawingml/2006/main" xmlns:r="http://schemas.openxmlformats.org/officeDocument/2006/relationships" xmlns:p="http://schemas.openxmlformats.org/presentationml/2006/main">
+      <p:pic>
         <p:nvPicPr>
           <p:cNvPr id="4" name="Content Placeholder 3" descr=""/>
           <p:cNvPicPr>
@@ -10682,7 +10682,7 @@
           </a:prstGeom>
         </p:spPr>
       </p:pic>
-      <p:sp xmlns:a="http://schemas.openxmlformats.org/drawingml/2006/main" xmlns:r="http://schemas.openxmlformats.org/officeDocument/2006/relationships" xmlns:p="http://schemas.openxmlformats.org/presentationml/2006/main">
+      <p:sp>
         <p:nvSpPr>
           <p:cNvPr id="5" name="Footer Placeholder 5"/>
           <p:cNvSpPr>
@@ -10704,7 +10704,7 @@
           <a:p>
             <a:r>
               <a:rPr/>
-              <a:t>script_IQSlidedeck.R | Date: 2024-10-25 09:13:51</a:t>
+              <a:t>script_IQSlidedeck.R | Date: 2025-04-23 16:52:03.538924</a:t>
             </a:r>
           </a:p>
         </p:txBody>
@@ -10734,7 +10734,7 @@
           <a:chExt cx="0" cy="0"/>
         </a:xfrm>
       </p:grpSpPr>
-      <p:sp xmlns:a="http://schemas.openxmlformats.org/drawingml/2006/main" xmlns:r="http://schemas.openxmlformats.org/officeDocument/2006/relationships" xmlns:p="http://schemas.openxmlformats.org/presentationml/2006/main">
+      <p:sp>
         <p:nvSpPr>
           <p:cNvPr id="2" name="Title 1"/>
           <p:cNvSpPr>
@@ -10761,7 +10761,7 @@
           </a:p>
         </p:txBody>
       </p:sp>
-      <p:pic xmlns:a="http://schemas.openxmlformats.org/drawingml/2006/main" xmlns:r="http://schemas.openxmlformats.org/officeDocument/2006/relationships" xmlns:p="http://schemas.openxmlformats.org/presentationml/2006/main">
+      <p:pic>
         <p:nvPicPr>
           <p:cNvPr id="3" name="Content Placeholder 2" descr=""/>
           <p:cNvPicPr>
@@ -10787,7 +10787,7 @@
           </a:prstGeom>
         </p:spPr>
       </p:pic>
-      <p:sp xmlns:a="http://schemas.openxmlformats.org/drawingml/2006/main" xmlns:r="http://schemas.openxmlformats.org/officeDocument/2006/relationships" xmlns:p="http://schemas.openxmlformats.org/presentationml/2006/main">
+      <p:sp>
         <p:nvSpPr>
           <p:cNvPr id="4" name="Content Placeholder 3"/>
           <p:cNvSpPr>
@@ -11050,7 +11050,7 @@
           </a:p>
         </p:txBody>
       </p:sp>
-      <p:sp xmlns:a="http://schemas.openxmlformats.org/drawingml/2006/main" xmlns:r="http://schemas.openxmlformats.org/officeDocument/2006/relationships" xmlns:p="http://schemas.openxmlformats.org/presentationml/2006/main">
+      <p:sp>
         <p:nvSpPr>
           <p:cNvPr id="5" name="Footer Placeholder 5"/>
           <p:cNvSpPr>
@@ -11072,7 +11072,7 @@
           <a:p>
             <a:r>
               <a:rPr/>
-              <a:t>script_IQSlidedeck.R | Date: 2024-10-25 09:13:52</a:t>
+              <a:t>script_IQSlidedeck.R | Date: 2025-04-23 16:52:04.421185</a:t>
             </a:r>
           </a:p>
         </p:txBody>
@@ -11102,7 +11102,7 @@
           <a:chExt cx="0" cy="0"/>
         </a:xfrm>
       </p:grpSpPr>
-      <p:sp xmlns:a="http://schemas.openxmlformats.org/drawingml/2006/main" xmlns:r="http://schemas.openxmlformats.org/officeDocument/2006/relationships" xmlns:p="http://schemas.openxmlformats.org/presentationml/2006/main">
+      <p:sp>
         <p:nvSpPr>
           <p:cNvPr id="2" name="Title 1"/>
           <p:cNvSpPr>
@@ -11154,7 +11154,7 @@
           <a:chExt cx="0" cy="0"/>
         </a:xfrm>
       </p:grpSpPr>
-      <p:sp xmlns:a="http://schemas.openxmlformats.org/drawingml/2006/main" xmlns:r="http://schemas.openxmlformats.org/officeDocument/2006/relationships" xmlns:p="http://schemas.openxmlformats.org/presentationml/2006/main">
+      <p:sp>
         <p:nvSpPr>
           <p:cNvPr id="2" name="Title 1"/>
           <p:cNvSpPr>
@@ -11181,7 +11181,7 @@
           </a:p>
         </p:txBody>
       </p:sp>
-      <p:sp xmlns:a="http://schemas.openxmlformats.org/drawingml/2006/main" xmlns:r="http://schemas.openxmlformats.org/officeDocument/2006/relationships" xmlns:p="http://schemas.openxmlformats.org/presentationml/2006/main">
+      <p:sp>
         <p:nvSpPr>
           <p:cNvPr id="3" name="Content Placeholder 2"/>
           <p:cNvSpPr>
@@ -11214,7 +11214,7 @@
           </a:p>
         </p:txBody>
       </p:sp>
-      <p:pic xmlns:a="http://schemas.openxmlformats.org/drawingml/2006/main" xmlns:r="http://schemas.openxmlformats.org/officeDocument/2006/relationships" xmlns:p="http://schemas.openxmlformats.org/presentationml/2006/main">
+      <p:pic>
         <p:nvPicPr>
           <p:cNvPr id="4" name="Content Placeholder 3" descr=""/>
           <p:cNvPicPr>
@@ -11240,7 +11240,7 @@
           </a:prstGeom>
         </p:spPr>
       </p:pic>
-      <p:sp xmlns:a="http://schemas.openxmlformats.org/drawingml/2006/main" xmlns:r="http://schemas.openxmlformats.org/officeDocument/2006/relationships" xmlns:p="http://schemas.openxmlformats.org/presentationml/2006/main">
+      <p:sp>
         <p:nvSpPr>
           <p:cNvPr id="5" name="Footer Placeholder 5"/>
           <p:cNvSpPr>
@@ -11262,7 +11262,7 @@
           <a:p>
             <a:r>
               <a:rPr/>
-              <a:t>script_IQSlidedeck.R | Date: 2024-10-25 09:14:00</a:t>
+              <a:t>script_IQSlidedeck.R | Date: 2025-04-23 16:52:11.97824</a:t>
             </a:r>
           </a:p>
         </p:txBody>
@@ -11292,7 +11292,7 @@
           <a:chExt cx="0" cy="0"/>
         </a:xfrm>
       </p:grpSpPr>
-      <p:sp xmlns:a="http://schemas.openxmlformats.org/drawingml/2006/main" xmlns:r="http://schemas.openxmlformats.org/officeDocument/2006/relationships" xmlns:p="http://schemas.openxmlformats.org/presentationml/2006/main">
+      <p:sp>
         <p:nvSpPr>
           <p:cNvPr id="2" name="Title 1"/>
           <p:cNvSpPr>
@@ -11319,7 +11319,7 @@
           </a:p>
         </p:txBody>
       </p:sp>
-      <p:pic xmlns:a="http://schemas.openxmlformats.org/drawingml/2006/main" xmlns:r="http://schemas.openxmlformats.org/officeDocument/2006/relationships" xmlns:p="http://schemas.openxmlformats.org/presentationml/2006/main">
+      <p:pic>
         <p:nvPicPr>
           <p:cNvPr id="3" name="Content Placeholder 2" descr=""/>
           <p:cNvPicPr>
@@ -11345,7 +11345,7 @@
           </a:prstGeom>
         </p:spPr>
       </p:pic>
-      <p:pic xmlns:a="http://schemas.openxmlformats.org/drawingml/2006/main" xmlns:r="http://schemas.openxmlformats.org/officeDocument/2006/relationships" xmlns:p="http://schemas.openxmlformats.org/presentationml/2006/main">
+      <p:pic>
         <p:nvPicPr>
           <p:cNvPr id="4" name="Content Placeholder 3" descr=""/>
           <p:cNvPicPr>
@@ -11371,7 +11371,7 @@
           </a:prstGeom>
         </p:spPr>
       </p:pic>
-      <p:sp xmlns:a="http://schemas.openxmlformats.org/drawingml/2006/main" xmlns:r="http://schemas.openxmlformats.org/officeDocument/2006/relationships" xmlns:p="http://schemas.openxmlformats.org/presentationml/2006/main">
+      <p:sp>
         <p:nvSpPr>
           <p:cNvPr id="5" name="Footer Placeholder 5"/>
           <p:cNvSpPr>
@@ -11393,7 +11393,7 @@
           <a:p>
             <a:r>
               <a:rPr/>
-              <a:t>script_IQSlidedeck.R | Date: 2024-10-25 09:14:00</a:t>
+              <a:t>script_IQSlidedeck.R | Date: 2025-04-23 16:52:12.011498</a:t>
             </a:r>
           </a:p>
         </p:txBody>
@@ -11423,7 +11423,7 @@
           <a:chExt cx="0" cy="0"/>
         </a:xfrm>
       </p:grpSpPr>
-      <p:sp xmlns:a="http://schemas.openxmlformats.org/drawingml/2006/main" xmlns:r="http://schemas.openxmlformats.org/officeDocument/2006/relationships" xmlns:p="http://schemas.openxmlformats.org/presentationml/2006/main">
+      <p:sp>
         <p:nvSpPr>
           <p:cNvPr id="2" name="Title 1"/>
           <p:cNvSpPr>
@@ -11450,7 +11450,7 @@
           </a:p>
         </p:txBody>
       </p:sp>
-      <p:pic xmlns:a="http://schemas.openxmlformats.org/drawingml/2006/main" xmlns:r="http://schemas.openxmlformats.org/officeDocument/2006/relationships" xmlns:p="http://schemas.openxmlformats.org/presentationml/2006/main">
+      <p:pic>
         <p:nvPicPr>
           <p:cNvPr id="3" name="Content Placeholder 2" descr=""/>
           <p:cNvPicPr>
@@ -11476,7 +11476,7 @@
           </a:prstGeom>
         </p:spPr>
       </p:pic>
-      <p:sp xmlns:a="http://schemas.openxmlformats.org/drawingml/2006/main" xmlns:r="http://schemas.openxmlformats.org/officeDocument/2006/relationships" xmlns:p="http://schemas.openxmlformats.org/presentationml/2006/main">
+      <p:sp>
         <p:nvSpPr>
           <p:cNvPr id="4" name="Content Placeholder 3"/>
           <p:cNvSpPr>
@@ -11531,7 +11531,7 @@
           </a:p>
         </p:txBody>
       </p:sp>
-      <p:sp xmlns:a="http://schemas.openxmlformats.org/drawingml/2006/main" xmlns:r="http://schemas.openxmlformats.org/officeDocument/2006/relationships" xmlns:p="http://schemas.openxmlformats.org/presentationml/2006/main">
+      <p:sp>
         <p:nvSpPr>
           <p:cNvPr id="5" name="Footer Placeholder 5"/>
           <p:cNvSpPr>
@@ -11553,7 +11553,7 @@
           <a:p>
             <a:r>
               <a:rPr/>
-              <a:t>script_IQSlidedeck.R | Date: 2024-10-25 09:14:00</a:t>
+              <a:t>script_IQSlidedeck.R | Date: 2025-04-23 16:52:12.04445</a:t>
             </a:r>
           </a:p>
         </p:txBody>
@@ -11583,7 +11583,7 @@
           <a:chExt cx="0" cy="0"/>
         </a:xfrm>
       </p:grpSpPr>
-      <p:sp xmlns:a="http://schemas.openxmlformats.org/drawingml/2006/main" xmlns:r="http://schemas.openxmlformats.org/officeDocument/2006/relationships" xmlns:p="http://schemas.openxmlformats.org/presentationml/2006/main">
+      <p:sp>
         <p:nvSpPr>
           <p:cNvPr id="2" name="Title 1"/>
           <p:cNvSpPr>
@@ -11610,7 +11610,7 @@
           </a:p>
         </p:txBody>
       </p:sp>
-      <p:sp xmlns:a="http://schemas.openxmlformats.org/drawingml/2006/main" xmlns:r="http://schemas.openxmlformats.org/officeDocument/2006/relationships" xmlns:p="http://schemas.openxmlformats.org/presentationml/2006/main">
+      <p:sp>
         <p:nvSpPr>
           <p:cNvPr id="3" name="Content Placeholder 2"/>
           <p:cNvSpPr>
@@ -11643,7 +11643,7 @@
           </a:p>
         </p:txBody>
       </p:sp>
-      <p:pic xmlns:a="http://schemas.openxmlformats.org/drawingml/2006/main" xmlns:r="http://schemas.openxmlformats.org/officeDocument/2006/relationships" xmlns:p="http://schemas.openxmlformats.org/presentationml/2006/main">
+      <p:pic>
         <p:nvPicPr>
           <p:cNvPr id="4" name="Content Placeholder 3" descr=""/>
           <p:cNvPicPr>
@@ -11669,7 +11669,7 @@
           </a:prstGeom>
         </p:spPr>
       </p:pic>
-      <p:sp xmlns:a="http://schemas.openxmlformats.org/drawingml/2006/main" xmlns:r="http://schemas.openxmlformats.org/officeDocument/2006/relationships" xmlns:p="http://schemas.openxmlformats.org/presentationml/2006/main">
+      <p:sp>
         <p:nvSpPr>
           <p:cNvPr id="5" name="Footer Placeholder 5"/>
           <p:cNvSpPr>
@@ -11691,7 +11691,7 @@
           <a:p>
             <a:r>
               <a:rPr/>
-              <a:t>script_IQSlidedeck.R | Date: 2024-10-25 09:14:00</a:t>
+              <a:t>script_IQSlidedeck.R | Date: 2025-04-23 16:52:12.077639</a:t>
             </a:r>
           </a:p>
         </p:txBody>
@@ -11721,7 +11721,7 @@
           <a:chExt cx="0" cy="0"/>
         </a:xfrm>
       </p:grpSpPr>
-      <p:sp xmlns:a="http://schemas.openxmlformats.org/drawingml/2006/main" xmlns:r="http://schemas.openxmlformats.org/officeDocument/2006/relationships" xmlns:p="http://schemas.openxmlformats.org/presentationml/2006/main">
+      <p:sp>
         <p:nvSpPr>
           <p:cNvPr id="2" name="Title 1"/>
           <p:cNvSpPr>
@@ -11773,7 +11773,7 @@
           <a:chExt cx="0" cy="0"/>
         </a:xfrm>
       </p:grpSpPr>
-      <p:sp xmlns:a="http://schemas.openxmlformats.org/drawingml/2006/main" xmlns:r="http://schemas.openxmlformats.org/officeDocument/2006/relationships" xmlns:p="http://schemas.openxmlformats.org/presentationml/2006/main">
+      <p:sp>
         <p:nvSpPr>
           <p:cNvPr id="2" name="Title 1"/>
           <p:cNvSpPr>
@@ -11800,7 +11800,7 @@
           </a:p>
         </p:txBody>
       </p:sp>
-      <p:sp xmlns:a="http://schemas.openxmlformats.org/drawingml/2006/main" xmlns:r="http://schemas.openxmlformats.org/officeDocument/2006/relationships" xmlns:p="http://schemas.openxmlformats.org/presentationml/2006/main">
+      <p:sp>
         <p:nvSpPr>
           <p:cNvPr id="3" name="Content Placeholder 2"/>
           <p:cNvSpPr>
@@ -11833,7 +11833,7 @@
           </a:p>
         </p:txBody>
       </p:sp>
-      <p:sp xmlns:a="http://schemas.openxmlformats.org/drawingml/2006/main" xmlns:r="http://schemas.openxmlformats.org/officeDocument/2006/relationships" xmlns:p="http://schemas.openxmlformats.org/presentationml/2006/main">
+      <p:sp>
         <p:nvSpPr>
           <p:cNvPr id="4" name="Footer Placeholder 4"/>
           <p:cNvSpPr>
@@ -11855,7 +11855,7 @@
           <a:p>
             <a:r>
               <a:rPr/>
-              <a:t>script_IQSlidedeck.R | Date: 2024-10-25 09:13:48</a:t>
+              <a:t>script_IQSlidedeck.R | Date: 2025-04-23 16:52:01.844054</a:t>
             </a:r>
           </a:p>
         </p:txBody>
@@ -11885,7 +11885,7 @@
           <a:chExt cx="0" cy="0"/>
         </a:xfrm>
       </p:grpSpPr>
-      <p:sp xmlns:a="http://schemas.openxmlformats.org/drawingml/2006/main" xmlns:r="http://schemas.openxmlformats.org/officeDocument/2006/relationships" xmlns:p="http://schemas.openxmlformats.org/presentationml/2006/main">
+      <p:sp>
         <p:nvSpPr>
           <p:cNvPr id="2" name="Title 1"/>
           <p:cNvSpPr>
@@ -11937,7 +11937,7 @@
           <a:chExt cx="0" cy="0"/>
         </a:xfrm>
       </p:grpSpPr>
-      <p:sp xmlns:a="http://schemas.openxmlformats.org/drawingml/2006/main" xmlns:r="http://schemas.openxmlformats.org/officeDocument/2006/relationships" xmlns:p="http://schemas.openxmlformats.org/presentationml/2006/main">
+      <p:sp>
         <p:nvSpPr>
           <p:cNvPr id="2" name="Title 1"/>
           <p:cNvSpPr>
@@ -11964,7 +11964,7 @@
           </a:p>
         </p:txBody>
       </p:sp>
-      <p:sp xmlns:a="http://schemas.openxmlformats.org/drawingml/2006/main" xmlns:r="http://schemas.openxmlformats.org/officeDocument/2006/relationships" xmlns:p="http://schemas.openxmlformats.org/presentationml/2006/main">
+      <p:sp>
         <p:nvSpPr>
           <p:cNvPr id="3" name="Content Placeholder 2"/>
           <p:cNvSpPr>
@@ -11997,7 +11997,7 @@
           </a:p>
         </p:txBody>
       </p:sp>
-      <p:pic xmlns:a="http://schemas.openxmlformats.org/drawingml/2006/main" xmlns:r="http://schemas.openxmlformats.org/officeDocument/2006/relationships" xmlns:p="http://schemas.openxmlformats.org/presentationml/2006/main">
+      <p:pic>
         <p:nvPicPr>
           <p:cNvPr id="4" name="Content Placeholder 3" descr=""/>
           <p:cNvPicPr>
@@ -12023,7 +12023,7 @@
           </a:prstGeom>
         </p:spPr>
       </p:pic>
-      <p:sp xmlns:a="http://schemas.openxmlformats.org/drawingml/2006/main" xmlns:r="http://schemas.openxmlformats.org/officeDocument/2006/relationships" xmlns:p="http://schemas.openxmlformats.org/presentationml/2006/main">
+      <p:sp>
         <p:nvSpPr>
           <p:cNvPr id="5" name="Text Placeholder 2"/>
           <p:cNvSpPr>
@@ -12050,7 +12050,7 @@
           </a:p>
         </p:txBody>
       </p:sp>
-      <p:sp xmlns:a="http://schemas.openxmlformats.org/drawingml/2006/main" xmlns:r="http://schemas.openxmlformats.org/officeDocument/2006/relationships" xmlns:p="http://schemas.openxmlformats.org/presentationml/2006/main">
+      <p:sp>
         <p:nvSpPr>
           <p:cNvPr id="6" name="Footer Placeholder 5"/>
           <p:cNvSpPr>
@@ -12072,7 +12072,7 @@
           <a:p>
             <a:r>
               <a:rPr/>
-              <a:t>script_IQSlidedeck.R | Date: 2024-10-25 09:13:48</a:t>
+              <a:t>script_IQSlidedeck.R | Date: 2025-04-23 16:52:02.007061</a:t>
             </a:r>
           </a:p>
         </p:txBody>
@@ -12102,7 +12102,7 @@
           <a:chExt cx="0" cy="0"/>
         </a:xfrm>
       </p:grpSpPr>
-      <p:sp xmlns:a="http://schemas.openxmlformats.org/drawingml/2006/main" xmlns:r="http://schemas.openxmlformats.org/officeDocument/2006/relationships" xmlns:p="http://schemas.openxmlformats.org/presentationml/2006/main">
+      <p:sp>
         <p:nvSpPr>
           <p:cNvPr id="2" name="Title 1"/>
           <p:cNvSpPr>
@@ -12129,7 +12129,7 @@
           </a:p>
         </p:txBody>
       </p:sp>
-      <p:pic xmlns:a="http://schemas.openxmlformats.org/drawingml/2006/main" xmlns:r="http://schemas.openxmlformats.org/officeDocument/2006/relationships" xmlns:p="http://schemas.openxmlformats.org/presentationml/2006/main">
+      <p:pic>
         <p:nvPicPr>
           <p:cNvPr id="3" name="Content Placeholder 2" descr=""/>
           <p:cNvPicPr>
@@ -12155,7 +12155,7 @@
           </a:prstGeom>
         </p:spPr>
       </p:pic>
-      <p:sp xmlns:a="http://schemas.openxmlformats.org/drawingml/2006/main" xmlns:r="http://schemas.openxmlformats.org/officeDocument/2006/relationships" xmlns:p="http://schemas.openxmlformats.org/presentationml/2006/main">
+      <p:sp>
         <p:nvSpPr>
           <p:cNvPr id="4" name="Footer Placeholder 4"/>
           <p:cNvSpPr>
@@ -12177,7 +12177,7 @@
           <a:p>
             <a:r>
               <a:rPr/>
-              <a:t>script_IQSlidedeck.R | Date: 2024-10-25 09:13:53</a:t>
+              <a:t>script_IQSlidedeck.R | Date: 2025-04-23 16:52:05.054469</a:t>
             </a:r>
           </a:p>
         </p:txBody>
@@ -12207,7 +12207,7 @@
           <a:chExt cx="0" cy="0"/>
         </a:xfrm>
       </p:grpSpPr>
-      <p:sp xmlns:a="http://schemas.openxmlformats.org/drawingml/2006/main" xmlns:r="http://schemas.openxmlformats.org/officeDocument/2006/relationships" xmlns:p="http://schemas.openxmlformats.org/presentationml/2006/main">
+      <p:sp>
         <p:nvSpPr>
           <p:cNvPr id="2" name="Title 1"/>
           <p:cNvSpPr>
@@ -12234,7 +12234,7 @@
           </a:p>
         </p:txBody>
       </p:sp>
-      <p:pic xmlns:a="http://schemas.openxmlformats.org/drawingml/2006/main" xmlns:r="http://schemas.openxmlformats.org/officeDocument/2006/relationships" xmlns:p="http://schemas.openxmlformats.org/presentationml/2006/main">
+      <p:pic>
         <p:nvPicPr>
           <p:cNvPr id="3" name="Content Placeholder 2" descr=""/>
           <p:cNvPicPr>
@@ -12260,7 +12260,7 @@
           </a:prstGeom>
         </p:spPr>
       </p:pic>
-      <p:sp xmlns:a="http://schemas.openxmlformats.org/drawingml/2006/main" xmlns:r="http://schemas.openxmlformats.org/officeDocument/2006/relationships" xmlns:p="http://schemas.openxmlformats.org/presentationml/2006/main">
+      <p:sp>
         <p:nvSpPr>
           <p:cNvPr id="4" name="Footer Placeholder 4"/>
           <p:cNvSpPr>
@@ -12282,7 +12282,7 @@
           <a:p>
             <a:r>
               <a:rPr/>
-              <a:t>script_IQSlidedeck.R | Date: 2024-10-25 09:13:53</a:t>
+              <a:t>script_IQSlidedeck.R | Date: 2025-04-23 16:52:06.064167</a:t>
             </a:r>
           </a:p>
         </p:txBody>
@@ -12312,7 +12312,7 @@
           <a:chExt cx="0" cy="0"/>
         </a:xfrm>
       </p:grpSpPr>
-      <p:sp xmlns:a="http://schemas.openxmlformats.org/drawingml/2006/main" xmlns:r="http://schemas.openxmlformats.org/officeDocument/2006/relationships" xmlns:p="http://schemas.openxmlformats.org/presentationml/2006/main">
+      <p:sp>
         <p:nvSpPr>
           <p:cNvPr id="2" name="Title 1"/>
           <p:cNvSpPr>
@@ -12339,7 +12339,7 @@
           </a:p>
         </p:txBody>
       </p:sp>
-      <p:pic xmlns:a="http://schemas.openxmlformats.org/drawingml/2006/main" xmlns:r="http://schemas.openxmlformats.org/officeDocument/2006/relationships" xmlns:p="http://schemas.openxmlformats.org/presentationml/2006/main">
+      <p:pic>
         <p:nvPicPr>
           <p:cNvPr id="3" name="Content Placeholder 2" descr=""/>
           <p:cNvPicPr>
@@ -12365,7 +12365,7 @@
           </a:prstGeom>
         </p:spPr>
       </p:pic>
-      <p:sp xmlns:a="http://schemas.openxmlformats.org/drawingml/2006/main" xmlns:r="http://schemas.openxmlformats.org/officeDocument/2006/relationships" xmlns:p="http://schemas.openxmlformats.org/presentationml/2006/main">
+      <p:sp>
         <p:nvSpPr>
           <p:cNvPr id="4" name="Footer Placeholder 4"/>
           <p:cNvSpPr>
@@ -12387,7 +12387,7 @@
           <a:p>
             <a:r>
               <a:rPr/>
-              <a:t>script_IQSlidedeck.R | Date: 2024-10-25 09:13:59</a:t>
+              <a:t>script_IQSlidedeck.R | Date: 2025-04-23 16:52:11.532092</a:t>
             </a:r>
           </a:p>
         </p:txBody>
@@ -12417,7 +12417,7 @@
           <a:chExt cx="0" cy="0"/>
         </a:xfrm>
       </p:grpSpPr>
-      <p:sp xmlns:a="http://schemas.openxmlformats.org/drawingml/2006/main" xmlns:r="http://schemas.openxmlformats.org/officeDocument/2006/relationships" xmlns:p="http://schemas.openxmlformats.org/presentationml/2006/main">
+      <p:sp>
         <p:nvSpPr>
           <p:cNvPr id="2" name="Title 1"/>
           <p:cNvSpPr>
